--- a/docs/LayardArchitecturalOverview.pptx
+++ b/docs/LayardArchitecturalOverview.pptx
@@ -259,7 +259,7 @@
           <a:p>
             <a:fld id="{12C4E39A-9D43-8547-8ED7-9E99CFD6D622}" type="datetimeFigureOut">
               <a:rPr kumimoji="1" lang="ja-JP" altLang="en-US" smtClean="0"/>
-              <a:t>2019/11/10</a:t>
+              <a:t>2020/1/6</a:t>
             </a:fld>
             <a:endParaRPr kumimoji="1" lang="ja-JP" altLang="en-US"/>
           </a:p>
@@ -489,7 +489,7 @@
           <a:p>
             <a:fld id="{12C4E39A-9D43-8547-8ED7-9E99CFD6D622}" type="datetimeFigureOut">
               <a:rPr kumimoji="1" lang="ja-JP" altLang="en-US" smtClean="0"/>
-              <a:t>2019/11/10</a:t>
+              <a:t>2020/1/6</a:t>
             </a:fld>
             <a:endParaRPr kumimoji="1" lang="ja-JP" altLang="en-US"/>
           </a:p>
@@ -729,7 +729,7 @@
           <a:p>
             <a:fld id="{12C4E39A-9D43-8547-8ED7-9E99CFD6D622}" type="datetimeFigureOut">
               <a:rPr kumimoji="1" lang="ja-JP" altLang="en-US" smtClean="0"/>
-              <a:t>2019/11/10</a:t>
+              <a:t>2020/1/6</a:t>
             </a:fld>
             <a:endParaRPr kumimoji="1" lang="ja-JP" altLang="en-US"/>
           </a:p>
@@ -959,7 +959,7 @@
           <a:p>
             <a:fld id="{12C4E39A-9D43-8547-8ED7-9E99CFD6D622}" type="datetimeFigureOut">
               <a:rPr kumimoji="1" lang="ja-JP" altLang="en-US" smtClean="0"/>
-              <a:t>2019/11/10</a:t>
+              <a:t>2020/1/6</a:t>
             </a:fld>
             <a:endParaRPr kumimoji="1" lang="ja-JP" altLang="en-US"/>
           </a:p>
@@ -1234,7 +1234,7 @@
           <a:p>
             <a:fld id="{12C4E39A-9D43-8547-8ED7-9E99CFD6D622}" type="datetimeFigureOut">
               <a:rPr kumimoji="1" lang="ja-JP" altLang="en-US" smtClean="0"/>
-              <a:t>2019/11/10</a:t>
+              <a:t>2020/1/6</a:t>
             </a:fld>
             <a:endParaRPr kumimoji="1" lang="ja-JP" altLang="en-US"/>
           </a:p>
@@ -1563,7 +1563,7 @@
           <a:p>
             <a:fld id="{12C4E39A-9D43-8547-8ED7-9E99CFD6D622}" type="datetimeFigureOut">
               <a:rPr kumimoji="1" lang="ja-JP" altLang="en-US" smtClean="0"/>
-              <a:t>2019/11/10</a:t>
+              <a:t>2020/1/6</a:t>
             </a:fld>
             <a:endParaRPr kumimoji="1" lang="ja-JP" altLang="en-US"/>
           </a:p>
@@ -2039,7 +2039,7 @@
           <a:p>
             <a:fld id="{12C4E39A-9D43-8547-8ED7-9E99CFD6D622}" type="datetimeFigureOut">
               <a:rPr kumimoji="1" lang="ja-JP" altLang="en-US" smtClean="0"/>
-              <a:t>2019/11/10</a:t>
+              <a:t>2020/1/6</a:t>
             </a:fld>
             <a:endParaRPr kumimoji="1" lang="ja-JP" altLang="en-US"/>
           </a:p>
@@ -2180,7 +2180,7 @@
           <a:p>
             <a:fld id="{12C4E39A-9D43-8547-8ED7-9E99CFD6D622}" type="datetimeFigureOut">
               <a:rPr kumimoji="1" lang="ja-JP" altLang="en-US" smtClean="0"/>
-              <a:t>2019/11/10</a:t>
+              <a:t>2020/1/6</a:t>
             </a:fld>
             <a:endParaRPr kumimoji="1" lang="ja-JP" altLang="en-US"/>
           </a:p>
@@ -2293,7 +2293,7 @@
           <a:p>
             <a:fld id="{12C4E39A-9D43-8547-8ED7-9E99CFD6D622}" type="datetimeFigureOut">
               <a:rPr kumimoji="1" lang="ja-JP" altLang="en-US" smtClean="0"/>
-              <a:t>2019/11/10</a:t>
+              <a:t>2020/1/6</a:t>
             </a:fld>
             <a:endParaRPr kumimoji="1" lang="ja-JP" altLang="en-US"/>
           </a:p>
@@ -2636,7 +2636,7 @@
           <a:p>
             <a:fld id="{12C4E39A-9D43-8547-8ED7-9E99CFD6D622}" type="datetimeFigureOut">
               <a:rPr kumimoji="1" lang="ja-JP" altLang="en-US" smtClean="0"/>
-              <a:t>2019/11/10</a:t>
+              <a:t>2020/1/6</a:t>
             </a:fld>
             <a:endParaRPr kumimoji="1" lang="ja-JP" altLang="en-US"/>
           </a:p>
@@ -2924,7 +2924,7 @@
           <a:p>
             <a:fld id="{12C4E39A-9D43-8547-8ED7-9E99CFD6D622}" type="datetimeFigureOut">
               <a:rPr kumimoji="1" lang="ja-JP" altLang="en-US" smtClean="0"/>
-              <a:t>2019/11/10</a:t>
+              <a:t>2020/1/6</a:t>
             </a:fld>
             <a:endParaRPr kumimoji="1" lang="ja-JP" altLang="en-US"/>
           </a:p>
@@ -3197,7 +3197,7 @@
           <a:p>
             <a:fld id="{12C4E39A-9D43-8547-8ED7-9E99CFD6D622}" type="datetimeFigureOut">
               <a:rPr kumimoji="1" lang="ja-JP" altLang="en-US" smtClean="0"/>
-              <a:t>2019/11/10</a:t>
+              <a:t>2020/1/6</a:t>
             </a:fld>
             <a:endParaRPr kumimoji="1" lang="ja-JP" altLang="en-US"/>
           </a:p>
@@ -3666,7 +3666,7 @@
         </p:blipFill>
         <p:spPr>
           <a:xfrm>
-            <a:off x="9420913" y="2078774"/>
+            <a:off x="3111688" y="5583044"/>
             <a:ext cx="1058961" cy="648614"/>
           </a:xfrm>
           <a:prstGeom prst="rect">
@@ -3676,10 +3676,10 @@
       </p:pic>
       <p:pic>
         <p:nvPicPr>
-          <p:cNvPr id="7" name="図 6" descr="花 が含まれている画像&#10;&#10;自動的に生成された説明">
-            <a:extLst>
-              <a:ext uri="{FF2B5EF4-FFF2-40B4-BE49-F238E27FC236}">
-                <a16:creationId xmlns:a16="http://schemas.microsoft.com/office/drawing/2014/main" id="{A77428B9-FA3A-0B4E-A03E-41027C7BB346}"/>
+          <p:cNvPr id="11" name="図 10">
+            <a:extLst>
+              <a:ext uri="{FF2B5EF4-FFF2-40B4-BE49-F238E27FC236}">
+                <a16:creationId xmlns:a16="http://schemas.microsoft.com/office/drawing/2014/main" id="{BD570F70-020F-A24F-9A3B-8E6D3645039B}"/>
               </a:ext>
             </a:extLst>
           </p:cNvPr>
@@ -3696,8 +3696,8 @@
         </p:blipFill>
         <p:spPr>
           <a:xfrm>
-            <a:off x="9479499" y="3115067"/>
-            <a:ext cx="941788" cy="863305"/>
+            <a:off x="5171282" y="3343685"/>
+            <a:ext cx="2062412" cy="1158188"/>
           </a:xfrm>
           <a:prstGeom prst="rect">
             <a:avLst/>
@@ -3706,10 +3706,10 @@
       </p:pic>
       <p:pic>
         <p:nvPicPr>
-          <p:cNvPr id="9" name="図 8" descr="レゴ, 部屋 が含まれている画像&#10;&#10;自動的に生成された説明">
-            <a:extLst>
-              <a:ext uri="{FF2B5EF4-FFF2-40B4-BE49-F238E27FC236}">
-                <a16:creationId xmlns:a16="http://schemas.microsoft.com/office/drawing/2014/main" id="{DEE68269-661E-A54F-9FB2-313D8D3B05C7}"/>
+          <p:cNvPr id="7" name="図 6" descr="花 が含まれている画像&#10;&#10;自動的に生成された説明">
+            <a:extLst>
+              <a:ext uri="{FF2B5EF4-FFF2-40B4-BE49-F238E27FC236}">
+                <a16:creationId xmlns:a16="http://schemas.microsoft.com/office/drawing/2014/main" id="{A77428B9-FA3A-0B4E-A03E-41027C7BB346}"/>
               </a:ext>
             </a:extLst>
           </p:cNvPr>
@@ -3726,8 +3726,8 @@
         </p:blipFill>
         <p:spPr>
           <a:xfrm>
-            <a:off x="6312987" y="4557134"/>
-            <a:ext cx="1158188" cy="1158188"/>
+            <a:off x="4785920" y="5475699"/>
+            <a:ext cx="941788" cy="863305"/>
           </a:xfrm>
           <a:prstGeom prst="rect">
             <a:avLst/>
@@ -3736,10 +3736,10 @@
       </p:pic>
       <p:pic>
         <p:nvPicPr>
-          <p:cNvPr id="11" name="図 10">
-            <a:extLst>
-              <a:ext uri="{FF2B5EF4-FFF2-40B4-BE49-F238E27FC236}">
-                <a16:creationId xmlns:a16="http://schemas.microsoft.com/office/drawing/2014/main" id="{BD570F70-020F-A24F-9A3B-8E6D3645039B}"/>
+          <p:cNvPr id="9" name="図 8" descr="レゴ, 部屋 が含まれている画像&#10;&#10;自動的に生成された説明">
+            <a:extLst>
+              <a:ext uri="{FF2B5EF4-FFF2-40B4-BE49-F238E27FC236}">
+                <a16:creationId xmlns:a16="http://schemas.microsoft.com/office/drawing/2014/main" id="{DEE68269-661E-A54F-9FB2-313D8D3B05C7}"/>
               </a:ext>
             </a:extLst>
           </p:cNvPr>
@@ -3756,8 +3756,8 @@
         </p:blipFill>
         <p:spPr>
           <a:xfrm>
-            <a:off x="5860875" y="3519057"/>
-            <a:ext cx="2062412" cy="1158188"/>
+            <a:off x="4187541" y="3343685"/>
+            <a:ext cx="1158188" cy="1158188"/>
           </a:xfrm>
           <a:prstGeom prst="rect">
             <a:avLst/>
@@ -3786,7 +3786,7 @@
         </p:blipFill>
         <p:spPr>
           <a:xfrm>
-            <a:off x="3313902" y="4262522"/>
+            <a:off x="3187455" y="1594586"/>
             <a:ext cx="1000814" cy="749046"/>
           </a:xfrm>
           <a:prstGeom prst="rect">
@@ -3816,7 +3816,7 @@
         </p:blipFill>
         <p:spPr>
           <a:xfrm>
-            <a:off x="6397839" y="2739088"/>
+            <a:off x="8455443" y="3580154"/>
             <a:ext cx="988484" cy="685250"/>
           </a:xfrm>
           <a:prstGeom prst="rect">
@@ -3846,7 +3846,7 @@
         </p:blipFill>
         <p:spPr>
           <a:xfrm>
-            <a:off x="6611355" y="1911964"/>
+            <a:off x="3262055" y="3642053"/>
             <a:ext cx="561453" cy="561453"/>
           </a:xfrm>
           <a:prstGeom prst="rect">
@@ -3876,7 +3876,7 @@
         </p:blipFill>
         <p:spPr>
           <a:xfrm>
-            <a:off x="3129029" y="2108163"/>
+            <a:off x="4626360" y="1581157"/>
             <a:ext cx="1371367" cy="775905"/>
           </a:xfrm>
           <a:prstGeom prst="rect">
@@ -3906,7 +3906,7 @@
         </p:blipFill>
         <p:spPr>
           <a:xfrm>
-            <a:off x="9666722" y="4508817"/>
+            <a:off x="8313382" y="5514940"/>
             <a:ext cx="567342" cy="784823"/>
           </a:xfrm>
           <a:prstGeom prst="rect">
@@ -3977,8 +3977,8 @@
         </p:nvSpPr>
         <p:spPr>
           <a:xfrm>
-            <a:off x="2669105" y="1045468"/>
-            <a:ext cx="2238153" cy="4918629"/>
+            <a:off x="2696650" y="1096269"/>
+            <a:ext cx="8390861" cy="1499526"/>
           </a:xfrm>
           <a:prstGeom prst="roundRect">
             <a:avLst>
@@ -4052,7 +4052,7 @@
         </p:blipFill>
         <p:spPr>
           <a:xfrm>
-            <a:off x="3519484" y="3312618"/>
+            <a:off x="7876753" y="1674284"/>
             <a:ext cx="589650" cy="589650"/>
           </a:xfrm>
           <a:prstGeom prst="rect">
@@ -4060,73 +4060,6 @@
           </a:prstGeom>
         </p:spPr>
       </p:pic>
-      <p:sp>
-        <p:nvSpPr>
-          <p:cNvPr id="30" name="角丸四角形 29">
-            <a:extLst>
-              <a:ext uri="{FF2B5EF4-FFF2-40B4-BE49-F238E27FC236}">
-                <a16:creationId xmlns:a16="http://schemas.microsoft.com/office/drawing/2014/main" id="{0C396962-4C3F-184D-A2AB-A5C15CB38FA0}"/>
-              </a:ext>
-            </a:extLst>
-          </p:cNvPr>
-          <p:cNvSpPr/>
-          <p:nvPr/>
-        </p:nvSpPr>
-        <p:spPr>
-          <a:xfrm>
-            <a:off x="5745307" y="1057902"/>
-            <a:ext cx="2238153" cy="4918629"/>
-          </a:xfrm>
-          <a:prstGeom prst="roundRect">
-            <a:avLst>
-              <a:gd name="adj" fmla="val 0"/>
-            </a:avLst>
-          </a:prstGeom>
-          <a:noFill/>
-        </p:spPr>
-        <p:style>
-          <a:lnRef idx="2">
-            <a:schemeClr val="accent1">
-              <a:shade val="50000"/>
-            </a:schemeClr>
-          </a:lnRef>
-          <a:fillRef idx="1">
-            <a:schemeClr val="accent1"/>
-          </a:fillRef>
-          <a:effectRef idx="0">
-            <a:schemeClr val="accent1"/>
-          </a:effectRef>
-          <a:fontRef idx="minor">
-            <a:schemeClr val="lt1"/>
-          </a:fontRef>
-        </p:style>
-        <p:txBody>
-          <a:bodyPr rtlCol="0" anchor="t"/>
-          <a:lstStyle/>
-          <a:p>
-            <a:pPr algn="ctr"/>
-            <a:r>
-              <a:rPr lang="en-US" altLang="ja-JP" dirty="0">
-                <a:solidFill>
-                  <a:schemeClr val="tx1">
-                    <a:lumMod val="75000"/>
-                    <a:lumOff val="25000"/>
-                  </a:schemeClr>
-                </a:solidFill>
-              </a:rPr>
-              <a:t>Tier 2</a:t>
-            </a:r>
-            <a:endParaRPr kumimoji="1" lang="en-US" altLang="ja-JP" dirty="0">
-              <a:solidFill>
-                <a:schemeClr val="tx1">
-                  <a:lumMod val="75000"/>
-                  <a:lumOff val="25000"/>
-                </a:schemeClr>
-              </a:solidFill>
-            </a:endParaRPr>
-          </a:p>
-        </p:txBody>
-      </p:sp>
       <p:pic>
         <p:nvPicPr>
           <p:cNvPr id="33" name="グラフィックス 32" descr="Web デザイン">
@@ -4306,24 +4239,23 @@
       </p:cxnSp>
       <p:cxnSp>
         <p:nvCxnSpPr>
-          <p:cNvPr id="56" name="直線矢印コネクタ 55">
-            <a:extLst>
-              <a:ext uri="{FF2B5EF4-FFF2-40B4-BE49-F238E27FC236}">
-                <a16:creationId xmlns:a16="http://schemas.microsoft.com/office/drawing/2014/main" id="{9AD97359-DD41-F346-9CC4-5B3AA7E37FEC}"/>
+          <p:cNvPr id="59" name="直線矢印コネクタ 58">
+            <a:extLst>
+              <a:ext uri="{FF2B5EF4-FFF2-40B4-BE49-F238E27FC236}">
+                <a16:creationId xmlns:a16="http://schemas.microsoft.com/office/drawing/2014/main" id="{CB08D5CA-318D-B245-B927-B77D75A813DB}"/>
               </a:ext>
             </a:extLst>
           </p:cNvPr>
           <p:cNvCxnSpPr>
             <a:cxnSpLocks/>
             <a:stCxn id="37" idx="3"/>
-            <a:endCxn id="21" idx="1"/>
           </p:cNvCxnSpPr>
           <p:nvPr/>
         </p:nvCxnSpPr>
         <p:spPr>
-          <a:xfrm flipV="1">
-            <a:off x="1374352" y="2496116"/>
-            <a:ext cx="1754677" cy="1695660"/>
+          <a:xfrm>
+            <a:off x="1374352" y="4191776"/>
+            <a:ext cx="668761" cy="0"/>
           </a:xfrm>
           <a:prstGeom prst="straightConnector1">
             <a:avLst/>
@@ -4353,359 +4285,26 @@
           </a:fontRef>
         </p:style>
       </p:cxnSp>
-      <p:cxnSp>
-        <p:nvCxnSpPr>
-          <p:cNvPr id="59" name="直線矢印コネクタ 58">
-            <a:extLst>
-              <a:ext uri="{FF2B5EF4-FFF2-40B4-BE49-F238E27FC236}">
-                <a16:creationId xmlns:a16="http://schemas.microsoft.com/office/drawing/2014/main" id="{CB08D5CA-318D-B245-B927-B77D75A813DB}"/>
-              </a:ext>
-            </a:extLst>
-          </p:cNvPr>
-          <p:cNvCxnSpPr>
-            <a:cxnSpLocks/>
-            <a:stCxn id="37" idx="3"/>
-          </p:cNvCxnSpPr>
+      <p:sp>
+        <p:nvSpPr>
+          <p:cNvPr id="32" name="角丸四角形 26">
+            <a:extLst>
+              <a:ext uri="{FF2B5EF4-FFF2-40B4-BE49-F238E27FC236}">
+                <a16:creationId xmlns:a16="http://schemas.microsoft.com/office/drawing/2014/main" id="{011FD99A-57CE-47B1-98D4-7903081DB75E}"/>
+              </a:ext>
+            </a:extLst>
+          </p:cNvPr>
+          <p:cNvSpPr/>
           <p:nvPr/>
-        </p:nvCxnSpPr>
+        </p:nvSpPr>
         <p:spPr>
           <a:xfrm>
-            <a:off x="1374352" y="4191776"/>
-            <a:ext cx="1754677" cy="457199"/>
+            <a:off x="2696650" y="3050238"/>
+            <a:ext cx="8390861" cy="1499526"/>
           </a:xfrm>
-          <a:prstGeom prst="straightConnector1">
-            <a:avLst/>
-          </a:prstGeom>
-          <a:ln>
-            <a:solidFill>
-              <a:schemeClr val="tx1">
-                <a:lumMod val="75000"/>
-                <a:lumOff val="25000"/>
-              </a:schemeClr>
-            </a:solidFill>
-            <a:tailEnd type="triangle"/>
-          </a:ln>
-        </p:spPr>
-        <p:style>
-          <a:lnRef idx="1">
-            <a:schemeClr val="dk1"/>
-          </a:lnRef>
-          <a:fillRef idx="0">
-            <a:schemeClr val="dk1"/>
-          </a:fillRef>
-          <a:effectRef idx="0">
-            <a:schemeClr val="dk1"/>
-          </a:effectRef>
-          <a:fontRef idx="minor">
-            <a:schemeClr val="tx1"/>
-          </a:fontRef>
-        </p:style>
-      </p:cxnSp>
-      <p:cxnSp>
-        <p:nvCxnSpPr>
-          <p:cNvPr id="62" name="直線矢印コネクタ 61">
-            <a:extLst>
-              <a:ext uri="{FF2B5EF4-FFF2-40B4-BE49-F238E27FC236}">
-                <a16:creationId xmlns:a16="http://schemas.microsoft.com/office/drawing/2014/main" id="{6EBDDA59-3203-4C48-B7E1-0E400BD899A6}"/>
-              </a:ext>
-            </a:extLst>
-          </p:cNvPr>
-          <p:cNvCxnSpPr>
-            <a:cxnSpLocks/>
-            <a:stCxn id="37" idx="3"/>
-          </p:cNvCxnSpPr>
-          <p:nvPr/>
-        </p:nvCxnSpPr>
-        <p:spPr>
-          <a:xfrm flipV="1">
-            <a:off x="1374352" y="3607444"/>
-            <a:ext cx="1754677" cy="584332"/>
-          </a:xfrm>
-          <a:prstGeom prst="straightConnector1">
-            <a:avLst/>
-          </a:prstGeom>
-          <a:ln>
-            <a:solidFill>
-              <a:schemeClr val="tx1">
-                <a:lumMod val="75000"/>
-                <a:lumOff val="25000"/>
-              </a:schemeClr>
-            </a:solidFill>
-            <a:tailEnd type="triangle"/>
-          </a:ln>
-        </p:spPr>
-        <p:style>
-          <a:lnRef idx="1">
-            <a:schemeClr val="dk1"/>
-          </a:lnRef>
-          <a:fillRef idx="0">
-            <a:schemeClr val="dk1"/>
-          </a:fillRef>
-          <a:effectRef idx="0">
-            <a:schemeClr val="dk1"/>
-          </a:effectRef>
-          <a:fontRef idx="minor">
-            <a:schemeClr val="tx1"/>
-          </a:fontRef>
-        </p:style>
-      </p:cxnSp>
-      <p:cxnSp>
-        <p:nvCxnSpPr>
-          <p:cNvPr id="69" name="直線矢印コネクタ 68">
-            <a:extLst>
-              <a:ext uri="{FF2B5EF4-FFF2-40B4-BE49-F238E27FC236}">
-                <a16:creationId xmlns:a16="http://schemas.microsoft.com/office/drawing/2014/main" id="{B7B2C026-CB51-464A-8EA9-0A3763181106}"/>
-              </a:ext>
-            </a:extLst>
-          </p:cNvPr>
-          <p:cNvCxnSpPr>
-            <a:cxnSpLocks/>
-          </p:cNvCxnSpPr>
-          <p:nvPr/>
-        </p:nvCxnSpPr>
-        <p:spPr>
-          <a:xfrm>
-            <a:off x="4318796" y="2496115"/>
-            <a:ext cx="1934018" cy="1602036"/>
-          </a:xfrm>
-          <a:prstGeom prst="straightConnector1">
-            <a:avLst/>
-          </a:prstGeom>
-          <a:ln>
-            <a:solidFill>
-              <a:schemeClr val="tx1">
-                <a:lumMod val="75000"/>
-                <a:lumOff val="25000"/>
-              </a:schemeClr>
-            </a:solidFill>
-            <a:tailEnd type="triangle"/>
-          </a:ln>
-        </p:spPr>
-        <p:style>
-          <a:lnRef idx="1">
-            <a:schemeClr val="dk1"/>
-          </a:lnRef>
-          <a:fillRef idx="0">
-            <a:schemeClr val="dk1"/>
-          </a:fillRef>
-          <a:effectRef idx="0">
-            <a:schemeClr val="dk1"/>
-          </a:effectRef>
-          <a:fontRef idx="minor">
-            <a:schemeClr val="tx1"/>
-          </a:fontRef>
-        </p:style>
-      </p:cxnSp>
-      <p:cxnSp>
-        <p:nvCxnSpPr>
-          <p:cNvPr id="73" name="直線矢印コネクタ 72">
-            <a:extLst>
-              <a:ext uri="{FF2B5EF4-FFF2-40B4-BE49-F238E27FC236}">
-                <a16:creationId xmlns:a16="http://schemas.microsoft.com/office/drawing/2014/main" id="{B5DD4CF5-6A28-2A4C-94A2-01E7B412AF64}"/>
-              </a:ext>
-            </a:extLst>
-          </p:cNvPr>
-          <p:cNvCxnSpPr>
-            <a:cxnSpLocks/>
-          </p:cNvCxnSpPr>
-          <p:nvPr/>
-        </p:nvCxnSpPr>
-        <p:spPr>
-          <a:xfrm flipV="1">
-            <a:off x="4318115" y="2156255"/>
-            <a:ext cx="1934699" cy="346947"/>
-          </a:xfrm>
-          <a:prstGeom prst="straightConnector1">
-            <a:avLst/>
-          </a:prstGeom>
-          <a:ln>
-            <a:solidFill>
-              <a:schemeClr val="tx1">
-                <a:lumMod val="75000"/>
-                <a:lumOff val="25000"/>
-              </a:schemeClr>
-            </a:solidFill>
-            <a:tailEnd type="triangle"/>
-          </a:ln>
-        </p:spPr>
-        <p:style>
-          <a:lnRef idx="1">
-            <a:schemeClr val="dk1"/>
-          </a:lnRef>
-          <a:fillRef idx="0">
-            <a:schemeClr val="dk1"/>
-          </a:fillRef>
-          <a:effectRef idx="0">
-            <a:schemeClr val="dk1"/>
-          </a:effectRef>
-          <a:fontRef idx="minor">
-            <a:schemeClr val="tx1"/>
-          </a:fontRef>
-        </p:style>
-      </p:cxnSp>
-      <p:cxnSp>
-        <p:nvCxnSpPr>
-          <p:cNvPr id="76" name="直線矢印コネクタ 75">
-            <a:extLst>
-              <a:ext uri="{FF2B5EF4-FFF2-40B4-BE49-F238E27FC236}">
-                <a16:creationId xmlns:a16="http://schemas.microsoft.com/office/drawing/2014/main" id="{2676FC74-16A4-324F-B8F1-CDA25B94A7D9}"/>
-              </a:ext>
-            </a:extLst>
-          </p:cNvPr>
-          <p:cNvCxnSpPr>
-            <a:cxnSpLocks/>
-          </p:cNvCxnSpPr>
-          <p:nvPr/>
-        </p:nvCxnSpPr>
-        <p:spPr>
-          <a:xfrm>
-            <a:off x="4318115" y="2520162"/>
-            <a:ext cx="1934699" cy="639540"/>
-          </a:xfrm>
-          <a:prstGeom prst="straightConnector1">
-            <a:avLst/>
-          </a:prstGeom>
-          <a:ln>
-            <a:solidFill>
-              <a:schemeClr val="tx1">
-                <a:lumMod val="75000"/>
-                <a:lumOff val="25000"/>
-              </a:schemeClr>
-            </a:solidFill>
-            <a:tailEnd type="triangle"/>
-          </a:ln>
-        </p:spPr>
-        <p:style>
-          <a:lnRef idx="1">
-            <a:schemeClr val="dk1"/>
-          </a:lnRef>
-          <a:fillRef idx="0">
-            <a:schemeClr val="dk1"/>
-          </a:fillRef>
-          <a:effectRef idx="0">
-            <a:schemeClr val="dk1"/>
-          </a:effectRef>
-          <a:fontRef idx="minor">
-            <a:schemeClr val="tx1"/>
-          </a:fontRef>
-        </p:style>
-      </p:cxnSp>
-      <p:cxnSp>
-        <p:nvCxnSpPr>
-          <p:cNvPr id="79" name="直線矢印コネクタ 78">
-            <a:extLst>
-              <a:ext uri="{FF2B5EF4-FFF2-40B4-BE49-F238E27FC236}">
-                <a16:creationId xmlns:a16="http://schemas.microsoft.com/office/drawing/2014/main" id="{A0E1A78C-3D94-D045-8DBA-CC4511CD8D87}"/>
-              </a:ext>
-            </a:extLst>
-          </p:cNvPr>
-          <p:cNvCxnSpPr>
-            <a:cxnSpLocks/>
-          </p:cNvCxnSpPr>
-          <p:nvPr/>
-        </p:nvCxnSpPr>
-        <p:spPr>
-          <a:xfrm flipV="1">
-            <a:off x="4361530" y="3147264"/>
-            <a:ext cx="1891284" cy="466727"/>
-          </a:xfrm>
-          <a:prstGeom prst="straightConnector1">
-            <a:avLst/>
-          </a:prstGeom>
-          <a:ln>
-            <a:solidFill>
-              <a:schemeClr val="tx1">
-                <a:lumMod val="75000"/>
-                <a:lumOff val="25000"/>
-              </a:schemeClr>
-            </a:solidFill>
-            <a:tailEnd type="triangle"/>
-          </a:ln>
-        </p:spPr>
-        <p:style>
-          <a:lnRef idx="1">
-            <a:schemeClr val="dk1"/>
-          </a:lnRef>
-          <a:fillRef idx="0">
-            <a:schemeClr val="dk1"/>
-          </a:fillRef>
-          <a:effectRef idx="0">
-            <a:schemeClr val="dk1"/>
-          </a:effectRef>
-          <a:fontRef idx="minor">
-            <a:schemeClr val="tx1"/>
-          </a:fontRef>
-        </p:style>
-      </p:cxnSp>
-      <p:cxnSp>
-        <p:nvCxnSpPr>
-          <p:cNvPr id="83" name="直線矢印コネクタ 82">
-            <a:extLst>
-              <a:ext uri="{FF2B5EF4-FFF2-40B4-BE49-F238E27FC236}">
-                <a16:creationId xmlns:a16="http://schemas.microsoft.com/office/drawing/2014/main" id="{918D0CBB-9963-1F4D-9D3F-7933B8F30CD6}"/>
-              </a:ext>
-            </a:extLst>
-          </p:cNvPr>
-          <p:cNvCxnSpPr>
-            <a:cxnSpLocks/>
-            <a:endCxn id="9" idx="1"/>
-          </p:cNvCxnSpPr>
-          <p:nvPr/>
-        </p:nvCxnSpPr>
-        <p:spPr>
-          <a:xfrm>
-            <a:off x="4318115" y="2520162"/>
-            <a:ext cx="1994872" cy="2616066"/>
-          </a:xfrm>
-          <a:prstGeom prst="straightConnector1">
-            <a:avLst/>
-          </a:prstGeom>
-          <a:ln>
-            <a:solidFill>
-              <a:schemeClr val="tx1">
-                <a:lumMod val="75000"/>
-                <a:lumOff val="25000"/>
-              </a:schemeClr>
-            </a:solidFill>
-            <a:tailEnd type="triangle"/>
-          </a:ln>
-        </p:spPr>
-        <p:style>
-          <a:lnRef idx="1">
-            <a:schemeClr val="dk1"/>
-          </a:lnRef>
-          <a:fillRef idx="0">
-            <a:schemeClr val="dk1"/>
-          </a:fillRef>
-          <a:effectRef idx="0">
-            <a:schemeClr val="dk1"/>
-          </a:effectRef>
-          <a:fontRef idx="minor">
-            <a:schemeClr val="tx1"/>
-          </a:fontRef>
-        </p:style>
-      </p:cxnSp>
-      <p:sp>
-        <p:nvSpPr>
-          <p:cNvPr id="88" name="L 字 87">
-            <a:extLst>
-              <a:ext uri="{FF2B5EF4-FFF2-40B4-BE49-F238E27FC236}">
-                <a16:creationId xmlns:a16="http://schemas.microsoft.com/office/drawing/2014/main" id="{714A4E47-EE18-D74D-B9BB-472A7F25AD23}"/>
-              </a:ext>
-            </a:extLst>
-          </p:cNvPr>
-          <p:cNvSpPr/>
-          <p:nvPr/>
-        </p:nvSpPr>
-        <p:spPr>
-          <a:xfrm flipH="1">
-            <a:off x="2669105" y="1057902"/>
-            <a:ext cx="8390861" cy="5433522"/>
-          </a:xfrm>
-          <a:prstGeom prst="corner">
+          <a:prstGeom prst="roundRect">
             <a:avLst>
-              <a:gd name="adj1" fmla="val 5924"/>
-              <a:gd name="adj2" fmla="val 41323"/>
+              <a:gd name="adj" fmla="val 0"/>
             </a:avLst>
           </a:prstGeom>
           <a:noFill/>
@@ -4727,11 +4326,22 @@
           </a:fontRef>
         </p:style>
         <p:txBody>
-          <a:bodyPr rtlCol="0" anchor="ctr"/>
+          <a:bodyPr rtlCol="0" anchor="t"/>
           <a:lstStyle/>
           <a:p>
             <a:pPr algn="ctr"/>
-            <a:endParaRPr kumimoji="1" lang="ja-JP" altLang="en-US">
+            <a:r>
+              <a:rPr lang="en-US" altLang="ja-JP" dirty="0">
+                <a:solidFill>
+                  <a:schemeClr val="tx1">
+                    <a:lumMod val="75000"/>
+                    <a:lumOff val="25000"/>
+                  </a:schemeClr>
+                </a:solidFill>
+              </a:rPr>
+              <a:t>Tier 2</a:t>
+            </a:r>
+            <a:endParaRPr kumimoji="1" lang="en-US" altLang="ja-JP" dirty="0">
               <a:solidFill>
                 <a:schemeClr val="tx1">
                   <a:lumMod val="75000"/>
@@ -4744,34 +4354,51 @@
       </p:sp>
       <p:sp>
         <p:nvSpPr>
-          <p:cNvPr id="90" name="テキスト ボックス 89">
-            <a:extLst>
-              <a:ext uri="{FF2B5EF4-FFF2-40B4-BE49-F238E27FC236}">
-                <a16:creationId xmlns:a16="http://schemas.microsoft.com/office/drawing/2014/main" id="{F679901C-B018-B641-B19D-48873F4FEBD9}"/>
-              </a:ext>
-            </a:extLst>
-          </p:cNvPr>
-          <p:cNvSpPr txBox="1"/>
+          <p:cNvPr id="34" name="角丸四角形 26">
+            <a:extLst>
+              <a:ext uri="{FF2B5EF4-FFF2-40B4-BE49-F238E27FC236}">
+                <a16:creationId xmlns:a16="http://schemas.microsoft.com/office/drawing/2014/main" id="{A357C0E1-46E8-4DC1-A3CF-BDCEFF0AAC86}"/>
+              </a:ext>
+            </a:extLst>
+          </p:cNvPr>
+          <p:cNvSpPr/>
           <p:nvPr/>
         </p:nvSpPr>
         <p:spPr>
           <a:xfrm>
-            <a:off x="9530444" y="1057902"/>
-            <a:ext cx="914400" cy="369332"/>
+            <a:off x="2696650" y="5004207"/>
+            <a:ext cx="8390861" cy="1499526"/>
           </a:xfrm>
-          <a:prstGeom prst="rect">
-            <a:avLst/>
+          <a:prstGeom prst="roundRect">
+            <a:avLst>
+              <a:gd name="adj" fmla="val 0"/>
+            </a:avLst>
           </a:prstGeom>
           <a:noFill/>
         </p:spPr>
-        <p:txBody>
-          <a:bodyPr wrap="square" rtlCol="0">
-            <a:spAutoFit/>
-          </a:bodyPr>
-          <a:lstStyle/>
-          <a:p>
-            <a:r>
-              <a:rPr kumimoji="1" lang="en-US" altLang="ja-JP" dirty="0">
+        <p:style>
+          <a:lnRef idx="2">
+            <a:schemeClr val="accent1">
+              <a:shade val="50000"/>
+            </a:schemeClr>
+          </a:lnRef>
+          <a:fillRef idx="1">
+            <a:schemeClr val="accent1"/>
+          </a:fillRef>
+          <a:effectRef idx="0">
+            <a:schemeClr val="accent1"/>
+          </a:effectRef>
+          <a:fontRef idx="minor">
+            <a:schemeClr val="lt1"/>
+          </a:fontRef>
+        </p:style>
+        <p:txBody>
+          <a:bodyPr rtlCol="0" anchor="t"/>
+          <a:lstStyle/>
+          <a:p>
+            <a:pPr algn="ctr"/>
+            <a:r>
+              <a:rPr lang="en-US" altLang="ja-JP" dirty="0">
                 <a:solidFill>
                   <a:schemeClr val="tx1">
                     <a:lumMod val="75000"/>
@@ -4781,7 +4408,7 @@
               </a:rPr>
               <a:t>Tier 3</a:t>
             </a:r>
-            <a:endParaRPr kumimoji="1" lang="ja-JP" altLang="en-US">
+            <a:endParaRPr kumimoji="1" lang="en-US" altLang="ja-JP" dirty="0">
               <a:solidFill>
                 <a:schemeClr val="tx1">
                   <a:lumMod val="75000"/>
@@ -4792,6 +4419,186 @@
           </a:p>
         </p:txBody>
       </p:sp>
+      <p:pic>
+        <p:nvPicPr>
+          <p:cNvPr id="6" name="Picture 5">
+            <a:extLst>
+              <a:ext uri="{FF2B5EF4-FFF2-40B4-BE49-F238E27FC236}">
+                <a16:creationId xmlns:a16="http://schemas.microsoft.com/office/drawing/2014/main" id="{67229F7E-5A17-485F-B2B3-F4D1E5D6CBA5}"/>
+              </a:ext>
+            </a:extLst>
+          </p:cNvPr>
+          <p:cNvPicPr>
+            <a:picLocks noChangeAspect="1"/>
+          </p:cNvPicPr>
+          <p:nvPr/>
+        </p:nvPicPr>
+        <p:blipFill>
+          <a:blip r:embed="rId19"/>
+          <a:stretch>
+            <a:fillRect/>
+          </a:stretch>
+        </p:blipFill>
+        <p:spPr>
+          <a:xfrm>
+            <a:off x="6405339" y="1837608"/>
+            <a:ext cx="962202" cy="263002"/>
+          </a:xfrm>
+          <a:prstGeom prst="rect">
+            <a:avLst/>
+          </a:prstGeom>
+        </p:spPr>
+      </p:pic>
+      <p:pic>
+        <p:nvPicPr>
+          <p:cNvPr id="10" name="Picture 9">
+            <a:extLst>
+              <a:ext uri="{FF2B5EF4-FFF2-40B4-BE49-F238E27FC236}">
+                <a16:creationId xmlns:a16="http://schemas.microsoft.com/office/drawing/2014/main" id="{0F12052D-5D42-4DA6-9DD0-6A5ED12A93F6}"/>
+              </a:ext>
+            </a:extLst>
+          </p:cNvPr>
+          <p:cNvPicPr>
+            <a:picLocks noChangeAspect="1"/>
+          </p:cNvPicPr>
+          <p:nvPr/>
+        </p:nvPicPr>
+        <p:blipFill>
+          <a:blip r:embed="rId20"/>
+          <a:stretch>
+            <a:fillRect/>
+          </a:stretch>
+        </p:blipFill>
+        <p:spPr>
+          <a:xfrm>
+            <a:off x="8914654" y="1732517"/>
+            <a:ext cx="1569081" cy="473185"/>
+          </a:xfrm>
+          <a:prstGeom prst="rect">
+            <a:avLst/>
+          </a:prstGeom>
+        </p:spPr>
+      </p:pic>
+      <p:pic>
+        <p:nvPicPr>
+          <p:cNvPr id="14" name="Picture 13">
+            <a:extLst>
+              <a:ext uri="{FF2B5EF4-FFF2-40B4-BE49-F238E27FC236}">
+                <a16:creationId xmlns:a16="http://schemas.microsoft.com/office/drawing/2014/main" id="{6FC9FAC2-BB3A-4EEC-9228-5CE6AB4F20AC}"/>
+              </a:ext>
+            </a:extLst>
+          </p:cNvPr>
+          <p:cNvPicPr>
+            <a:picLocks noChangeAspect="1"/>
+          </p:cNvPicPr>
+          <p:nvPr/>
+        </p:nvPicPr>
+        <p:blipFill>
+          <a:blip r:embed="rId21"/>
+          <a:stretch>
+            <a:fillRect/>
+          </a:stretch>
+        </p:blipFill>
+        <p:spPr>
+          <a:xfrm>
+            <a:off x="9879080" y="3653782"/>
+            <a:ext cx="584776" cy="537994"/>
+          </a:xfrm>
+          <a:prstGeom prst="rect">
+            <a:avLst/>
+          </a:prstGeom>
+        </p:spPr>
+      </p:pic>
+      <p:pic>
+        <p:nvPicPr>
+          <p:cNvPr id="18" name="Picture 17">
+            <a:extLst>
+              <a:ext uri="{FF2B5EF4-FFF2-40B4-BE49-F238E27FC236}">
+                <a16:creationId xmlns:a16="http://schemas.microsoft.com/office/drawing/2014/main" id="{BB38DF96-7146-4B9B-A559-335BAC89D452}"/>
+              </a:ext>
+            </a:extLst>
+          </p:cNvPr>
+          <p:cNvPicPr>
+            <a:picLocks noChangeAspect="1"/>
+          </p:cNvPicPr>
+          <p:nvPr/>
+        </p:nvPicPr>
+        <p:blipFill>
+          <a:blip r:embed="rId22"/>
+          <a:stretch>
+            <a:fillRect/>
+          </a:stretch>
+        </p:blipFill>
+        <p:spPr>
+          <a:xfrm>
+            <a:off x="7282767" y="3580154"/>
+            <a:ext cx="839123" cy="685250"/>
+          </a:xfrm>
+          <a:prstGeom prst="rect">
+            <a:avLst/>
+          </a:prstGeom>
+        </p:spPr>
+      </p:pic>
+      <p:pic>
+        <p:nvPicPr>
+          <p:cNvPr id="20" name="Picture 19">
+            <a:extLst>
+              <a:ext uri="{FF2B5EF4-FFF2-40B4-BE49-F238E27FC236}">
+                <a16:creationId xmlns:a16="http://schemas.microsoft.com/office/drawing/2014/main" id="{3EBBE42D-D3DC-442F-9513-0D5CB2B5A08A}"/>
+              </a:ext>
+            </a:extLst>
+          </p:cNvPr>
+          <p:cNvPicPr>
+            <a:picLocks noChangeAspect="1"/>
+          </p:cNvPicPr>
+          <p:nvPr/>
+        </p:nvPicPr>
+        <p:blipFill>
+          <a:blip r:embed="rId23"/>
+          <a:stretch>
+            <a:fillRect/>
+          </a:stretch>
+        </p:blipFill>
+        <p:spPr>
+          <a:xfrm>
+            <a:off x="9678874" y="5529372"/>
+            <a:ext cx="652645" cy="755959"/>
+          </a:xfrm>
+          <a:prstGeom prst="rect">
+            <a:avLst/>
+          </a:prstGeom>
+        </p:spPr>
+      </p:pic>
+      <p:pic>
+        <p:nvPicPr>
+          <p:cNvPr id="23" name="Picture 22">
+            <a:extLst>
+              <a:ext uri="{FF2B5EF4-FFF2-40B4-BE49-F238E27FC236}">
+                <a16:creationId xmlns:a16="http://schemas.microsoft.com/office/drawing/2014/main" id="{96CCCEE0-3E09-439F-9DE5-07C22CFB2D34}"/>
+              </a:ext>
+            </a:extLst>
+          </p:cNvPr>
+          <p:cNvPicPr>
+            <a:picLocks noChangeAspect="1"/>
+          </p:cNvPicPr>
+          <p:nvPr/>
+        </p:nvPicPr>
+        <p:blipFill>
+          <a:blip r:embed="rId24"/>
+          <a:stretch>
+            <a:fillRect/>
+          </a:stretch>
+        </p:blipFill>
+        <p:spPr>
+          <a:xfrm>
+            <a:off x="6373459" y="5572916"/>
+            <a:ext cx="1131612" cy="668871"/>
+          </a:xfrm>
+          <a:prstGeom prst="rect">
+            <a:avLst/>
+          </a:prstGeom>
+        </p:spPr>
+      </p:pic>
     </p:spTree>
     <p:extLst>
       <p:ext uri="{BB962C8B-B14F-4D97-AF65-F5344CB8AC3E}">

--- a/docs/LayardArchitecturalOverview.pptx
+++ b/docs/LayardArchitecturalOverview.pptx
@@ -259,7 +259,7 @@
           <a:p>
             <a:fld id="{12C4E39A-9D43-8547-8ED7-9E99CFD6D622}" type="datetimeFigureOut">
               <a:rPr kumimoji="1" lang="ja-JP" altLang="en-US" smtClean="0"/>
-              <a:t>2020/1/6</a:t>
+              <a:t>2020/3/3</a:t>
             </a:fld>
             <a:endParaRPr kumimoji="1" lang="ja-JP" altLang="en-US"/>
           </a:p>
@@ -489,7 +489,7 @@
           <a:p>
             <a:fld id="{12C4E39A-9D43-8547-8ED7-9E99CFD6D622}" type="datetimeFigureOut">
               <a:rPr kumimoji="1" lang="ja-JP" altLang="en-US" smtClean="0"/>
-              <a:t>2020/1/6</a:t>
+              <a:t>2020/3/3</a:t>
             </a:fld>
             <a:endParaRPr kumimoji="1" lang="ja-JP" altLang="en-US"/>
           </a:p>
@@ -729,7 +729,7 @@
           <a:p>
             <a:fld id="{12C4E39A-9D43-8547-8ED7-9E99CFD6D622}" type="datetimeFigureOut">
               <a:rPr kumimoji="1" lang="ja-JP" altLang="en-US" smtClean="0"/>
-              <a:t>2020/1/6</a:t>
+              <a:t>2020/3/3</a:t>
             </a:fld>
             <a:endParaRPr kumimoji="1" lang="ja-JP" altLang="en-US"/>
           </a:p>
@@ -959,7 +959,7 @@
           <a:p>
             <a:fld id="{12C4E39A-9D43-8547-8ED7-9E99CFD6D622}" type="datetimeFigureOut">
               <a:rPr kumimoji="1" lang="ja-JP" altLang="en-US" smtClean="0"/>
-              <a:t>2020/1/6</a:t>
+              <a:t>2020/3/3</a:t>
             </a:fld>
             <a:endParaRPr kumimoji="1" lang="ja-JP" altLang="en-US"/>
           </a:p>
@@ -1234,7 +1234,7 @@
           <a:p>
             <a:fld id="{12C4E39A-9D43-8547-8ED7-9E99CFD6D622}" type="datetimeFigureOut">
               <a:rPr kumimoji="1" lang="ja-JP" altLang="en-US" smtClean="0"/>
-              <a:t>2020/1/6</a:t>
+              <a:t>2020/3/3</a:t>
             </a:fld>
             <a:endParaRPr kumimoji="1" lang="ja-JP" altLang="en-US"/>
           </a:p>
@@ -1563,7 +1563,7 @@
           <a:p>
             <a:fld id="{12C4E39A-9D43-8547-8ED7-9E99CFD6D622}" type="datetimeFigureOut">
               <a:rPr kumimoji="1" lang="ja-JP" altLang="en-US" smtClean="0"/>
-              <a:t>2020/1/6</a:t>
+              <a:t>2020/3/3</a:t>
             </a:fld>
             <a:endParaRPr kumimoji="1" lang="ja-JP" altLang="en-US"/>
           </a:p>
@@ -2039,7 +2039,7 @@
           <a:p>
             <a:fld id="{12C4E39A-9D43-8547-8ED7-9E99CFD6D622}" type="datetimeFigureOut">
               <a:rPr kumimoji="1" lang="ja-JP" altLang="en-US" smtClean="0"/>
-              <a:t>2020/1/6</a:t>
+              <a:t>2020/3/3</a:t>
             </a:fld>
             <a:endParaRPr kumimoji="1" lang="ja-JP" altLang="en-US"/>
           </a:p>
@@ -2180,7 +2180,7 @@
           <a:p>
             <a:fld id="{12C4E39A-9D43-8547-8ED7-9E99CFD6D622}" type="datetimeFigureOut">
               <a:rPr kumimoji="1" lang="ja-JP" altLang="en-US" smtClean="0"/>
-              <a:t>2020/1/6</a:t>
+              <a:t>2020/3/3</a:t>
             </a:fld>
             <a:endParaRPr kumimoji="1" lang="ja-JP" altLang="en-US"/>
           </a:p>
@@ -2293,7 +2293,7 @@
           <a:p>
             <a:fld id="{12C4E39A-9D43-8547-8ED7-9E99CFD6D622}" type="datetimeFigureOut">
               <a:rPr kumimoji="1" lang="ja-JP" altLang="en-US" smtClean="0"/>
-              <a:t>2020/1/6</a:t>
+              <a:t>2020/3/3</a:t>
             </a:fld>
             <a:endParaRPr kumimoji="1" lang="ja-JP" altLang="en-US"/>
           </a:p>
@@ -2636,7 +2636,7 @@
           <a:p>
             <a:fld id="{12C4E39A-9D43-8547-8ED7-9E99CFD6D622}" type="datetimeFigureOut">
               <a:rPr kumimoji="1" lang="ja-JP" altLang="en-US" smtClean="0"/>
-              <a:t>2020/1/6</a:t>
+              <a:t>2020/3/3</a:t>
             </a:fld>
             <a:endParaRPr kumimoji="1" lang="ja-JP" altLang="en-US"/>
           </a:p>
@@ -2924,7 +2924,7 @@
           <a:p>
             <a:fld id="{12C4E39A-9D43-8547-8ED7-9E99CFD6D622}" type="datetimeFigureOut">
               <a:rPr kumimoji="1" lang="ja-JP" altLang="en-US" smtClean="0"/>
-              <a:t>2020/1/6</a:t>
+              <a:t>2020/3/3</a:t>
             </a:fld>
             <a:endParaRPr kumimoji="1" lang="ja-JP" altLang="en-US"/>
           </a:p>
@@ -3197,7 +3197,7 @@
           <a:p>
             <a:fld id="{12C4E39A-9D43-8547-8ED7-9E99CFD6D622}" type="datetimeFigureOut">
               <a:rPr kumimoji="1" lang="ja-JP" altLang="en-US" smtClean="0"/>
-              <a:t>2020/1/6</a:t>
+              <a:t>2020/3/3</a:t>
             </a:fld>
             <a:endParaRPr kumimoji="1" lang="ja-JP" altLang="en-US"/>
           </a:p>
@@ -3636,7 +3636,7 @@
         </p:blipFill>
         <p:spPr>
           <a:xfrm>
-            <a:off x="2623425" y="189376"/>
+            <a:off x="2079724" y="189376"/>
             <a:ext cx="2033790" cy="575976"/>
           </a:xfrm>
           <a:prstGeom prst="rect">
@@ -3666,7 +3666,7 @@
         </p:blipFill>
         <p:spPr>
           <a:xfrm>
-            <a:off x="3111688" y="5583044"/>
+            <a:off x="2765697" y="5583830"/>
             <a:ext cx="1058961" cy="648614"/>
           </a:xfrm>
           <a:prstGeom prst="rect">
@@ -3726,7 +3726,7 @@
         </p:blipFill>
         <p:spPr>
           <a:xfrm>
-            <a:off x="4785920" y="5475699"/>
+            <a:off x="3963857" y="5476485"/>
             <a:ext cx="941788" cy="863305"/>
           </a:xfrm>
           <a:prstGeom prst="rect">
@@ -3856,10 +3856,10 @@
       </p:pic>
       <p:pic>
         <p:nvPicPr>
-          <p:cNvPr id="21" name="図 20" descr="挿絵, 食品 が含まれている画像&#10;&#10;自動的に生成された説明">
-            <a:extLst>
-              <a:ext uri="{FF2B5EF4-FFF2-40B4-BE49-F238E27FC236}">
-                <a16:creationId xmlns:a16="http://schemas.microsoft.com/office/drawing/2014/main" id="{65E3691C-B3CD-FF46-AABC-F2FA9D1BDD89}"/>
+          <p:cNvPr id="25" name="図 24" descr="挿絵 が含まれている画像&#10;&#10;自動的に生成された説明">
+            <a:extLst>
+              <a:ext uri="{FF2B5EF4-FFF2-40B4-BE49-F238E27FC236}">
+                <a16:creationId xmlns:a16="http://schemas.microsoft.com/office/drawing/2014/main" id="{61F51602-53B1-3442-97F6-629E956CAA75}"/>
               </a:ext>
             </a:extLst>
           </p:cNvPr>
@@ -3876,37 +3876,7 @@
         </p:blipFill>
         <p:spPr>
           <a:xfrm>
-            <a:off x="4626360" y="1581157"/>
-            <a:ext cx="1371367" cy="775905"/>
-          </a:xfrm>
-          <a:prstGeom prst="rect">
-            <a:avLst/>
-          </a:prstGeom>
-        </p:spPr>
-      </p:pic>
-      <p:pic>
-        <p:nvPicPr>
-          <p:cNvPr id="25" name="図 24" descr="挿絵 が含まれている画像&#10;&#10;自動的に生成された説明">
-            <a:extLst>
-              <a:ext uri="{FF2B5EF4-FFF2-40B4-BE49-F238E27FC236}">
-                <a16:creationId xmlns:a16="http://schemas.microsoft.com/office/drawing/2014/main" id="{61F51602-53B1-3442-97F6-629E956CAA75}"/>
-              </a:ext>
-            </a:extLst>
-          </p:cNvPr>
-          <p:cNvPicPr>
-            <a:picLocks noChangeAspect="1"/>
-          </p:cNvPicPr>
-          <p:nvPr/>
-        </p:nvPicPr>
-        <p:blipFill>
-          <a:blip r:embed="rId11"/>
-          <a:stretch>
-            <a:fillRect/>
-          </a:stretch>
-        </p:blipFill>
-        <p:spPr>
-          <a:xfrm>
-            <a:off x="8313382" y="5514940"/>
+            <a:off x="6748150" y="5515726"/>
             <a:ext cx="567342" cy="784823"/>
           </a:xfrm>
           <a:prstGeom prst="rect">
@@ -4045,14 +4015,14 @@
           <p:nvPr/>
         </p:nvPicPr>
         <p:blipFill>
-          <a:blip r:embed="rId12"/>
+          <a:blip r:embed="rId11"/>
           <a:stretch>
             <a:fillRect/>
           </a:stretch>
         </p:blipFill>
         <p:spPr>
           <a:xfrm>
-            <a:off x="7876753" y="1674284"/>
+            <a:off x="7172567" y="1674284"/>
             <a:ext cx="589650" cy="589650"/>
           </a:xfrm>
           <a:prstGeom prst="rect">
@@ -4075,10 +4045,10 @@
           <p:nvPr/>
         </p:nvPicPr>
         <p:blipFill>
-          <a:blip r:embed="rId13">
+          <a:blip r:embed="rId12">
             <a:extLst>
               <a:ext uri="{96DAC541-7B7A-43D3-8B79-37D633B846F1}">
-                <asvg:svgBlip xmlns:asvg="http://schemas.microsoft.com/office/drawing/2016/SVG/main" r:embed="rId14"/>
+                <asvg:svgBlip xmlns:asvg="http://schemas.microsoft.com/office/drawing/2016/SVG/main" r:embed="rId13"/>
               </a:ext>
             </a:extLst>
           </a:blip>
@@ -4088,7 +4058,7 @@
         </p:blipFill>
         <p:spPr>
           <a:xfrm>
-            <a:off x="684226" y="1703393"/>
+            <a:off x="682856" y="3470419"/>
             <a:ext cx="624548" cy="624548"/>
           </a:xfrm>
           <a:prstGeom prst="rect">
@@ -4110,7 +4080,7 @@
         </p:nvGrpSpPr>
         <p:grpSpPr>
           <a:xfrm>
-            <a:off x="618649" y="3813924"/>
+            <a:off x="618649" y="1626771"/>
             <a:ext cx="755703" cy="755703"/>
             <a:chOff x="747864" y="3706346"/>
             <a:chExt cx="914400" cy="914400"/>
@@ -4131,10 +4101,10 @@
             <p:nvPr/>
           </p:nvPicPr>
           <p:blipFill>
-            <a:blip r:embed="rId15">
+            <a:blip r:embed="rId14">
               <a:extLst>
                 <a:ext uri="{96DAC541-7B7A-43D3-8B79-37D633B846F1}">
-                  <asvg:svgBlip xmlns:asvg="http://schemas.microsoft.com/office/drawing/2016/SVG/main" r:embed="rId16"/>
+                  <asvg:svgBlip xmlns:asvg="http://schemas.microsoft.com/office/drawing/2016/SVG/main" r:embed="rId15"/>
                 </a:ext>
               </a:extLst>
             </a:blip>
@@ -4167,10 +4137,10 @@
             <p:nvPr/>
           </p:nvPicPr>
           <p:blipFill>
-            <a:blip r:embed="rId17">
+            <a:blip r:embed="rId16">
               <a:extLst>
                 <a:ext uri="{96DAC541-7B7A-43D3-8B79-37D633B846F1}">
-                  <asvg:svgBlip xmlns:asvg="http://schemas.microsoft.com/office/drawing/2016/SVG/main" r:embed="rId18"/>
+                  <asvg:svgBlip xmlns:asvg="http://schemas.microsoft.com/office/drawing/2016/SVG/main" r:embed="rId17"/>
                 </a:ext>
               </a:extLst>
             </a:blip>
@@ -4206,8 +4176,8 @@
         </p:nvCxnSpPr>
         <p:spPr>
           <a:xfrm>
-            <a:off x="1308774" y="2015667"/>
-            <a:ext cx="734339" cy="1"/>
+            <a:off x="1307404" y="3782693"/>
+            <a:ext cx="735709" cy="1"/>
           </a:xfrm>
           <a:prstGeom prst="straightConnector1">
             <a:avLst/>
@@ -4254,7 +4224,7 @@
         </p:nvCxnSpPr>
         <p:spPr>
           <a:xfrm>
-            <a:off x="1374352" y="4191776"/>
+            <a:off x="1374352" y="2004623"/>
             <a:ext cx="668761" cy="0"/>
           </a:xfrm>
           <a:prstGeom prst="straightConnector1">
@@ -4421,10 +4391,40 @@
       </p:sp>
       <p:pic>
         <p:nvPicPr>
-          <p:cNvPr id="6" name="Picture 5">
-            <a:extLst>
-              <a:ext uri="{FF2B5EF4-FFF2-40B4-BE49-F238E27FC236}">
-                <a16:creationId xmlns:a16="http://schemas.microsoft.com/office/drawing/2014/main" id="{67229F7E-5A17-485F-B2B3-F4D1E5D6CBA5}"/>
+          <p:cNvPr id="10" name="Picture 9">
+            <a:extLst>
+              <a:ext uri="{FF2B5EF4-FFF2-40B4-BE49-F238E27FC236}">
+                <a16:creationId xmlns:a16="http://schemas.microsoft.com/office/drawing/2014/main" id="{0F12052D-5D42-4DA6-9DD0-6A5ED12A93F6}"/>
+              </a:ext>
+            </a:extLst>
+          </p:cNvPr>
+          <p:cNvPicPr>
+            <a:picLocks noChangeAspect="1"/>
+          </p:cNvPicPr>
+          <p:nvPr/>
+        </p:nvPicPr>
+        <p:blipFill>
+          <a:blip r:embed="rId18"/>
+          <a:stretch>
+            <a:fillRect/>
+          </a:stretch>
+        </p:blipFill>
+        <p:spPr>
+          <a:xfrm>
+            <a:off x="8914654" y="1732517"/>
+            <a:ext cx="1569081" cy="473185"/>
+          </a:xfrm>
+          <a:prstGeom prst="rect">
+            <a:avLst/>
+          </a:prstGeom>
+        </p:spPr>
+      </p:pic>
+      <p:pic>
+        <p:nvPicPr>
+          <p:cNvPr id="14" name="Picture 13">
+            <a:extLst>
+              <a:ext uri="{FF2B5EF4-FFF2-40B4-BE49-F238E27FC236}">
+                <a16:creationId xmlns:a16="http://schemas.microsoft.com/office/drawing/2014/main" id="{6FC9FAC2-BB3A-4EEC-9228-5CE6AB4F20AC}"/>
               </a:ext>
             </a:extLst>
           </p:cNvPr>
@@ -4441,8 +4441,8 @@
         </p:blipFill>
         <p:spPr>
           <a:xfrm>
-            <a:off x="6405339" y="1837608"/>
-            <a:ext cx="962202" cy="263002"/>
+            <a:off x="9879080" y="3653782"/>
+            <a:ext cx="584776" cy="537994"/>
           </a:xfrm>
           <a:prstGeom prst="rect">
             <a:avLst/>
@@ -4451,10 +4451,10 @@
       </p:pic>
       <p:pic>
         <p:nvPicPr>
-          <p:cNvPr id="10" name="Picture 9">
-            <a:extLst>
-              <a:ext uri="{FF2B5EF4-FFF2-40B4-BE49-F238E27FC236}">
-                <a16:creationId xmlns:a16="http://schemas.microsoft.com/office/drawing/2014/main" id="{0F12052D-5D42-4DA6-9DD0-6A5ED12A93F6}"/>
+          <p:cNvPr id="18" name="Picture 17">
+            <a:extLst>
+              <a:ext uri="{FF2B5EF4-FFF2-40B4-BE49-F238E27FC236}">
+                <a16:creationId xmlns:a16="http://schemas.microsoft.com/office/drawing/2014/main" id="{BB38DF96-7146-4B9B-A559-335BAC89D452}"/>
               </a:ext>
             </a:extLst>
           </p:cNvPr>
@@ -4471,8 +4471,8 @@
         </p:blipFill>
         <p:spPr>
           <a:xfrm>
-            <a:off x="8914654" y="1732517"/>
-            <a:ext cx="1569081" cy="473185"/>
+            <a:off x="7282767" y="3580154"/>
+            <a:ext cx="839123" cy="685250"/>
           </a:xfrm>
           <a:prstGeom prst="rect">
             <a:avLst/>
@@ -4481,10 +4481,10 @@
       </p:pic>
       <p:pic>
         <p:nvPicPr>
-          <p:cNvPr id="14" name="Picture 13">
-            <a:extLst>
-              <a:ext uri="{FF2B5EF4-FFF2-40B4-BE49-F238E27FC236}">
-                <a16:creationId xmlns:a16="http://schemas.microsoft.com/office/drawing/2014/main" id="{6FC9FAC2-BB3A-4EEC-9228-5CE6AB4F20AC}"/>
+          <p:cNvPr id="20" name="Picture 19">
+            <a:extLst>
+              <a:ext uri="{FF2B5EF4-FFF2-40B4-BE49-F238E27FC236}">
+                <a16:creationId xmlns:a16="http://schemas.microsoft.com/office/drawing/2014/main" id="{3EBBE42D-D3DC-442F-9513-0D5CB2B5A08A}"/>
               </a:ext>
             </a:extLst>
           </p:cNvPr>
@@ -4501,8 +4501,8 @@
         </p:blipFill>
         <p:spPr>
           <a:xfrm>
-            <a:off x="9879080" y="3653782"/>
-            <a:ext cx="584776" cy="537994"/>
+            <a:off x="7751259" y="5530158"/>
+            <a:ext cx="652645" cy="755959"/>
           </a:xfrm>
           <a:prstGeom prst="rect">
             <a:avLst/>
@@ -4511,10 +4511,10 @@
       </p:pic>
       <p:pic>
         <p:nvPicPr>
-          <p:cNvPr id="18" name="Picture 17">
-            <a:extLst>
-              <a:ext uri="{FF2B5EF4-FFF2-40B4-BE49-F238E27FC236}">
-                <a16:creationId xmlns:a16="http://schemas.microsoft.com/office/drawing/2014/main" id="{BB38DF96-7146-4B9B-A559-335BAC89D452}"/>
+          <p:cNvPr id="23" name="Picture 22">
+            <a:extLst>
+              <a:ext uri="{FF2B5EF4-FFF2-40B4-BE49-F238E27FC236}">
+                <a16:creationId xmlns:a16="http://schemas.microsoft.com/office/drawing/2014/main" id="{96CCCEE0-3E09-439F-9DE5-07C22CFB2D34}"/>
               </a:ext>
             </a:extLst>
           </p:cNvPr>
@@ -4531,8 +4531,8 @@
         </p:blipFill>
         <p:spPr>
           <a:xfrm>
-            <a:off x="7282767" y="3580154"/>
-            <a:ext cx="839123" cy="685250"/>
+            <a:off x="5217842" y="5573702"/>
+            <a:ext cx="1131612" cy="668871"/>
           </a:xfrm>
           <a:prstGeom prst="rect">
             <a:avLst/>
@@ -4541,10 +4541,10 @@
       </p:pic>
       <p:pic>
         <p:nvPicPr>
-          <p:cNvPr id="20" name="Picture 19">
-            <a:extLst>
-              <a:ext uri="{FF2B5EF4-FFF2-40B4-BE49-F238E27FC236}">
-                <a16:creationId xmlns:a16="http://schemas.microsoft.com/office/drawing/2014/main" id="{3EBBE42D-D3DC-442F-9513-0D5CB2B5A08A}"/>
+          <p:cNvPr id="4" name="図 3" descr="挿絵 が含まれている画像&#10;&#10;自動的に生成された説明">
+            <a:extLst>
+              <a:ext uri="{FF2B5EF4-FFF2-40B4-BE49-F238E27FC236}">
+                <a16:creationId xmlns:a16="http://schemas.microsoft.com/office/drawing/2014/main" id="{1A7AEA58-DFCE-7548-85F9-0B47387F21C5}"/>
               </a:ext>
             </a:extLst>
           </p:cNvPr>
@@ -4561,20 +4561,87 @@
         </p:blipFill>
         <p:spPr>
           <a:xfrm>
-            <a:off x="9678874" y="5529372"/>
-            <a:ext cx="652645" cy="755959"/>
+            <a:off x="5340707" y="1629398"/>
+            <a:ext cx="679422" cy="679422"/>
           </a:xfrm>
           <a:prstGeom prst="rect">
             <a:avLst/>
           </a:prstGeom>
         </p:spPr>
       </p:pic>
+      <p:sp>
+        <p:nvSpPr>
+          <p:cNvPr id="31" name="角丸四角形 30">
+            <a:extLst>
+              <a:ext uri="{FF2B5EF4-FFF2-40B4-BE49-F238E27FC236}">
+                <a16:creationId xmlns:a16="http://schemas.microsoft.com/office/drawing/2014/main" id="{9E855DE0-C1A1-1848-BD18-87D9D710EE6F}"/>
+              </a:ext>
+            </a:extLst>
+          </p:cNvPr>
+          <p:cNvSpPr/>
+          <p:nvPr/>
+        </p:nvSpPr>
+        <p:spPr>
+          <a:xfrm>
+            <a:off x="285884" y="3174689"/>
+            <a:ext cx="1479696" cy="3554392"/>
+          </a:xfrm>
+          <a:prstGeom prst="roundRect">
+            <a:avLst>
+              <a:gd name="adj" fmla="val 0"/>
+            </a:avLst>
+          </a:prstGeom>
+          <a:noFill/>
+        </p:spPr>
+        <p:style>
+          <a:lnRef idx="2">
+            <a:schemeClr val="accent1">
+              <a:shade val="50000"/>
+            </a:schemeClr>
+          </a:lnRef>
+          <a:fillRef idx="1">
+            <a:schemeClr val="accent1"/>
+          </a:fillRef>
+          <a:effectRef idx="0">
+            <a:schemeClr val="accent1"/>
+          </a:effectRef>
+          <a:fontRef idx="minor">
+            <a:schemeClr val="lt1"/>
+          </a:fontRef>
+        </p:style>
+        <p:txBody>
+          <a:bodyPr rtlCol="0" anchor="t"/>
+          <a:lstStyle/>
+          <a:p>
+            <a:pPr algn="ctr"/>
+            <a:r>
+              <a:rPr lang="en-US" altLang="ja-JP" sz="1400" dirty="0">
+                <a:solidFill>
+                  <a:schemeClr val="tx1">
+                    <a:lumMod val="75000"/>
+                    <a:lumOff val="25000"/>
+                  </a:schemeClr>
+                </a:solidFill>
+              </a:rPr>
+              <a:t>Test</a:t>
+            </a:r>
+            <a:endParaRPr kumimoji="1" lang="en-US" altLang="ja-JP" sz="1400" dirty="0">
+              <a:solidFill>
+                <a:schemeClr val="tx1">
+                  <a:lumMod val="75000"/>
+                  <a:lumOff val="25000"/>
+                </a:schemeClr>
+              </a:solidFill>
+            </a:endParaRPr>
+          </a:p>
+        </p:txBody>
+      </p:sp>
       <p:pic>
         <p:nvPicPr>
-          <p:cNvPr id="23" name="Picture 22">
-            <a:extLst>
-              <a:ext uri="{FF2B5EF4-FFF2-40B4-BE49-F238E27FC236}">
-                <a16:creationId xmlns:a16="http://schemas.microsoft.com/office/drawing/2014/main" id="{96CCCEE0-3E09-439F-9DE5-07C22CFB2D34}"/>
+          <p:cNvPr id="12" name="図 11" descr="挿絵 が含まれている画像&#10;&#10;自動的に生成された説明">
+            <a:extLst>
+              <a:ext uri="{FF2B5EF4-FFF2-40B4-BE49-F238E27FC236}">
+                <a16:creationId xmlns:a16="http://schemas.microsoft.com/office/drawing/2014/main" id="{FFC5D7A8-7C4F-BE46-9458-EC489F6E1F06}"/>
               </a:ext>
             </a:extLst>
           </p:cNvPr>
@@ -4591,8 +4658,195 @@
         </p:blipFill>
         <p:spPr>
           <a:xfrm>
-            <a:off x="6373459" y="5572916"/>
-            <a:ext cx="1131612" cy="668871"/>
+            <a:off x="8864385" y="5515726"/>
+            <a:ext cx="784823" cy="784823"/>
+          </a:xfrm>
+          <a:prstGeom prst="rect">
+            <a:avLst/>
+          </a:prstGeom>
+        </p:spPr>
+      </p:pic>
+      <p:pic>
+        <p:nvPicPr>
+          <p:cNvPr id="19" name="図 18" descr="挿絵 が含まれている画像&#10;&#10;自動的に生成された説明">
+            <a:extLst>
+              <a:ext uri="{FF2B5EF4-FFF2-40B4-BE49-F238E27FC236}">
+                <a16:creationId xmlns:a16="http://schemas.microsoft.com/office/drawing/2014/main" id="{55F8A625-1EAA-2143-918B-7E3443831A6D}"/>
+              </a:ext>
+            </a:extLst>
+          </p:cNvPr>
+          <p:cNvPicPr>
+            <a:picLocks noChangeAspect="1"/>
+          </p:cNvPicPr>
+          <p:nvPr/>
+        </p:nvPicPr>
+        <p:blipFill>
+          <a:blip r:embed="rId25"/>
+          <a:stretch>
+            <a:fillRect/>
+          </a:stretch>
+        </p:blipFill>
+        <p:spPr>
+          <a:xfrm>
+            <a:off x="9776051" y="5557442"/>
+            <a:ext cx="1143744" cy="701390"/>
+          </a:xfrm>
+          <a:prstGeom prst="rect">
+            <a:avLst/>
+          </a:prstGeom>
+        </p:spPr>
+      </p:pic>
+      <p:sp>
+        <p:nvSpPr>
+          <p:cNvPr id="36" name="角丸四角形 26">
+            <a:extLst>
+              <a:ext uri="{FF2B5EF4-FFF2-40B4-BE49-F238E27FC236}">
+                <a16:creationId xmlns:a16="http://schemas.microsoft.com/office/drawing/2014/main" id="{A5DE0B08-5B86-DD4F-8126-059520EDDF1D}"/>
+              </a:ext>
+            </a:extLst>
+          </p:cNvPr>
+          <p:cNvSpPr/>
+          <p:nvPr/>
+        </p:nvSpPr>
+        <p:spPr>
+          <a:xfrm>
+            <a:off x="8839671" y="5276335"/>
+            <a:ext cx="1984848" cy="1063455"/>
+          </a:xfrm>
+          <a:prstGeom prst="roundRect">
+            <a:avLst>
+              <a:gd name="adj" fmla="val 0"/>
+            </a:avLst>
+          </a:prstGeom>
+          <a:noFill/>
+        </p:spPr>
+        <p:style>
+          <a:lnRef idx="2">
+            <a:schemeClr val="accent1">
+              <a:shade val="50000"/>
+            </a:schemeClr>
+          </a:lnRef>
+          <a:fillRef idx="1">
+            <a:schemeClr val="accent1"/>
+          </a:fillRef>
+          <a:effectRef idx="0">
+            <a:schemeClr val="accent1"/>
+          </a:effectRef>
+          <a:fontRef idx="minor">
+            <a:schemeClr val="lt1"/>
+          </a:fontRef>
+        </p:style>
+        <p:txBody>
+          <a:bodyPr rtlCol="0" anchor="t"/>
+          <a:lstStyle/>
+          <a:p>
+            <a:pPr algn="ctr"/>
+            <a:r>
+              <a:rPr lang="en-US" altLang="ja-JP" sz="1400" dirty="0">
+                <a:solidFill>
+                  <a:schemeClr val="tx1">
+                    <a:lumMod val="75000"/>
+                    <a:lumOff val="25000"/>
+                  </a:schemeClr>
+                </a:solidFill>
+              </a:rPr>
+              <a:t>Optional</a:t>
+            </a:r>
+            <a:endParaRPr kumimoji="1" lang="en-US" altLang="ja-JP" sz="1400" dirty="0">
+              <a:solidFill>
+                <a:schemeClr val="tx1">
+                  <a:lumMod val="75000"/>
+                  <a:lumOff val="25000"/>
+                </a:schemeClr>
+              </a:solidFill>
+            </a:endParaRPr>
+          </a:p>
+        </p:txBody>
+      </p:sp>
+      <p:pic>
+        <p:nvPicPr>
+          <p:cNvPr id="24" name="図 23">
+            <a:extLst>
+              <a:ext uri="{FF2B5EF4-FFF2-40B4-BE49-F238E27FC236}">
+                <a16:creationId xmlns:a16="http://schemas.microsoft.com/office/drawing/2014/main" id="{69422951-62CE-2742-A011-6A0E551381FC}"/>
+              </a:ext>
+            </a:extLst>
+          </p:cNvPr>
+          <p:cNvPicPr>
+            <a:picLocks noChangeAspect="1"/>
+          </p:cNvPicPr>
+          <p:nvPr/>
+        </p:nvPicPr>
+        <p:blipFill>
+          <a:blip r:embed="rId26"/>
+          <a:stretch>
+            <a:fillRect/>
+          </a:stretch>
+        </p:blipFill>
+        <p:spPr>
+          <a:xfrm>
+            <a:off x="568021" y="6082370"/>
+            <a:ext cx="854218" cy="514839"/>
+          </a:xfrm>
+          <a:prstGeom prst="rect">
+            <a:avLst/>
+          </a:prstGeom>
+        </p:spPr>
+      </p:pic>
+      <p:pic>
+        <p:nvPicPr>
+          <p:cNvPr id="30" name="図 29" descr="抽象, 挿絵, 記号 が含まれている画像&#10;&#10;自動的に生成された説明">
+            <a:extLst>
+              <a:ext uri="{FF2B5EF4-FFF2-40B4-BE49-F238E27FC236}">
+                <a16:creationId xmlns:a16="http://schemas.microsoft.com/office/drawing/2014/main" id="{D8D29A36-D30E-0041-B6DB-0DDB28A25667}"/>
+              </a:ext>
+            </a:extLst>
+          </p:cNvPr>
+          <p:cNvPicPr>
+            <a:picLocks noChangeAspect="1"/>
+          </p:cNvPicPr>
+          <p:nvPr/>
+        </p:nvPicPr>
+        <p:blipFill>
+          <a:blip r:embed="rId27"/>
+          <a:stretch>
+            <a:fillRect/>
+          </a:stretch>
+        </p:blipFill>
+        <p:spPr>
+          <a:xfrm>
+            <a:off x="735402" y="4394654"/>
+            <a:ext cx="519457" cy="519457"/>
+          </a:xfrm>
+          <a:prstGeom prst="rect">
+            <a:avLst/>
+          </a:prstGeom>
+        </p:spPr>
+      </p:pic>
+      <p:pic>
+        <p:nvPicPr>
+          <p:cNvPr id="41" name="図 40" descr="グラフィック, 挿絵 が含まれている画像&#10;&#10;自動的に生成された説明">
+            <a:extLst>
+              <a:ext uri="{FF2B5EF4-FFF2-40B4-BE49-F238E27FC236}">
+                <a16:creationId xmlns:a16="http://schemas.microsoft.com/office/drawing/2014/main" id="{58425D29-3C33-524D-A990-13142E627E24}"/>
+              </a:ext>
+            </a:extLst>
+          </p:cNvPr>
+          <p:cNvPicPr>
+            <a:picLocks noChangeAspect="1"/>
+          </p:cNvPicPr>
+          <p:nvPr/>
+        </p:nvPicPr>
+        <p:blipFill>
+          <a:blip r:embed="rId28"/>
+          <a:stretch>
+            <a:fillRect/>
+          </a:stretch>
+        </p:blipFill>
+        <p:spPr>
+          <a:xfrm>
+            <a:off x="742328" y="5238512"/>
+            <a:ext cx="505605" cy="519457"/>
           </a:xfrm>
           <a:prstGeom prst="rect">
             <a:avLst/>

--- a/docs/LayardArchitecturalOverview.pptx
+++ b/docs/LayardArchitecturalOverview.pptx
@@ -259,7 +259,7 @@
           <a:p>
             <a:fld id="{12C4E39A-9D43-8547-8ED7-9E99CFD6D622}" type="datetimeFigureOut">
               <a:rPr kumimoji="1" lang="ja-JP" altLang="en-US" smtClean="0"/>
-              <a:t>2020/3/3</a:t>
+              <a:t>2020/3/17</a:t>
             </a:fld>
             <a:endParaRPr kumimoji="1" lang="ja-JP" altLang="en-US"/>
           </a:p>
@@ -489,7 +489,7 @@
           <a:p>
             <a:fld id="{12C4E39A-9D43-8547-8ED7-9E99CFD6D622}" type="datetimeFigureOut">
               <a:rPr kumimoji="1" lang="ja-JP" altLang="en-US" smtClean="0"/>
-              <a:t>2020/3/3</a:t>
+              <a:t>2020/3/17</a:t>
             </a:fld>
             <a:endParaRPr kumimoji="1" lang="ja-JP" altLang="en-US"/>
           </a:p>
@@ -729,7 +729,7 @@
           <a:p>
             <a:fld id="{12C4E39A-9D43-8547-8ED7-9E99CFD6D622}" type="datetimeFigureOut">
               <a:rPr kumimoji="1" lang="ja-JP" altLang="en-US" smtClean="0"/>
-              <a:t>2020/3/3</a:t>
+              <a:t>2020/3/17</a:t>
             </a:fld>
             <a:endParaRPr kumimoji="1" lang="ja-JP" altLang="en-US"/>
           </a:p>
@@ -959,7 +959,7 @@
           <a:p>
             <a:fld id="{12C4E39A-9D43-8547-8ED7-9E99CFD6D622}" type="datetimeFigureOut">
               <a:rPr kumimoji="1" lang="ja-JP" altLang="en-US" smtClean="0"/>
-              <a:t>2020/3/3</a:t>
+              <a:t>2020/3/17</a:t>
             </a:fld>
             <a:endParaRPr kumimoji="1" lang="ja-JP" altLang="en-US"/>
           </a:p>
@@ -1234,7 +1234,7 @@
           <a:p>
             <a:fld id="{12C4E39A-9D43-8547-8ED7-9E99CFD6D622}" type="datetimeFigureOut">
               <a:rPr kumimoji="1" lang="ja-JP" altLang="en-US" smtClean="0"/>
-              <a:t>2020/3/3</a:t>
+              <a:t>2020/3/17</a:t>
             </a:fld>
             <a:endParaRPr kumimoji="1" lang="ja-JP" altLang="en-US"/>
           </a:p>
@@ -1563,7 +1563,7 @@
           <a:p>
             <a:fld id="{12C4E39A-9D43-8547-8ED7-9E99CFD6D622}" type="datetimeFigureOut">
               <a:rPr kumimoji="1" lang="ja-JP" altLang="en-US" smtClean="0"/>
-              <a:t>2020/3/3</a:t>
+              <a:t>2020/3/17</a:t>
             </a:fld>
             <a:endParaRPr kumimoji="1" lang="ja-JP" altLang="en-US"/>
           </a:p>
@@ -2039,7 +2039,7 @@
           <a:p>
             <a:fld id="{12C4E39A-9D43-8547-8ED7-9E99CFD6D622}" type="datetimeFigureOut">
               <a:rPr kumimoji="1" lang="ja-JP" altLang="en-US" smtClean="0"/>
-              <a:t>2020/3/3</a:t>
+              <a:t>2020/3/17</a:t>
             </a:fld>
             <a:endParaRPr kumimoji="1" lang="ja-JP" altLang="en-US"/>
           </a:p>
@@ -2180,7 +2180,7 @@
           <a:p>
             <a:fld id="{12C4E39A-9D43-8547-8ED7-9E99CFD6D622}" type="datetimeFigureOut">
               <a:rPr kumimoji="1" lang="ja-JP" altLang="en-US" smtClean="0"/>
-              <a:t>2020/3/3</a:t>
+              <a:t>2020/3/17</a:t>
             </a:fld>
             <a:endParaRPr kumimoji="1" lang="ja-JP" altLang="en-US"/>
           </a:p>
@@ -2293,7 +2293,7 @@
           <a:p>
             <a:fld id="{12C4E39A-9D43-8547-8ED7-9E99CFD6D622}" type="datetimeFigureOut">
               <a:rPr kumimoji="1" lang="ja-JP" altLang="en-US" smtClean="0"/>
-              <a:t>2020/3/3</a:t>
+              <a:t>2020/3/17</a:t>
             </a:fld>
             <a:endParaRPr kumimoji="1" lang="ja-JP" altLang="en-US"/>
           </a:p>
@@ -2636,7 +2636,7 @@
           <a:p>
             <a:fld id="{12C4E39A-9D43-8547-8ED7-9E99CFD6D622}" type="datetimeFigureOut">
               <a:rPr kumimoji="1" lang="ja-JP" altLang="en-US" smtClean="0"/>
-              <a:t>2020/3/3</a:t>
+              <a:t>2020/3/17</a:t>
             </a:fld>
             <a:endParaRPr kumimoji="1" lang="ja-JP" altLang="en-US"/>
           </a:p>
@@ -2924,7 +2924,7 @@
           <a:p>
             <a:fld id="{12C4E39A-9D43-8547-8ED7-9E99CFD6D622}" type="datetimeFigureOut">
               <a:rPr kumimoji="1" lang="ja-JP" altLang="en-US" smtClean="0"/>
-              <a:t>2020/3/3</a:t>
+              <a:t>2020/3/17</a:t>
             </a:fld>
             <a:endParaRPr kumimoji="1" lang="ja-JP" altLang="en-US"/>
           </a:p>
@@ -3197,7 +3197,7 @@
           <a:p>
             <a:fld id="{12C4E39A-9D43-8547-8ED7-9E99CFD6D622}" type="datetimeFigureOut">
               <a:rPr kumimoji="1" lang="ja-JP" altLang="en-US" smtClean="0"/>
-              <a:t>2020/3/3</a:t>
+              <a:t>2020/3/17</a:t>
             </a:fld>
             <a:endParaRPr kumimoji="1" lang="ja-JP" altLang="en-US"/>
           </a:p>
@@ -3636,7 +3636,7 @@
         </p:blipFill>
         <p:spPr>
           <a:xfrm>
-            <a:off x="2079724" y="189376"/>
+            <a:off x="74685" y="220199"/>
             <a:ext cx="2033790" cy="575976"/>
           </a:xfrm>
           <a:prstGeom prst="rect">
@@ -3666,7 +3666,7 @@
         </p:blipFill>
         <p:spPr>
           <a:xfrm>
-            <a:off x="2765697" y="5583830"/>
+            <a:off x="3043989" y="4351384"/>
             <a:ext cx="1058961" cy="648614"/>
           </a:xfrm>
           <a:prstGeom prst="rect">
@@ -3696,7 +3696,7 @@
         </p:blipFill>
         <p:spPr>
           <a:xfrm>
-            <a:off x="5171282" y="3343685"/>
+            <a:off x="5310428" y="2349779"/>
             <a:ext cx="2062412" cy="1158188"/>
           </a:xfrm>
           <a:prstGeom prst="rect">
@@ -3726,7 +3726,7 @@
         </p:blipFill>
         <p:spPr>
           <a:xfrm>
-            <a:off x="3963857" y="5476485"/>
+            <a:off x="4435899" y="4323466"/>
             <a:ext cx="941788" cy="863305"/>
           </a:xfrm>
           <a:prstGeom prst="rect">
@@ -3756,7 +3756,7 @@
         </p:blipFill>
         <p:spPr>
           <a:xfrm>
-            <a:off x="4187541" y="3343685"/>
+            <a:off x="4326687" y="2349779"/>
             <a:ext cx="1158188" cy="1158188"/>
           </a:xfrm>
           <a:prstGeom prst="rect">
@@ -3786,7 +3786,7 @@
         </p:blipFill>
         <p:spPr>
           <a:xfrm>
-            <a:off x="3187455" y="1594586"/>
+            <a:off x="3326601" y="859094"/>
             <a:ext cx="1000814" cy="749046"/>
           </a:xfrm>
           <a:prstGeom prst="rect">
@@ -3816,7 +3816,7 @@
         </p:blipFill>
         <p:spPr>
           <a:xfrm>
-            <a:off x="8455443" y="3580154"/>
+            <a:off x="8594589" y="2586248"/>
             <a:ext cx="988484" cy="685250"/>
           </a:xfrm>
           <a:prstGeom prst="rect">
@@ -3846,7 +3846,7 @@
         </p:blipFill>
         <p:spPr>
           <a:xfrm>
-            <a:off x="3262055" y="3642053"/>
+            <a:off x="3401201" y="2648147"/>
             <a:ext cx="561453" cy="561453"/>
           </a:xfrm>
           <a:prstGeom prst="rect">
@@ -3876,7 +3876,7 @@
         </p:blipFill>
         <p:spPr>
           <a:xfrm>
-            <a:off x="6748150" y="5515726"/>
+            <a:off x="7147211" y="4564149"/>
             <a:ext cx="567342" cy="784823"/>
           </a:xfrm>
           <a:prstGeom prst="rect">
@@ -3898,8 +3898,8 @@
         </p:nvSpPr>
         <p:spPr>
           <a:xfrm>
-            <a:off x="2043113" y="834558"/>
-            <a:ext cx="9672637" cy="5894537"/>
+            <a:off x="2182259" y="168638"/>
+            <a:ext cx="9672637" cy="6530335"/>
           </a:xfrm>
           <a:prstGeom prst="roundRect">
             <a:avLst>
@@ -3947,7 +3947,7 @@
         </p:nvSpPr>
         <p:spPr>
           <a:xfrm>
-            <a:off x="2696650" y="1096269"/>
+            <a:off x="2835796" y="360777"/>
             <a:ext cx="8390861" cy="1499526"/>
           </a:xfrm>
           <a:prstGeom prst="roundRect">
@@ -4022,7 +4022,7 @@
         </p:blipFill>
         <p:spPr>
           <a:xfrm>
-            <a:off x="7172567" y="1674284"/>
+            <a:off x="7311713" y="938792"/>
             <a:ext cx="589650" cy="589650"/>
           </a:xfrm>
           <a:prstGeom prst="rect">
@@ -4058,8 +4058,8 @@
         </p:blipFill>
         <p:spPr>
           <a:xfrm>
-            <a:off x="682856" y="3470419"/>
-            <a:ext cx="624548" cy="624548"/>
+            <a:off x="776303" y="2738923"/>
+            <a:ext cx="755703" cy="755703"/>
           </a:xfrm>
           <a:prstGeom prst="rect">
             <a:avLst/>
@@ -4080,7 +4080,7 @@
         </p:nvGrpSpPr>
         <p:grpSpPr>
           <a:xfrm>
-            <a:off x="618649" y="1626771"/>
+            <a:off x="757795" y="960852"/>
             <a:ext cx="755703" cy="755703"/>
             <a:chOff x="747864" y="3706346"/>
             <a:chExt cx="914400" cy="914400"/>
@@ -4176,8 +4176,8 @@
         </p:nvCxnSpPr>
         <p:spPr>
           <a:xfrm>
-            <a:off x="1307404" y="3782693"/>
-            <a:ext cx="735709" cy="1"/>
+            <a:off x="1532006" y="3116775"/>
+            <a:ext cx="670131" cy="0"/>
           </a:xfrm>
           <a:prstGeom prst="straightConnector1">
             <a:avLst/>
@@ -4224,7 +4224,7 @@
         </p:nvCxnSpPr>
         <p:spPr>
           <a:xfrm>
-            <a:off x="1374352" y="2004623"/>
+            <a:off x="1513498" y="1338704"/>
             <a:ext cx="668761" cy="0"/>
           </a:xfrm>
           <a:prstGeom prst="straightConnector1">
@@ -4269,7 +4269,7 @@
         </p:nvSpPr>
         <p:spPr>
           <a:xfrm>
-            <a:off x="2696650" y="3050238"/>
+            <a:off x="2835796" y="2056332"/>
             <a:ext cx="8390861" cy="1499526"/>
           </a:xfrm>
           <a:prstGeom prst="roundRect">
@@ -4336,8 +4336,8 @@
         </p:nvSpPr>
         <p:spPr>
           <a:xfrm>
-            <a:off x="2696650" y="5004207"/>
-            <a:ext cx="8390861" cy="1499526"/>
+            <a:off x="2835796" y="3771761"/>
+            <a:ext cx="8390861" cy="2725462"/>
           </a:xfrm>
           <a:prstGeom prst="roundRect">
             <a:avLst>
@@ -4411,7 +4411,7 @@
         </p:blipFill>
         <p:spPr>
           <a:xfrm>
-            <a:off x="8914654" y="1732517"/>
+            <a:off x="9053800" y="997025"/>
             <a:ext cx="1569081" cy="473185"/>
           </a:xfrm>
           <a:prstGeom prst="rect">
@@ -4441,7 +4441,7 @@
         </p:blipFill>
         <p:spPr>
           <a:xfrm>
-            <a:off x="9879080" y="3653782"/>
+            <a:off x="10018226" y="2659876"/>
             <a:ext cx="584776" cy="537994"/>
           </a:xfrm>
           <a:prstGeom prst="rect">
@@ -4471,7 +4471,7 @@
         </p:blipFill>
         <p:spPr>
           <a:xfrm>
-            <a:off x="7282767" y="3580154"/>
+            <a:off x="7421913" y="2586248"/>
             <a:ext cx="839123" cy="685250"/>
           </a:xfrm>
           <a:prstGeom prst="rect">
@@ -4501,7 +4501,7 @@
         </p:blipFill>
         <p:spPr>
           <a:xfrm>
-            <a:off x="7751259" y="5530158"/>
+            <a:off x="3262648" y="5370631"/>
             <a:ext cx="652645" cy="755959"/>
           </a:xfrm>
           <a:prstGeom prst="rect">
@@ -4531,7 +4531,7 @@
         </p:blipFill>
         <p:spPr>
           <a:xfrm>
-            <a:off x="5217842" y="5573702"/>
+            <a:off x="4435899" y="5394351"/>
             <a:ext cx="1131612" cy="668871"/>
           </a:xfrm>
           <a:prstGeom prst="rect">
@@ -4561,7 +4561,7 @@
         </p:blipFill>
         <p:spPr>
           <a:xfrm>
-            <a:off x="5340707" y="1629398"/>
+            <a:off x="5479853" y="893906"/>
             <a:ext cx="679422" cy="679422"/>
           </a:xfrm>
           <a:prstGeom prst="rect">
@@ -4569,12 +4569,72 @@
           </a:prstGeom>
         </p:spPr>
       </p:pic>
-      <p:sp>
-        <p:nvSpPr>
-          <p:cNvPr id="31" name="角丸四角形 30">
-            <a:extLst>
-              <a:ext uri="{FF2B5EF4-FFF2-40B4-BE49-F238E27FC236}">
-                <a16:creationId xmlns:a16="http://schemas.microsoft.com/office/drawing/2014/main" id="{9E855DE0-C1A1-1848-BD18-87D9D710EE6F}"/>
+      <p:pic>
+        <p:nvPicPr>
+          <p:cNvPr id="12" name="図 11" descr="挿絵 が含まれている画像&#10;&#10;自動的に生成された説明">
+            <a:extLst>
+              <a:ext uri="{FF2B5EF4-FFF2-40B4-BE49-F238E27FC236}">
+                <a16:creationId xmlns:a16="http://schemas.microsoft.com/office/drawing/2014/main" id="{FFC5D7A8-7C4F-BE46-9458-EC489F6E1F06}"/>
+              </a:ext>
+            </a:extLst>
+          </p:cNvPr>
+          <p:cNvPicPr>
+            <a:picLocks noChangeAspect="1"/>
+          </p:cNvPicPr>
+          <p:nvPr/>
+        </p:nvPicPr>
+        <p:blipFill>
+          <a:blip r:embed="rId24"/>
+          <a:stretch>
+            <a:fillRect/>
+          </a:stretch>
+        </p:blipFill>
+        <p:spPr>
+          <a:xfrm>
+            <a:off x="9192372" y="4939259"/>
+            <a:ext cx="784823" cy="784823"/>
+          </a:xfrm>
+          <a:prstGeom prst="rect">
+            <a:avLst/>
+          </a:prstGeom>
+        </p:spPr>
+      </p:pic>
+      <p:pic>
+        <p:nvPicPr>
+          <p:cNvPr id="19" name="図 18" descr="挿絵 が含まれている画像&#10;&#10;自動的に生成された説明">
+            <a:extLst>
+              <a:ext uri="{FF2B5EF4-FFF2-40B4-BE49-F238E27FC236}">
+                <a16:creationId xmlns:a16="http://schemas.microsoft.com/office/drawing/2014/main" id="{55F8A625-1EAA-2143-918B-7E3443831A6D}"/>
+              </a:ext>
+            </a:extLst>
+          </p:cNvPr>
+          <p:cNvPicPr>
+            <a:picLocks noChangeAspect="1"/>
+          </p:cNvPicPr>
+          <p:nvPr/>
+        </p:nvPicPr>
+        <p:blipFill>
+          <a:blip r:embed="rId25"/>
+          <a:stretch>
+            <a:fillRect/>
+          </a:stretch>
+        </p:blipFill>
+        <p:spPr>
+          <a:xfrm>
+            <a:off x="9915197" y="4980975"/>
+            <a:ext cx="1143744" cy="701390"/>
+          </a:xfrm>
+          <a:prstGeom prst="rect">
+            <a:avLst/>
+          </a:prstGeom>
+        </p:spPr>
+      </p:pic>
+      <p:sp>
+        <p:nvSpPr>
+          <p:cNvPr id="36" name="角丸四角形 26">
+            <a:extLst>
+              <a:ext uri="{FF2B5EF4-FFF2-40B4-BE49-F238E27FC236}">
+                <a16:creationId xmlns:a16="http://schemas.microsoft.com/office/drawing/2014/main" id="{A5DE0B08-5B86-DD4F-8126-059520EDDF1D}"/>
               </a:ext>
             </a:extLst>
           </p:cNvPr>
@@ -4583,8 +4643,8 @@
         </p:nvSpPr>
         <p:spPr>
           <a:xfrm>
-            <a:off x="285884" y="3174689"/>
-            <a:ext cx="1479696" cy="3554392"/>
+            <a:off x="9068268" y="4249872"/>
+            <a:ext cx="1984848" cy="2031658"/>
           </a:xfrm>
           <a:prstGeom prst="roundRect">
             <a:avLst>
@@ -4623,7 +4683,7 @@
                   </a:schemeClr>
                 </a:solidFill>
               </a:rPr>
-              <a:t>Test</a:t>
+              <a:t>Optional</a:t>
             </a:r>
             <a:endParaRPr kumimoji="1" lang="en-US" altLang="ja-JP" sz="1400" dirty="0">
               <a:solidFill>
@@ -4638,10 +4698,10 @@
       </p:sp>
       <p:pic>
         <p:nvPicPr>
-          <p:cNvPr id="12" name="図 11" descr="挿絵 が含まれている画像&#10;&#10;自動的に生成された説明">
-            <a:extLst>
-              <a:ext uri="{FF2B5EF4-FFF2-40B4-BE49-F238E27FC236}">
-                <a16:creationId xmlns:a16="http://schemas.microsoft.com/office/drawing/2014/main" id="{FFC5D7A8-7C4F-BE46-9458-EC489F6E1F06}"/>
+          <p:cNvPr id="24" name="図 23">
+            <a:extLst>
+              <a:ext uri="{FF2B5EF4-FFF2-40B4-BE49-F238E27FC236}">
+                <a16:creationId xmlns:a16="http://schemas.microsoft.com/office/drawing/2014/main" id="{69422951-62CE-2742-A011-6A0E551381FC}"/>
               </a:ext>
             </a:extLst>
           </p:cNvPr>
@@ -4651,15 +4711,15 @@
           <p:nvPr/>
         </p:nvPicPr>
         <p:blipFill>
-          <a:blip r:embed="rId24"/>
+          <a:blip r:embed="rId26"/>
           <a:stretch>
             <a:fillRect/>
           </a:stretch>
         </p:blipFill>
         <p:spPr>
           <a:xfrm>
-            <a:off x="8864385" y="5515726"/>
-            <a:ext cx="784823" cy="784823"/>
+            <a:off x="7938026" y="5473755"/>
+            <a:ext cx="854218" cy="514839"/>
           </a:xfrm>
           <a:prstGeom prst="rect">
             <a:avLst/>
@@ -4668,10 +4728,10 @@
       </p:pic>
       <p:pic>
         <p:nvPicPr>
-          <p:cNvPr id="19" name="図 18" descr="挿絵 が含まれている画像&#10;&#10;自動的に生成された説明">
-            <a:extLst>
-              <a:ext uri="{FF2B5EF4-FFF2-40B4-BE49-F238E27FC236}">
-                <a16:creationId xmlns:a16="http://schemas.microsoft.com/office/drawing/2014/main" id="{55F8A625-1EAA-2143-918B-7E3443831A6D}"/>
+          <p:cNvPr id="30" name="図 29" descr="抽象, 挿絵, 記号 が含まれている画像&#10;&#10;自動的に生成された説明">
+            <a:extLst>
+              <a:ext uri="{FF2B5EF4-FFF2-40B4-BE49-F238E27FC236}">
+                <a16:creationId xmlns:a16="http://schemas.microsoft.com/office/drawing/2014/main" id="{D8D29A36-D30E-0041-B6DB-0DDB28A25667}"/>
               </a:ext>
             </a:extLst>
           </p:cNvPr>
@@ -4681,27 +4741,57 @@
           <p:nvPr/>
         </p:nvPicPr>
         <p:blipFill>
-          <a:blip r:embed="rId25"/>
+          <a:blip r:embed="rId27"/>
           <a:stretch>
             <a:fillRect/>
           </a:stretch>
         </p:blipFill>
         <p:spPr>
           <a:xfrm>
-            <a:off x="9776051" y="5557442"/>
-            <a:ext cx="1143744" cy="701390"/>
+            <a:off x="6309950" y="5557730"/>
+            <a:ext cx="519457" cy="519457"/>
           </a:xfrm>
           <a:prstGeom prst="rect">
             <a:avLst/>
           </a:prstGeom>
         </p:spPr>
       </p:pic>
-      <p:sp>
-        <p:nvSpPr>
-          <p:cNvPr id="36" name="角丸四角形 26">
-            <a:extLst>
-              <a:ext uri="{FF2B5EF4-FFF2-40B4-BE49-F238E27FC236}">
-                <a16:creationId xmlns:a16="http://schemas.microsoft.com/office/drawing/2014/main" id="{A5DE0B08-5B86-DD4F-8126-059520EDDF1D}"/>
+      <p:pic>
+        <p:nvPicPr>
+          <p:cNvPr id="41" name="図 40" descr="グラフィック, 挿絵 が含まれている画像&#10;&#10;自動的に生成された説明">
+            <a:extLst>
+              <a:ext uri="{FF2B5EF4-FFF2-40B4-BE49-F238E27FC236}">
+                <a16:creationId xmlns:a16="http://schemas.microsoft.com/office/drawing/2014/main" id="{58425D29-3C33-524D-A990-13142E627E24}"/>
+              </a:ext>
+            </a:extLst>
+          </p:cNvPr>
+          <p:cNvPicPr>
+            <a:picLocks noChangeAspect="1"/>
+          </p:cNvPicPr>
+          <p:nvPr/>
+        </p:nvPicPr>
+        <p:blipFill>
+          <a:blip r:embed="rId28"/>
+          <a:stretch>
+            <a:fillRect/>
+          </a:stretch>
+        </p:blipFill>
+        <p:spPr>
+          <a:xfrm>
+            <a:off x="7165783" y="5542250"/>
+            <a:ext cx="505605" cy="519457"/>
+          </a:xfrm>
+          <a:prstGeom prst="rect">
+            <a:avLst/>
+          </a:prstGeom>
+        </p:spPr>
+      </p:pic>
+      <p:sp>
+        <p:nvSpPr>
+          <p:cNvPr id="40" name="角丸四角形 26">
+            <a:extLst>
+              <a:ext uri="{FF2B5EF4-FFF2-40B4-BE49-F238E27FC236}">
+                <a16:creationId xmlns:a16="http://schemas.microsoft.com/office/drawing/2014/main" id="{6F513570-016F-4176-B3B6-D59EABB02527}"/>
               </a:ext>
             </a:extLst>
           </p:cNvPr>
@@ -4710,8 +4800,8 @@
         </p:nvSpPr>
         <p:spPr>
           <a:xfrm>
-            <a:off x="8839671" y="5276335"/>
-            <a:ext cx="1984848" cy="1063455"/>
+            <a:off x="6041121" y="4249872"/>
+            <a:ext cx="2837323" cy="2031658"/>
           </a:xfrm>
           <a:prstGeom prst="roundRect">
             <a:avLst>
@@ -4750,7 +4840,7 @@
                   </a:schemeClr>
                 </a:solidFill>
               </a:rPr>
-              <a:t>Optional</a:t>
+              <a:t>Test</a:t>
             </a:r>
             <a:endParaRPr kumimoji="1" lang="en-US" altLang="ja-JP" sz="1400" dirty="0">
               <a:solidFill>
@@ -4763,96 +4853,6 @@
           </a:p>
         </p:txBody>
       </p:sp>
-      <p:pic>
-        <p:nvPicPr>
-          <p:cNvPr id="24" name="図 23">
-            <a:extLst>
-              <a:ext uri="{FF2B5EF4-FFF2-40B4-BE49-F238E27FC236}">
-                <a16:creationId xmlns:a16="http://schemas.microsoft.com/office/drawing/2014/main" id="{69422951-62CE-2742-A011-6A0E551381FC}"/>
-              </a:ext>
-            </a:extLst>
-          </p:cNvPr>
-          <p:cNvPicPr>
-            <a:picLocks noChangeAspect="1"/>
-          </p:cNvPicPr>
-          <p:nvPr/>
-        </p:nvPicPr>
-        <p:blipFill>
-          <a:blip r:embed="rId26"/>
-          <a:stretch>
-            <a:fillRect/>
-          </a:stretch>
-        </p:blipFill>
-        <p:spPr>
-          <a:xfrm>
-            <a:off x="568021" y="6082370"/>
-            <a:ext cx="854218" cy="514839"/>
-          </a:xfrm>
-          <a:prstGeom prst="rect">
-            <a:avLst/>
-          </a:prstGeom>
-        </p:spPr>
-      </p:pic>
-      <p:pic>
-        <p:nvPicPr>
-          <p:cNvPr id="30" name="図 29" descr="抽象, 挿絵, 記号 が含まれている画像&#10;&#10;自動的に生成された説明">
-            <a:extLst>
-              <a:ext uri="{FF2B5EF4-FFF2-40B4-BE49-F238E27FC236}">
-                <a16:creationId xmlns:a16="http://schemas.microsoft.com/office/drawing/2014/main" id="{D8D29A36-D30E-0041-B6DB-0DDB28A25667}"/>
-              </a:ext>
-            </a:extLst>
-          </p:cNvPr>
-          <p:cNvPicPr>
-            <a:picLocks noChangeAspect="1"/>
-          </p:cNvPicPr>
-          <p:nvPr/>
-        </p:nvPicPr>
-        <p:blipFill>
-          <a:blip r:embed="rId27"/>
-          <a:stretch>
-            <a:fillRect/>
-          </a:stretch>
-        </p:blipFill>
-        <p:spPr>
-          <a:xfrm>
-            <a:off x="735402" y="4394654"/>
-            <a:ext cx="519457" cy="519457"/>
-          </a:xfrm>
-          <a:prstGeom prst="rect">
-            <a:avLst/>
-          </a:prstGeom>
-        </p:spPr>
-      </p:pic>
-      <p:pic>
-        <p:nvPicPr>
-          <p:cNvPr id="41" name="図 40" descr="グラフィック, 挿絵 が含まれている画像&#10;&#10;自動的に生成された説明">
-            <a:extLst>
-              <a:ext uri="{FF2B5EF4-FFF2-40B4-BE49-F238E27FC236}">
-                <a16:creationId xmlns:a16="http://schemas.microsoft.com/office/drawing/2014/main" id="{58425D29-3C33-524D-A990-13142E627E24}"/>
-              </a:ext>
-            </a:extLst>
-          </p:cNvPr>
-          <p:cNvPicPr>
-            <a:picLocks noChangeAspect="1"/>
-          </p:cNvPicPr>
-          <p:nvPr/>
-        </p:nvPicPr>
-        <p:blipFill>
-          <a:blip r:embed="rId28"/>
-          <a:stretch>
-            <a:fillRect/>
-          </a:stretch>
-        </p:blipFill>
-        <p:spPr>
-          <a:xfrm>
-            <a:off x="742328" y="5238512"/>
-            <a:ext cx="505605" cy="519457"/>
-          </a:xfrm>
-          <a:prstGeom prst="rect">
-            <a:avLst/>
-          </a:prstGeom>
-        </p:spPr>
-      </p:pic>
     </p:spTree>
     <p:extLst>
       <p:ext uri="{BB962C8B-B14F-4D97-AF65-F5344CB8AC3E}">

--- a/docs/LayardArchitecturalOverview.pptx
+++ b/docs/LayardArchitecturalOverview.pptx
@@ -259,7 +259,7 @@
           <a:p>
             <a:fld id="{12C4E39A-9D43-8547-8ED7-9E99CFD6D622}" type="datetimeFigureOut">
               <a:rPr kumimoji="1" lang="ja-JP" altLang="en-US" smtClean="0"/>
-              <a:t>2020/3/17</a:t>
+              <a:t>2020/4/25</a:t>
             </a:fld>
             <a:endParaRPr kumimoji="1" lang="ja-JP" altLang="en-US"/>
           </a:p>
@@ -489,7 +489,7 @@
           <a:p>
             <a:fld id="{12C4E39A-9D43-8547-8ED7-9E99CFD6D622}" type="datetimeFigureOut">
               <a:rPr kumimoji="1" lang="ja-JP" altLang="en-US" smtClean="0"/>
-              <a:t>2020/3/17</a:t>
+              <a:t>2020/4/25</a:t>
             </a:fld>
             <a:endParaRPr kumimoji="1" lang="ja-JP" altLang="en-US"/>
           </a:p>
@@ -729,7 +729,7 @@
           <a:p>
             <a:fld id="{12C4E39A-9D43-8547-8ED7-9E99CFD6D622}" type="datetimeFigureOut">
               <a:rPr kumimoji="1" lang="ja-JP" altLang="en-US" smtClean="0"/>
-              <a:t>2020/3/17</a:t>
+              <a:t>2020/4/25</a:t>
             </a:fld>
             <a:endParaRPr kumimoji="1" lang="ja-JP" altLang="en-US"/>
           </a:p>
@@ -959,7 +959,7 @@
           <a:p>
             <a:fld id="{12C4E39A-9D43-8547-8ED7-9E99CFD6D622}" type="datetimeFigureOut">
               <a:rPr kumimoji="1" lang="ja-JP" altLang="en-US" smtClean="0"/>
-              <a:t>2020/3/17</a:t>
+              <a:t>2020/4/25</a:t>
             </a:fld>
             <a:endParaRPr kumimoji="1" lang="ja-JP" altLang="en-US"/>
           </a:p>
@@ -1234,7 +1234,7 @@
           <a:p>
             <a:fld id="{12C4E39A-9D43-8547-8ED7-9E99CFD6D622}" type="datetimeFigureOut">
               <a:rPr kumimoji="1" lang="ja-JP" altLang="en-US" smtClean="0"/>
-              <a:t>2020/3/17</a:t>
+              <a:t>2020/4/25</a:t>
             </a:fld>
             <a:endParaRPr kumimoji="1" lang="ja-JP" altLang="en-US"/>
           </a:p>
@@ -1563,7 +1563,7 @@
           <a:p>
             <a:fld id="{12C4E39A-9D43-8547-8ED7-9E99CFD6D622}" type="datetimeFigureOut">
               <a:rPr kumimoji="1" lang="ja-JP" altLang="en-US" smtClean="0"/>
-              <a:t>2020/3/17</a:t>
+              <a:t>2020/4/25</a:t>
             </a:fld>
             <a:endParaRPr kumimoji="1" lang="ja-JP" altLang="en-US"/>
           </a:p>
@@ -2039,7 +2039,7 @@
           <a:p>
             <a:fld id="{12C4E39A-9D43-8547-8ED7-9E99CFD6D622}" type="datetimeFigureOut">
               <a:rPr kumimoji="1" lang="ja-JP" altLang="en-US" smtClean="0"/>
-              <a:t>2020/3/17</a:t>
+              <a:t>2020/4/25</a:t>
             </a:fld>
             <a:endParaRPr kumimoji="1" lang="ja-JP" altLang="en-US"/>
           </a:p>
@@ -2180,7 +2180,7 @@
           <a:p>
             <a:fld id="{12C4E39A-9D43-8547-8ED7-9E99CFD6D622}" type="datetimeFigureOut">
               <a:rPr kumimoji="1" lang="ja-JP" altLang="en-US" smtClean="0"/>
-              <a:t>2020/3/17</a:t>
+              <a:t>2020/4/25</a:t>
             </a:fld>
             <a:endParaRPr kumimoji="1" lang="ja-JP" altLang="en-US"/>
           </a:p>
@@ -2293,7 +2293,7 @@
           <a:p>
             <a:fld id="{12C4E39A-9D43-8547-8ED7-9E99CFD6D622}" type="datetimeFigureOut">
               <a:rPr kumimoji="1" lang="ja-JP" altLang="en-US" smtClean="0"/>
-              <a:t>2020/3/17</a:t>
+              <a:t>2020/4/25</a:t>
             </a:fld>
             <a:endParaRPr kumimoji="1" lang="ja-JP" altLang="en-US"/>
           </a:p>
@@ -2636,7 +2636,7 @@
           <a:p>
             <a:fld id="{12C4E39A-9D43-8547-8ED7-9E99CFD6D622}" type="datetimeFigureOut">
               <a:rPr kumimoji="1" lang="ja-JP" altLang="en-US" smtClean="0"/>
-              <a:t>2020/3/17</a:t>
+              <a:t>2020/4/25</a:t>
             </a:fld>
             <a:endParaRPr kumimoji="1" lang="ja-JP" altLang="en-US"/>
           </a:p>
@@ -2924,7 +2924,7 @@
           <a:p>
             <a:fld id="{12C4E39A-9D43-8547-8ED7-9E99CFD6D622}" type="datetimeFigureOut">
               <a:rPr kumimoji="1" lang="ja-JP" altLang="en-US" smtClean="0"/>
-              <a:t>2020/3/17</a:t>
+              <a:t>2020/4/25</a:t>
             </a:fld>
             <a:endParaRPr kumimoji="1" lang="ja-JP" altLang="en-US"/>
           </a:p>
@@ -3197,7 +3197,7 @@
           <a:p>
             <a:fld id="{12C4E39A-9D43-8547-8ED7-9E99CFD6D622}" type="datetimeFigureOut">
               <a:rPr kumimoji="1" lang="ja-JP" altLang="en-US" smtClean="0"/>
-              <a:t>2020/3/17</a:t>
+              <a:t>2020/4/25</a:t>
             </a:fld>
             <a:endParaRPr kumimoji="1" lang="ja-JP" altLang="en-US"/>
           </a:p>
@@ -3696,7 +3696,7 @@
         </p:blipFill>
         <p:spPr>
           <a:xfrm>
-            <a:off x="5310428" y="2349779"/>
+            <a:off x="4661713" y="2349779"/>
             <a:ext cx="2062412" cy="1158188"/>
           </a:xfrm>
           <a:prstGeom prst="rect">
@@ -3756,7 +3756,7 @@
         </p:blipFill>
         <p:spPr>
           <a:xfrm>
-            <a:off x="4326687" y="2349779"/>
+            <a:off x="3797694" y="2349779"/>
             <a:ext cx="1158188" cy="1158188"/>
           </a:xfrm>
           <a:prstGeom prst="rect">
@@ -3816,7 +3816,7 @@
         </p:blipFill>
         <p:spPr>
           <a:xfrm>
-            <a:off x="8594589" y="2586248"/>
+            <a:off x="7816422" y="2586248"/>
             <a:ext cx="988484" cy="685250"/>
           </a:xfrm>
           <a:prstGeom prst="rect">
@@ -3846,7 +3846,7 @@
         </p:blipFill>
         <p:spPr>
           <a:xfrm>
-            <a:off x="3401201" y="2648147"/>
+            <a:off x="3033456" y="2648147"/>
             <a:ext cx="561453" cy="561453"/>
           </a:xfrm>
           <a:prstGeom prst="rect">
@@ -4441,7 +4441,7 @@
         </p:blipFill>
         <p:spPr>
           <a:xfrm>
-            <a:off x="10018226" y="2659876"/>
+            <a:off x="9153464" y="2659876"/>
             <a:ext cx="584776" cy="537994"/>
           </a:xfrm>
           <a:prstGeom prst="rect">
@@ -4471,7 +4471,7 @@
         </p:blipFill>
         <p:spPr>
           <a:xfrm>
-            <a:off x="7421913" y="2586248"/>
+            <a:off x="6598924" y="2586248"/>
             <a:ext cx="839123" cy="685250"/>
           </a:xfrm>
           <a:prstGeom prst="rect">
@@ -4853,6 +4853,36 @@
           </a:p>
         </p:txBody>
       </p:sp>
+      <p:pic>
+        <p:nvPicPr>
+          <p:cNvPr id="22" name="Picture 21" descr="A close up of a sign&#10;&#10;Description automatically generated">
+            <a:extLst>
+              <a:ext uri="{FF2B5EF4-FFF2-40B4-BE49-F238E27FC236}">
+                <a16:creationId xmlns:a16="http://schemas.microsoft.com/office/drawing/2014/main" id="{4D8DBDE8-430C-43F5-8F29-6F964A3FB4AB}"/>
+              </a:ext>
+            </a:extLst>
+          </p:cNvPr>
+          <p:cNvPicPr>
+            <a:picLocks noChangeAspect="1"/>
+          </p:cNvPicPr>
+          <p:nvPr/>
+        </p:nvPicPr>
+        <p:blipFill>
+          <a:blip r:embed="rId29"/>
+          <a:stretch>
+            <a:fillRect/>
+          </a:stretch>
+        </p:blipFill>
+        <p:spPr>
+          <a:xfrm>
+            <a:off x="10086799" y="2788914"/>
+            <a:ext cx="1036768" cy="279918"/>
+          </a:xfrm>
+          <a:prstGeom prst="rect">
+            <a:avLst/>
+          </a:prstGeom>
+        </p:spPr>
+      </p:pic>
     </p:spTree>
     <p:extLst>
       <p:ext uri="{BB962C8B-B14F-4D97-AF65-F5344CB8AC3E}">

--- a/docs/LayardArchitecturalOverview.pptx
+++ b/docs/LayardArchitecturalOverview.pptx
@@ -259,7 +259,7 @@
           <a:p>
             <a:fld id="{12C4E39A-9D43-8547-8ED7-9E99CFD6D622}" type="datetimeFigureOut">
               <a:rPr kumimoji="1" lang="ja-JP" altLang="en-US" smtClean="0"/>
-              <a:t>2020/4/25</a:t>
+              <a:t>2020/5/15</a:t>
             </a:fld>
             <a:endParaRPr kumimoji="1" lang="ja-JP" altLang="en-US"/>
           </a:p>
@@ -489,7 +489,7 @@
           <a:p>
             <a:fld id="{12C4E39A-9D43-8547-8ED7-9E99CFD6D622}" type="datetimeFigureOut">
               <a:rPr kumimoji="1" lang="ja-JP" altLang="en-US" smtClean="0"/>
-              <a:t>2020/4/25</a:t>
+              <a:t>2020/5/15</a:t>
             </a:fld>
             <a:endParaRPr kumimoji="1" lang="ja-JP" altLang="en-US"/>
           </a:p>
@@ -729,7 +729,7 @@
           <a:p>
             <a:fld id="{12C4E39A-9D43-8547-8ED7-9E99CFD6D622}" type="datetimeFigureOut">
               <a:rPr kumimoji="1" lang="ja-JP" altLang="en-US" smtClean="0"/>
-              <a:t>2020/4/25</a:t>
+              <a:t>2020/5/15</a:t>
             </a:fld>
             <a:endParaRPr kumimoji="1" lang="ja-JP" altLang="en-US"/>
           </a:p>
@@ -959,7 +959,7 @@
           <a:p>
             <a:fld id="{12C4E39A-9D43-8547-8ED7-9E99CFD6D622}" type="datetimeFigureOut">
               <a:rPr kumimoji="1" lang="ja-JP" altLang="en-US" smtClean="0"/>
-              <a:t>2020/4/25</a:t>
+              <a:t>2020/5/15</a:t>
             </a:fld>
             <a:endParaRPr kumimoji="1" lang="ja-JP" altLang="en-US"/>
           </a:p>
@@ -1234,7 +1234,7 @@
           <a:p>
             <a:fld id="{12C4E39A-9D43-8547-8ED7-9E99CFD6D622}" type="datetimeFigureOut">
               <a:rPr kumimoji="1" lang="ja-JP" altLang="en-US" smtClean="0"/>
-              <a:t>2020/4/25</a:t>
+              <a:t>2020/5/15</a:t>
             </a:fld>
             <a:endParaRPr kumimoji="1" lang="ja-JP" altLang="en-US"/>
           </a:p>
@@ -1563,7 +1563,7 @@
           <a:p>
             <a:fld id="{12C4E39A-9D43-8547-8ED7-9E99CFD6D622}" type="datetimeFigureOut">
               <a:rPr kumimoji="1" lang="ja-JP" altLang="en-US" smtClean="0"/>
-              <a:t>2020/4/25</a:t>
+              <a:t>2020/5/15</a:t>
             </a:fld>
             <a:endParaRPr kumimoji="1" lang="ja-JP" altLang="en-US"/>
           </a:p>
@@ -2039,7 +2039,7 @@
           <a:p>
             <a:fld id="{12C4E39A-9D43-8547-8ED7-9E99CFD6D622}" type="datetimeFigureOut">
               <a:rPr kumimoji="1" lang="ja-JP" altLang="en-US" smtClean="0"/>
-              <a:t>2020/4/25</a:t>
+              <a:t>2020/5/15</a:t>
             </a:fld>
             <a:endParaRPr kumimoji="1" lang="ja-JP" altLang="en-US"/>
           </a:p>
@@ -2180,7 +2180,7 @@
           <a:p>
             <a:fld id="{12C4E39A-9D43-8547-8ED7-9E99CFD6D622}" type="datetimeFigureOut">
               <a:rPr kumimoji="1" lang="ja-JP" altLang="en-US" smtClean="0"/>
-              <a:t>2020/4/25</a:t>
+              <a:t>2020/5/15</a:t>
             </a:fld>
             <a:endParaRPr kumimoji="1" lang="ja-JP" altLang="en-US"/>
           </a:p>
@@ -2293,7 +2293,7 @@
           <a:p>
             <a:fld id="{12C4E39A-9D43-8547-8ED7-9E99CFD6D622}" type="datetimeFigureOut">
               <a:rPr kumimoji="1" lang="ja-JP" altLang="en-US" smtClean="0"/>
-              <a:t>2020/4/25</a:t>
+              <a:t>2020/5/15</a:t>
             </a:fld>
             <a:endParaRPr kumimoji="1" lang="ja-JP" altLang="en-US"/>
           </a:p>
@@ -2636,7 +2636,7 @@
           <a:p>
             <a:fld id="{12C4E39A-9D43-8547-8ED7-9E99CFD6D622}" type="datetimeFigureOut">
               <a:rPr kumimoji="1" lang="ja-JP" altLang="en-US" smtClean="0"/>
-              <a:t>2020/4/25</a:t>
+              <a:t>2020/5/15</a:t>
             </a:fld>
             <a:endParaRPr kumimoji="1" lang="ja-JP" altLang="en-US"/>
           </a:p>
@@ -2924,7 +2924,7 @@
           <a:p>
             <a:fld id="{12C4E39A-9D43-8547-8ED7-9E99CFD6D622}" type="datetimeFigureOut">
               <a:rPr kumimoji="1" lang="ja-JP" altLang="en-US" smtClean="0"/>
-              <a:t>2020/4/25</a:t>
+              <a:t>2020/5/15</a:t>
             </a:fld>
             <a:endParaRPr kumimoji="1" lang="ja-JP" altLang="en-US"/>
           </a:p>
@@ -3197,7 +3197,7 @@
           <a:p>
             <a:fld id="{12C4E39A-9D43-8547-8ED7-9E99CFD6D622}" type="datetimeFigureOut">
               <a:rPr kumimoji="1" lang="ja-JP" altLang="en-US" smtClean="0"/>
-              <a:t>2020/4/25</a:t>
+              <a:t>2020/5/15</a:t>
             </a:fld>
             <a:endParaRPr kumimoji="1" lang="ja-JP" altLang="en-US"/>
           </a:p>
@@ -3696,7 +3696,7 @@
         </p:blipFill>
         <p:spPr>
           <a:xfrm>
-            <a:off x="4661713" y="2349779"/>
+            <a:off x="4245979" y="2349779"/>
             <a:ext cx="2062412" cy="1158188"/>
           </a:xfrm>
           <a:prstGeom prst="rect">
@@ -3756,7 +3756,7 @@
         </p:blipFill>
         <p:spPr>
           <a:xfrm>
-            <a:off x="3797694" y="2349779"/>
+            <a:off x="3631737" y="2349779"/>
             <a:ext cx="1158188" cy="1158188"/>
           </a:xfrm>
           <a:prstGeom prst="rect">
@@ -3816,7 +3816,7 @@
         </p:blipFill>
         <p:spPr>
           <a:xfrm>
-            <a:off x="7816422" y="2586248"/>
+            <a:off x="8106247" y="2586248"/>
             <a:ext cx="988484" cy="685250"/>
           </a:xfrm>
           <a:prstGeom prst="rect">
@@ -4441,7 +4441,7 @@
         </p:blipFill>
         <p:spPr>
           <a:xfrm>
-            <a:off x="9153464" y="2659876"/>
+            <a:off x="9242771" y="2659876"/>
             <a:ext cx="584776" cy="537994"/>
           </a:xfrm>
           <a:prstGeom prst="rect">
@@ -4471,7 +4471,7 @@
         </p:blipFill>
         <p:spPr>
           <a:xfrm>
-            <a:off x="6598924" y="2586248"/>
+            <a:off x="5937442" y="2586248"/>
             <a:ext cx="839123" cy="685250"/>
           </a:xfrm>
           <a:prstGeom prst="rect">
@@ -4877,6 +4877,36 @@
           <a:xfrm>
             <a:off x="10086799" y="2788914"/>
             <a:ext cx="1036768" cy="279918"/>
+          </a:xfrm>
+          <a:prstGeom prst="rect">
+            <a:avLst/>
+          </a:prstGeom>
+        </p:spPr>
+      </p:pic>
+      <p:pic>
+        <p:nvPicPr>
+          <p:cNvPr id="6" name="図 5" descr="黒い背景と白い文字&#10;&#10;自動的に生成された説明">
+            <a:extLst>
+              <a:ext uri="{FF2B5EF4-FFF2-40B4-BE49-F238E27FC236}">
+                <a16:creationId xmlns:a16="http://schemas.microsoft.com/office/drawing/2014/main" id="{C4A43211-FB2B-014A-8B6E-DBB67E9687FA}"/>
+              </a:ext>
+            </a:extLst>
+          </p:cNvPr>
+          <p:cNvPicPr>
+            <a:picLocks noChangeAspect="1"/>
+          </p:cNvPicPr>
+          <p:nvPr/>
+        </p:nvPicPr>
+        <p:blipFill>
+          <a:blip r:embed="rId30"/>
+          <a:stretch>
+            <a:fillRect/>
+          </a:stretch>
+        </p:blipFill>
+        <p:spPr>
+          <a:xfrm>
+            <a:off x="6961675" y="2657221"/>
+            <a:ext cx="1033603" cy="543304"/>
           </a:xfrm>
           <a:prstGeom prst="rect">
             <a:avLst/>

--- a/docs/LayardArchitecturalOverview.pptx
+++ b/docs/LayardArchitecturalOverview.pptx
@@ -4,6 +4,9 @@
   <p:sldMasterIdLst>
     <p:sldMasterId id="2147483648" r:id="rId1"/>
   </p:sldMasterIdLst>
+  <p:notesMasterIdLst>
+    <p:notesMasterId r:id="rId3"/>
+  </p:notesMasterIdLst>
   <p:sldIdLst>
     <p:sldId id="257" r:id="rId2"/>
   </p:sldIdLst>
@@ -112,6 +115,440 @@
 </p:presentation>
 </file>
 
+<file path=ppt/notesMasters/notesMaster1.xml><?xml version="1.0" encoding="utf-8"?>
+<p:notesMaster xmlns:a="http://schemas.openxmlformats.org/drawingml/2006/main" xmlns:r="http://schemas.openxmlformats.org/officeDocument/2006/relationships" xmlns:p="http://schemas.openxmlformats.org/presentationml/2006/main">
+  <p:cSld>
+    <p:bg>
+      <p:bgRef idx="1001">
+        <a:schemeClr val="bg1"/>
+      </p:bgRef>
+    </p:bg>
+    <p:spTree>
+      <p:nvGrpSpPr>
+        <p:cNvPr id="1" name=""/>
+        <p:cNvGrpSpPr/>
+        <p:nvPr/>
+      </p:nvGrpSpPr>
+      <p:grpSpPr>
+        <a:xfrm>
+          <a:off x="0" y="0"/>
+          <a:ext cx="0" cy="0"/>
+          <a:chOff x="0" y="0"/>
+          <a:chExt cx="0" cy="0"/>
+        </a:xfrm>
+      </p:grpSpPr>
+      <p:sp>
+        <p:nvSpPr>
+          <p:cNvPr id="2" name="Header Placeholder 1"/>
+          <p:cNvSpPr>
+            <a:spLocks noGrp="1"/>
+          </p:cNvSpPr>
+          <p:nvPr>
+            <p:ph type="hdr" sz="quarter"/>
+          </p:nvPr>
+        </p:nvSpPr>
+        <p:spPr>
+          <a:xfrm>
+            <a:off x="0" y="0"/>
+            <a:ext cx="2971800" cy="458788"/>
+          </a:xfrm>
+          <a:prstGeom prst="rect">
+            <a:avLst/>
+          </a:prstGeom>
+        </p:spPr>
+        <p:txBody>
+          <a:bodyPr vert="horz" lIns="91440" tIns="45720" rIns="91440" bIns="45720" rtlCol="0"/>
+          <a:lstStyle>
+            <a:lvl1pPr algn="l">
+              <a:defRPr sz="1200"/>
+            </a:lvl1pPr>
+          </a:lstStyle>
+          <a:p>
+            <a:endParaRPr kumimoji="1" lang="ja-JP" altLang="en-US"/>
+          </a:p>
+        </p:txBody>
+      </p:sp>
+      <p:sp>
+        <p:nvSpPr>
+          <p:cNvPr id="3" name="Date Placeholder 2"/>
+          <p:cNvSpPr>
+            <a:spLocks noGrp="1"/>
+          </p:cNvSpPr>
+          <p:nvPr>
+            <p:ph type="dt" idx="1"/>
+          </p:nvPr>
+        </p:nvSpPr>
+        <p:spPr>
+          <a:xfrm>
+            <a:off x="3884613" y="0"/>
+            <a:ext cx="2971800" cy="458788"/>
+          </a:xfrm>
+          <a:prstGeom prst="rect">
+            <a:avLst/>
+          </a:prstGeom>
+        </p:spPr>
+        <p:txBody>
+          <a:bodyPr vert="horz" lIns="91440" tIns="45720" rIns="91440" bIns="45720" rtlCol="0"/>
+          <a:lstStyle>
+            <a:lvl1pPr algn="r">
+              <a:defRPr sz="1200"/>
+            </a:lvl1pPr>
+          </a:lstStyle>
+          <a:p>
+            <a:fld id="{0797AB29-4935-47BE-A5E2-20A530779BA3}" type="datetimeFigureOut">
+              <a:rPr kumimoji="1" lang="ja-JP" altLang="en-US" smtClean="0"/>
+              <a:t>2020/7/29</a:t>
+            </a:fld>
+            <a:endParaRPr kumimoji="1" lang="ja-JP" altLang="en-US"/>
+          </a:p>
+        </p:txBody>
+      </p:sp>
+      <p:sp>
+        <p:nvSpPr>
+          <p:cNvPr id="4" name="Slide Image Placeholder 3"/>
+          <p:cNvSpPr>
+            <a:spLocks noGrp="1" noRot="1" noChangeAspect="1"/>
+          </p:cNvSpPr>
+          <p:nvPr>
+            <p:ph type="sldImg" idx="2"/>
+          </p:nvPr>
+        </p:nvSpPr>
+        <p:spPr>
+          <a:xfrm>
+            <a:off x="685800" y="1143000"/>
+            <a:ext cx="5486400" cy="3086100"/>
+          </a:xfrm>
+          <a:prstGeom prst="rect">
+            <a:avLst/>
+          </a:prstGeom>
+          <a:noFill/>
+          <a:ln w="12700">
+            <a:solidFill>
+              <a:prstClr val="black"/>
+            </a:solidFill>
+          </a:ln>
+        </p:spPr>
+        <p:txBody>
+          <a:bodyPr vert="horz" lIns="91440" tIns="45720" rIns="91440" bIns="45720" rtlCol="0" anchor="ctr"/>
+          <a:lstStyle/>
+          <a:p>
+            <a:endParaRPr lang="ja-JP" altLang="en-US"/>
+          </a:p>
+        </p:txBody>
+      </p:sp>
+      <p:sp>
+        <p:nvSpPr>
+          <p:cNvPr id="5" name="Notes Placeholder 4"/>
+          <p:cNvSpPr>
+            <a:spLocks noGrp="1"/>
+          </p:cNvSpPr>
+          <p:nvPr>
+            <p:ph type="body" sz="quarter" idx="3"/>
+          </p:nvPr>
+        </p:nvSpPr>
+        <p:spPr>
+          <a:xfrm>
+            <a:off x="685800" y="4400550"/>
+            <a:ext cx="5486400" cy="3600450"/>
+          </a:xfrm>
+          <a:prstGeom prst="rect">
+            <a:avLst/>
+          </a:prstGeom>
+        </p:spPr>
+        <p:txBody>
+          <a:bodyPr vert="horz" lIns="91440" tIns="45720" rIns="91440" bIns="45720" rtlCol="0"/>
+          <a:lstStyle/>
+          <a:p>
+            <a:pPr lvl="0"/>
+            <a:r>
+              <a:rPr kumimoji="1" lang="en-US" altLang="ja-JP"/>
+              <a:t>Click to edit Master text styles</a:t>
+            </a:r>
+          </a:p>
+          <a:p>
+            <a:pPr lvl="1"/>
+            <a:r>
+              <a:rPr kumimoji="1" lang="en-US" altLang="ja-JP"/>
+              <a:t>Second level</a:t>
+            </a:r>
+          </a:p>
+          <a:p>
+            <a:pPr lvl="2"/>
+            <a:r>
+              <a:rPr kumimoji="1" lang="en-US" altLang="ja-JP"/>
+              <a:t>Third level</a:t>
+            </a:r>
+          </a:p>
+          <a:p>
+            <a:pPr lvl="3"/>
+            <a:r>
+              <a:rPr kumimoji="1" lang="en-US" altLang="ja-JP"/>
+              <a:t>Fourth level</a:t>
+            </a:r>
+          </a:p>
+          <a:p>
+            <a:pPr lvl="4"/>
+            <a:r>
+              <a:rPr kumimoji="1" lang="en-US" altLang="ja-JP"/>
+              <a:t>Fifth level</a:t>
+            </a:r>
+            <a:endParaRPr kumimoji="1" lang="ja-JP" altLang="en-US"/>
+          </a:p>
+        </p:txBody>
+      </p:sp>
+      <p:sp>
+        <p:nvSpPr>
+          <p:cNvPr id="6" name="Footer Placeholder 5"/>
+          <p:cNvSpPr>
+            <a:spLocks noGrp="1"/>
+          </p:cNvSpPr>
+          <p:nvPr>
+            <p:ph type="ftr" sz="quarter" idx="4"/>
+          </p:nvPr>
+        </p:nvSpPr>
+        <p:spPr>
+          <a:xfrm>
+            <a:off x="0" y="8685213"/>
+            <a:ext cx="2971800" cy="458787"/>
+          </a:xfrm>
+          <a:prstGeom prst="rect">
+            <a:avLst/>
+          </a:prstGeom>
+        </p:spPr>
+        <p:txBody>
+          <a:bodyPr vert="horz" lIns="91440" tIns="45720" rIns="91440" bIns="45720" rtlCol="0" anchor="b"/>
+          <a:lstStyle>
+            <a:lvl1pPr algn="l">
+              <a:defRPr sz="1200"/>
+            </a:lvl1pPr>
+          </a:lstStyle>
+          <a:p>
+            <a:endParaRPr kumimoji="1" lang="ja-JP" altLang="en-US"/>
+          </a:p>
+        </p:txBody>
+      </p:sp>
+      <p:sp>
+        <p:nvSpPr>
+          <p:cNvPr id="7" name="Slide Number Placeholder 6"/>
+          <p:cNvSpPr>
+            <a:spLocks noGrp="1"/>
+          </p:cNvSpPr>
+          <p:nvPr>
+            <p:ph type="sldNum" sz="quarter" idx="5"/>
+          </p:nvPr>
+        </p:nvSpPr>
+        <p:spPr>
+          <a:xfrm>
+            <a:off x="3884613" y="8685213"/>
+            <a:ext cx="2971800" cy="458787"/>
+          </a:xfrm>
+          <a:prstGeom prst="rect">
+            <a:avLst/>
+          </a:prstGeom>
+        </p:spPr>
+        <p:txBody>
+          <a:bodyPr vert="horz" lIns="91440" tIns="45720" rIns="91440" bIns="45720" rtlCol="0" anchor="b"/>
+          <a:lstStyle>
+            <a:lvl1pPr algn="r">
+              <a:defRPr sz="1200"/>
+            </a:lvl1pPr>
+          </a:lstStyle>
+          <a:p>
+            <a:fld id="{2B8201F0-D6D6-4DD1-9838-513218FDDFA0}" type="slidenum">
+              <a:rPr kumimoji="1" lang="ja-JP" altLang="en-US" smtClean="0"/>
+              <a:t>‹#›</a:t>
+            </a:fld>
+            <a:endParaRPr kumimoji="1" lang="ja-JP" altLang="en-US"/>
+          </a:p>
+        </p:txBody>
+      </p:sp>
+    </p:spTree>
+    <p:extLst>
+      <p:ext uri="{BB962C8B-B14F-4D97-AF65-F5344CB8AC3E}">
+        <p14:creationId xmlns:p14="http://schemas.microsoft.com/office/powerpoint/2010/main" val="1821294139"/>
+      </p:ext>
+    </p:extLst>
+  </p:cSld>
+  <p:clrMap bg1="lt1" tx1="dk1" bg2="lt2" tx2="dk2" accent1="accent1" accent2="accent2" accent3="accent3" accent4="accent4" accent5="accent5" accent6="accent6" hlink="hlink" folHlink="folHlink"/>
+  <p:notesStyle>
+    <a:lvl1pPr marL="0" algn="l" defTabSz="914400" rtl="0" eaLnBrk="1" latinLnBrk="0" hangingPunct="1">
+      <a:defRPr kumimoji="1" sz="1200" kern="1200">
+        <a:solidFill>
+          <a:schemeClr val="tx1"/>
+        </a:solidFill>
+        <a:latin typeface="+mn-lt"/>
+        <a:ea typeface="+mn-ea"/>
+        <a:cs typeface="+mn-cs"/>
+      </a:defRPr>
+    </a:lvl1pPr>
+    <a:lvl2pPr marL="457200" algn="l" defTabSz="914400" rtl="0" eaLnBrk="1" latinLnBrk="0" hangingPunct="1">
+      <a:defRPr kumimoji="1" sz="1200" kern="1200">
+        <a:solidFill>
+          <a:schemeClr val="tx1"/>
+        </a:solidFill>
+        <a:latin typeface="+mn-lt"/>
+        <a:ea typeface="+mn-ea"/>
+        <a:cs typeface="+mn-cs"/>
+      </a:defRPr>
+    </a:lvl2pPr>
+    <a:lvl3pPr marL="914400" algn="l" defTabSz="914400" rtl="0" eaLnBrk="1" latinLnBrk="0" hangingPunct="1">
+      <a:defRPr kumimoji="1" sz="1200" kern="1200">
+        <a:solidFill>
+          <a:schemeClr val="tx1"/>
+        </a:solidFill>
+        <a:latin typeface="+mn-lt"/>
+        <a:ea typeface="+mn-ea"/>
+        <a:cs typeface="+mn-cs"/>
+      </a:defRPr>
+    </a:lvl3pPr>
+    <a:lvl4pPr marL="1371600" algn="l" defTabSz="914400" rtl="0" eaLnBrk="1" latinLnBrk="0" hangingPunct="1">
+      <a:defRPr kumimoji="1" sz="1200" kern="1200">
+        <a:solidFill>
+          <a:schemeClr val="tx1"/>
+        </a:solidFill>
+        <a:latin typeface="+mn-lt"/>
+        <a:ea typeface="+mn-ea"/>
+        <a:cs typeface="+mn-cs"/>
+      </a:defRPr>
+    </a:lvl4pPr>
+    <a:lvl5pPr marL="1828800" algn="l" defTabSz="914400" rtl="0" eaLnBrk="1" latinLnBrk="0" hangingPunct="1">
+      <a:defRPr kumimoji="1" sz="1200" kern="1200">
+        <a:solidFill>
+          <a:schemeClr val="tx1"/>
+        </a:solidFill>
+        <a:latin typeface="+mn-lt"/>
+        <a:ea typeface="+mn-ea"/>
+        <a:cs typeface="+mn-cs"/>
+      </a:defRPr>
+    </a:lvl5pPr>
+    <a:lvl6pPr marL="2286000" algn="l" defTabSz="914400" rtl="0" eaLnBrk="1" latinLnBrk="0" hangingPunct="1">
+      <a:defRPr kumimoji="1" sz="1200" kern="1200">
+        <a:solidFill>
+          <a:schemeClr val="tx1"/>
+        </a:solidFill>
+        <a:latin typeface="+mn-lt"/>
+        <a:ea typeface="+mn-ea"/>
+        <a:cs typeface="+mn-cs"/>
+      </a:defRPr>
+    </a:lvl6pPr>
+    <a:lvl7pPr marL="2743200" algn="l" defTabSz="914400" rtl="0" eaLnBrk="1" latinLnBrk="0" hangingPunct="1">
+      <a:defRPr kumimoji="1" sz="1200" kern="1200">
+        <a:solidFill>
+          <a:schemeClr val="tx1"/>
+        </a:solidFill>
+        <a:latin typeface="+mn-lt"/>
+        <a:ea typeface="+mn-ea"/>
+        <a:cs typeface="+mn-cs"/>
+      </a:defRPr>
+    </a:lvl7pPr>
+    <a:lvl8pPr marL="3200400" algn="l" defTabSz="914400" rtl="0" eaLnBrk="1" latinLnBrk="0" hangingPunct="1">
+      <a:defRPr kumimoji="1" sz="1200" kern="1200">
+        <a:solidFill>
+          <a:schemeClr val="tx1"/>
+        </a:solidFill>
+        <a:latin typeface="+mn-lt"/>
+        <a:ea typeface="+mn-ea"/>
+        <a:cs typeface="+mn-cs"/>
+      </a:defRPr>
+    </a:lvl8pPr>
+    <a:lvl9pPr marL="3657600" algn="l" defTabSz="914400" rtl="0" eaLnBrk="1" latinLnBrk="0" hangingPunct="1">
+      <a:defRPr kumimoji="1" sz="1200" kern="1200">
+        <a:solidFill>
+          <a:schemeClr val="tx1"/>
+        </a:solidFill>
+        <a:latin typeface="+mn-lt"/>
+        <a:ea typeface="+mn-ea"/>
+        <a:cs typeface="+mn-cs"/>
+      </a:defRPr>
+    </a:lvl9pPr>
+  </p:notesStyle>
+</p:notesMaster>
+</file>
+
+<file path=ppt/notesSlides/notesSlide1.xml><?xml version="1.0" encoding="utf-8"?>
+<p:notes xmlns:a="http://schemas.openxmlformats.org/drawingml/2006/main" xmlns:r="http://schemas.openxmlformats.org/officeDocument/2006/relationships" xmlns:p="http://schemas.openxmlformats.org/presentationml/2006/main">
+  <p:cSld>
+    <p:spTree>
+      <p:nvGrpSpPr>
+        <p:cNvPr id="1" name=""/>
+        <p:cNvGrpSpPr/>
+        <p:nvPr/>
+      </p:nvGrpSpPr>
+      <p:grpSpPr>
+        <a:xfrm>
+          <a:off x="0" y="0"/>
+          <a:ext cx="0" cy="0"/>
+          <a:chOff x="0" y="0"/>
+          <a:chExt cx="0" cy="0"/>
+        </a:xfrm>
+      </p:grpSpPr>
+      <p:sp>
+        <p:nvSpPr>
+          <p:cNvPr id="2" name="Slide Image Placeholder 1"/>
+          <p:cNvSpPr>
+            <a:spLocks noGrp="1" noRot="1" noChangeAspect="1"/>
+          </p:cNvSpPr>
+          <p:nvPr>
+            <p:ph type="sldImg"/>
+          </p:nvPr>
+        </p:nvSpPr>
+        <p:spPr/>
+      </p:sp>
+      <p:sp>
+        <p:nvSpPr>
+          <p:cNvPr id="3" name="Notes Placeholder 2"/>
+          <p:cNvSpPr>
+            <a:spLocks noGrp="1"/>
+          </p:cNvSpPr>
+          <p:nvPr>
+            <p:ph type="body" idx="1"/>
+          </p:nvPr>
+        </p:nvSpPr>
+        <p:spPr/>
+        <p:txBody>
+          <a:bodyPr/>
+          <a:lstStyle/>
+          <a:p>
+            <a:endParaRPr kumimoji="1" lang="ja-JP" altLang="en-US" dirty="0"/>
+          </a:p>
+        </p:txBody>
+      </p:sp>
+      <p:sp>
+        <p:nvSpPr>
+          <p:cNvPr id="4" name="Slide Number Placeholder 3"/>
+          <p:cNvSpPr>
+            <a:spLocks noGrp="1"/>
+          </p:cNvSpPr>
+          <p:nvPr>
+            <p:ph type="sldNum" sz="quarter" idx="5"/>
+          </p:nvPr>
+        </p:nvSpPr>
+        <p:spPr/>
+        <p:txBody>
+          <a:bodyPr/>
+          <a:lstStyle/>
+          <a:p>
+            <a:fld id="{2B8201F0-D6D6-4DD1-9838-513218FDDFA0}" type="slidenum">
+              <a:rPr kumimoji="1" lang="ja-JP" altLang="en-US" smtClean="0"/>
+              <a:t>1</a:t>
+            </a:fld>
+            <a:endParaRPr kumimoji="1" lang="ja-JP" altLang="en-US"/>
+          </a:p>
+        </p:txBody>
+      </p:sp>
+    </p:spTree>
+    <p:extLst>
+      <p:ext uri="{BB962C8B-B14F-4D97-AF65-F5344CB8AC3E}">
+        <p14:creationId xmlns:p14="http://schemas.microsoft.com/office/powerpoint/2010/main" val="2605143698"/>
+      </p:ext>
+    </p:extLst>
+  </p:cSld>
+  <p:clrMapOvr>
+    <a:masterClrMapping/>
+  </p:clrMapOvr>
+</p:notes>
+</file>
+
 <file path=ppt/slideLayouts/slideLayout1.xml><?xml version="1.0" encoding="utf-8"?>
 <p:sldLayout xmlns:a="http://schemas.openxmlformats.org/drawingml/2006/main" xmlns:r="http://schemas.openxmlformats.org/officeDocument/2006/relationships" xmlns:p="http://schemas.openxmlformats.org/presentationml/2006/main" type="title" preserve="1">
   <p:cSld name="タイトル スライド">
@@ -259,7 +696,7 @@
           <a:p>
             <a:fld id="{12C4E39A-9D43-8547-8ED7-9E99CFD6D622}" type="datetimeFigureOut">
               <a:rPr kumimoji="1" lang="ja-JP" altLang="en-US" smtClean="0"/>
-              <a:t>2020/5/15</a:t>
+              <a:t>2020/7/29</a:t>
             </a:fld>
             <a:endParaRPr kumimoji="1" lang="ja-JP" altLang="en-US"/>
           </a:p>
@@ -489,7 +926,7 @@
           <a:p>
             <a:fld id="{12C4E39A-9D43-8547-8ED7-9E99CFD6D622}" type="datetimeFigureOut">
               <a:rPr kumimoji="1" lang="ja-JP" altLang="en-US" smtClean="0"/>
-              <a:t>2020/5/15</a:t>
+              <a:t>2020/7/29</a:t>
             </a:fld>
             <a:endParaRPr kumimoji="1" lang="ja-JP" altLang="en-US"/>
           </a:p>
@@ -729,7 +1166,7 @@
           <a:p>
             <a:fld id="{12C4E39A-9D43-8547-8ED7-9E99CFD6D622}" type="datetimeFigureOut">
               <a:rPr kumimoji="1" lang="ja-JP" altLang="en-US" smtClean="0"/>
-              <a:t>2020/5/15</a:t>
+              <a:t>2020/7/29</a:t>
             </a:fld>
             <a:endParaRPr kumimoji="1" lang="ja-JP" altLang="en-US"/>
           </a:p>
@@ -959,7 +1396,7 @@
           <a:p>
             <a:fld id="{12C4E39A-9D43-8547-8ED7-9E99CFD6D622}" type="datetimeFigureOut">
               <a:rPr kumimoji="1" lang="ja-JP" altLang="en-US" smtClean="0"/>
-              <a:t>2020/5/15</a:t>
+              <a:t>2020/7/29</a:t>
             </a:fld>
             <a:endParaRPr kumimoji="1" lang="ja-JP" altLang="en-US"/>
           </a:p>
@@ -1234,7 +1671,7 @@
           <a:p>
             <a:fld id="{12C4E39A-9D43-8547-8ED7-9E99CFD6D622}" type="datetimeFigureOut">
               <a:rPr kumimoji="1" lang="ja-JP" altLang="en-US" smtClean="0"/>
-              <a:t>2020/5/15</a:t>
+              <a:t>2020/7/29</a:t>
             </a:fld>
             <a:endParaRPr kumimoji="1" lang="ja-JP" altLang="en-US"/>
           </a:p>
@@ -1563,7 +2000,7 @@
           <a:p>
             <a:fld id="{12C4E39A-9D43-8547-8ED7-9E99CFD6D622}" type="datetimeFigureOut">
               <a:rPr kumimoji="1" lang="ja-JP" altLang="en-US" smtClean="0"/>
-              <a:t>2020/5/15</a:t>
+              <a:t>2020/7/29</a:t>
             </a:fld>
             <a:endParaRPr kumimoji="1" lang="ja-JP" altLang="en-US"/>
           </a:p>
@@ -2039,7 +2476,7 @@
           <a:p>
             <a:fld id="{12C4E39A-9D43-8547-8ED7-9E99CFD6D622}" type="datetimeFigureOut">
               <a:rPr kumimoji="1" lang="ja-JP" altLang="en-US" smtClean="0"/>
-              <a:t>2020/5/15</a:t>
+              <a:t>2020/7/29</a:t>
             </a:fld>
             <a:endParaRPr kumimoji="1" lang="ja-JP" altLang="en-US"/>
           </a:p>
@@ -2180,7 +2617,7 @@
           <a:p>
             <a:fld id="{12C4E39A-9D43-8547-8ED7-9E99CFD6D622}" type="datetimeFigureOut">
               <a:rPr kumimoji="1" lang="ja-JP" altLang="en-US" smtClean="0"/>
-              <a:t>2020/5/15</a:t>
+              <a:t>2020/7/29</a:t>
             </a:fld>
             <a:endParaRPr kumimoji="1" lang="ja-JP" altLang="en-US"/>
           </a:p>
@@ -2293,7 +2730,7 @@
           <a:p>
             <a:fld id="{12C4E39A-9D43-8547-8ED7-9E99CFD6D622}" type="datetimeFigureOut">
               <a:rPr kumimoji="1" lang="ja-JP" altLang="en-US" smtClean="0"/>
-              <a:t>2020/5/15</a:t>
+              <a:t>2020/7/29</a:t>
             </a:fld>
             <a:endParaRPr kumimoji="1" lang="ja-JP" altLang="en-US"/>
           </a:p>
@@ -2636,7 +3073,7 @@
           <a:p>
             <a:fld id="{12C4E39A-9D43-8547-8ED7-9E99CFD6D622}" type="datetimeFigureOut">
               <a:rPr kumimoji="1" lang="ja-JP" altLang="en-US" smtClean="0"/>
-              <a:t>2020/5/15</a:t>
+              <a:t>2020/7/29</a:t>
             </a:fld>
             <a:endParaRPr kumimoji="1" lang="ja-JP" altLang="en-US"/>
           </a:p>
@@ -2924,7 +3361,7 @@
           <a:p>
             <a:fld id="{12C4E39A-9D43-8547-8ED7-9E99CFD6D622}" type="datetimeFigureOut">
               <a:rPr kumimoji="1" lang="ja-JP" altLang="en-US" smtClean="0"/>
-              <a:t>2020/5/15</a:t>
+              <a:t>2020/7/29</a:t>
             </a:fld>
             <a:endParaRPr kumimoji="1" lang="ja-JP" altLang="en-US"/>
           </a:p>
@@ -3197,7 +3634,7 @@
           <a:p>
             <a:fld id="{12C4E39A-9D43-8547-8ED7-9E99CFD6D622}" type="datetimeFigureOut">
               <a:rPr kumimoji="1" lang="ja-JP" altLang="en-US" smtClean="0"/>
-              <a:t>2020/5/15</a:t>
+              <a:t>2020/7/29</a:t>
             </a:fld>
             <a:endParaRPr kumimoji="1" lang="ja-JP" altLang="en-US"/>
           </a:p>
@@ -3629,36 +4066,6 @@
           <p:nvPr/>
         </p:nvPicPr>
         <p:blipFill>
-          <a:blip r:embed="rId2"/>
-          <a:stretch>
-            <a:fillRect/>
-          </a:stretch>
-        </p:blipFill>
-        <p:spPr>
-          <a:xfrm>
-            <a:off x="74685" y="220199"/>
-            <a:ext cx="2033790" cy="575976"/>
-          </a:xfrm>
-          <a:prstGeom prst="rect">
-            <a:avLst/>
-          </a:prstGeom>
-        </p:spPr>
-      </p:pic>
-      <p:pic>
-        <p:nvPicPr>
-          <p:cNvPr id="5" name="図 4" descr="テーブル が含まれている画像&#10;&#10;自動的に生成された説明">
-            <a:extLst>
-              <a:ext uri="{FF2B5EF4-FFF2-40B4-BE49-F238E27FC236}">
-                <a16:creationId xmlns:a16="http://schemas.microsoft.com/office/drawing/2014/main" id="{B2122A1C-1BE0-3340-967B-00C93562B624}"/>
-              </a:ext>
-            </a:extLst>
-          </p:cNvPr>
-          <p:cNvPicPr>
-            <a:picLocks noChangeAspect="1"/>
-          </p:cNvPicPr>
-          <p:nvPr/>
-        </p:nvPicPr>
-        <p:blipFill>
           <a:blip r:embed="rId3"/>
           <a:stretch>
             <a:fillRect/>
@@ -3666,8 +4073,8 @@
         </p:blipFill>
         <p:spPr>
           <a:xfrm>
-            <a:off x="3043989" y="4351384"/>
-            <a:ext cx="1058961" cy="648614"/>
+            <a:off x="74685" y="220199"/>
+            <a:ext cx="2033790" cy="575976"/>
           </a:xfrm>
           <a:prstGeom prst="rect">
             <a:avLst/>
@@ -3676,10 +4083,10 @@
       </p:pic>
       <p:pic>
         <p:nvPicPr>
-          <p:cNvPr id="11" name="図 10">
-            <a:extLst>
-              <a:ext uri="{FF2B5EF4-FFF2-40B4-BE49-F238E27FC236}">
-                <a16:creationId xmlns:a16="http://schemas.microsoft.com/office/drawing/2014/main" id="{BD570F70-020F-A24F-9A3B-8E6D3645039B}"/>
+          <p:cNvPr id="5" name="図 4" descr="テーブル が含まれている画像&#10;&#10;自動的に生成された説明">
+            <a:extLst>
+              <a:ext uri="{FF2B5EF4-FFF2-40B4-BE49-F238E27FC236}">
+                <a16:creationId xmlns:a16="http://schemas.microsoft.com/office/drawing/2014/main" id="{B2122A1C-1BE0-3340-967B-00C93562B624}"/>
               </a:ext>
             </a:extLst>
           </p:cNvPr>
@@ -3696,8 +4103,8 @@
         </p:blipFill>
         <p:spPr>
           <a:xfrm>
-            <a:off x="4245979" y="2349779"/>
-            <a:ext cx="2062412" cy="1158188"/>
+            <a:off x="4493869" y="4678222"/>
+            <a:ext cx="875175" cy="536045"/>
           </a:xfrm>
           <a:prstGeom prst="rect">
             <a:avLst/>
@@ -3706,10 +4113,10 @@
       </p:pic>
       <p:pic>
         <p:nvPicPr>
-          <p:cNvPr id="7" name="図 6" descr="花 が含まれている画像&#10;&#10;自動的に生成された説明">
-            <a:extLst>
-              <a:ext uri="{FF2B5EF4-FFF2-40B4-BE49-F238E27FC236}">
-                <a16:creationId xmlns:a16="http://schemas.microsoft.com/office/drawing/2014/main" id="{A77428B9-FA3A-0B4E-A03E-41027C7BB346}"/>
+          <p:cNvPr id="11" name="図 10">
+            <a:extLst>
+              <a:ext uri="{FF2B5EF4-FFF2-40B4-BE49-F238E27FC236}">
+                <a16:creationId xmlns:a16="http://schemas.microsoft.com/office/drawing/2014/main" id="{BD570F70-020F-A24F-9A3B-8E6D3645039B}"/>
               </a:ext>
             </a:extLst>
           </p:cNvPr>
@@ -3726,8 +4133,8 @@
         </p:blipFill>
         <p:spPr>
           <a:xfrm>
-            <a:off x="4435899" y="4323466"/>
-            <a:ext cx="941788" cy="863305"/>
+            <a:off x="3095490" y="1635094"/>
+            <a:ext cx="2495518" cy="1401408"/>
           </a:xfrm>
           <a:prstGeom prst="rect">
             <a:avLst/>
@@ -3736,10 +4143,10 @@
       </p:pic>
       <p:pic>
         <p:nvPicPr>
-          <p:cNvPr id="9" name="図 8" descr="レゴ, 部屋 が含まれている画像&#10;&#10;自動的に生成された説明">
-            <a:extLst>
-              <a:ext uri="{FF2B5EF4-FFF2-40B4-BE49-F238E27FC236}">
-                <a16:creationId xmlns:a16="http://schemas.microsoft.com/office/drawing/2014/main" id="{DEE68269-661E-A54F-9FB2-313D8D3B05C7}"/>
+          <p:cNvPr id="7" name="図 6" descr="花 が含まれている画像&#10;&#10;自動的に生成された説明">
+            <a:extLst>
+              <a:ext uri="{FF2B5EF4-FFF2-40B4-BE49-F238E27FC236}">
+                <a16:creationId xmlns:a16="http://schemas.microsoft.com/office/drawing/2014/main" id="{A77428B9-FA3A-0B4E-A03E-41027C7BB346}"/>
               </a:ext>
             </a:extLst>
           </p:cNvPr>
@@ -3756,8 +4163,8 @@
         </p:blipFill>
         <p:spPr>
           <a:xfrm>
-            <a:off x="3631737" y="2349779"/>
-            <a:ext cx="1158188" cy="1158188"/>
+            <a:off x="5064078" y="5526815"/>
+            <a:ext cx="778337" cy="713475"/>
           </a:xfrm>
           <a:prstGeom prst="rect">
             <a:avLst/>
@@ -3766,10 +4173,10 @@
       </p:pic>
       <p:pic>
         <p:nvPicPr>
-          <p:cNvPr id="13" name="図 12" descr="挿絵 が含まれている画像&#10;&#10;自動的に生成された説明">
-            <a:extLst>
-              <a:ext uri="{FF2B5EF4-FFF2-40B4-BE49-F238E27FC236}">
-                <a16:creationId xmlns:a16="http://schemas.microsoft.com/office/drawing/2014/main" id="{CBED2E7A-57CA-F24C-958C-B3C22A35F37A}"/>
+          <p:cNvPr id="9" name="図 8" descr="レゴ, 部屋 が含まれている画像&#10;&#10;自動的に生成された説明">
+            <a:extLst>
+              <a:ext uri="{FF2B5EF4-FFF2-40B4-BE49-F238E27FC236}">
+                <a16:creationId xmlns:a16="http://schemas.microsoft.com/office/drawing/2014/main" id="{DEE68269-661E-A54F-9FB2-313D8D3B05C7}"/>
               </a:ext>
             </a:extLst>
           </p:cNvPr>
@@ -3786,8 +4193,8 @@
         </p:blipFill>
         <p:spPr>
           <a:xfrm>
-            <a:off x="3326601" y="859094"/>
-            <a:ext cx="1000814" cy="749046"/>
+            <a:off x="7092294" y="2487117"/>
+            <a:ext cx="1158188" cy="1158188"/>
           </a:xfrm>
           <a:prstGeom prst="rect">
             <a:avLst/>
@@ -3796,10 +4203,10 @@
       </p:pic>
       <p:pic>
         <p:nvPicPr>
-          <p:cNvPr id="15" name="図 14" descr="食品, 挿絵 が含まれている画像&#10;&#10;自動的に生成された説明">
-            <a:extLst>
-              <a:ext uri="{FF2B5EF4-FFF2-40B4-BE49-F238E27FC236}">
-                <a16:creationId xmlns:a16="http://schemas.microsoft.com/office/drawing/2014/main" id="{6C3A9D44-8618-0B4D-885D-94237517FC1A}"/>
+          <p:cNvPr id="13" name="図 12" descr="挿絵 が含まれている画像&#10;&#10;自動的に生成された説明">
+            <a:extLst>
+              <a:ext uri="{FF2B5EF4-FFF2-40B4-BE49-F238E27FC236}">
+                <a16:creationId xmlns:a16="http://schemas.microsoft.com/office/drawing/2014/main" id="{CBED2E7A-57CA-F24C-958C-B3C22A35F37A}"/>
               </a:ext>
             </a:extLst>
           </p:cNvPr>
@@ -3816,8 +4223,8 @@
         </p:blipFill>
         <p:spPr>
           <a:xfrm>
-            <a:off x="8106247" y="2586248"/>
-            <a:ext cx="988484" cy="685250"/>
+            <a:off x="3326601" y="580802"/>
+            <a:ext cx="1000814" cy="749046"/>
           </a:xfrm>
           <a:prstGeom prst="rect">
             <a:avLst/>
@@ -3826,10 +4233,10 @@
       </p:pic>
       <p:pic>
         <p:nvPicPr>
-          <p:cNvPr id="17" name="図 16" descr="時計, 記号, コンピュータ, モニター が含まれている画像&#10;&#10;自動的に生成された説明">
-            <a:extLst>
-              <a:ext uri="{FF2B5EF4-FFF2-40B4-BE49-F238E27FC236}">
-                <a16:creationId xmlns:a16="http://schemas.microsoft.com/office/drawing/2014/main" id="{6B4883BF-CA2B-E046-8F5C-0D7FE63DA8B4}"/>
+          <p:cNvPr id="15" name="図 14" descr="食品, 挿絵 が含まれている画像&#10;&#10;自動的に生成された説明">
+            <a:extLst>
+              <a:ext uri="{FF2B5EF4-FFF2-40B4-BE49-F238E27FC236}">
+                <a16:creationId xmlns:a16="http://schemas.microsoft.com/office/drawing/2014/main" id="{6C3A9D44-8618-0B4D-885D-94237517FC1A}"/>
               </a:ext>
             </a:extLst>
           </p:cNvPr>
@@ -3846,8 +4253,8 @@
         </p:blipFill>
         <p:spPr>
           <a:xfrm>
-            <a:off x="3033456" y="2648147"/>
-            <a:ext cx="561453" cy="561453"/>
+            <a:off x="9045342" y="2723586"/>
+            <a:ext cx="988484" cy="685250"/>
           </a:xfrm>
           <a:prstGeom prst="rect">
             <a:avLst/>
@@ -3856,10 +4263,10 @@
       </p:pic>
       <p:pic>
         <p:nvPicPr>
-          <p:cNvPr id="25" name="図 24" descr="挿絵 が含まれている画像&#10;&#10;自動的に生成された説明">
-            <a:extLst>
-              <a:ext uri="{FF2B5EF4-FFF2-40B4-BE49-F238E27FC236}">
-                <a16:creationId xmlns:a16="http://schemas.microsoft.com/office/drawing/2014/main" id="{61F51602-53B1-3442-97F6-629E956CAA75}"/>
+          <p:cNvPr id="17" name="図 16" descr="時計, 記号, コンピュータ, モニター が含まれている画像&#10;&#10;自動的に生成された説明">
+            <a:extLst>
+              <a:ext uri="{FF2B5EF4-FFF2-40B4-BE49-F238E27FC236}">
+                <a16:creationId xmlns:a16="http://schemas.microsoft.com/office/drawing/2014/main" id="{6B4883BF-CA2B-E046-8F5C-0D7FE63DA8B4}"/>
               </a:ext>
             </a:extLst>
           </p:cNvPr>
@@ -3876,7 +4283,37 @@
         </p:blipFill>
         <p:spPr>
           <a:xfrm>
-            <a:off x="7147211" y="4564149"/>
+            <a:off x="6250214" y="2785485"/>
+            <a:ext cx="561453" cy="561453"/>
+          </a:xfrm>
+          <a:prstGeom prst="rect">
+            <a:avLst/>
+          </a:prstGeom>
+        </p:spPr>
+      </p:pic>
+      <p:pic>
+        <p:nvPicPr>
+          <p:cNvPr id="25" name="図 24" descr="挿絵 が含まれている画像&#10;&#10;自動的に生成された説明">
+            <a:extLst>
+              <a:ext uri="{FF2B5EF4-FFF2-40B4-BE49-F238E27FC236}">
+                <a16:creationId xmlns:a16="http://schemas.microsoft.com/office/drawing/2014/main" id="{61F51602-53B1-3442-97F6-629E956CAA75}"/>
+              </a:ext>
+            </a:extLst>
+          </p:cNvPr>
+          <p:cNvPicPr>
+            <a:picLocks noChangeAspect="1"/>
+          </p:cNvPicPr>
+          <p:nvPr/>
+        </p:nvPicPr>
+        <p:blipFill>
+          <a:blip r:embed="rId11"/>
+          <a:stretch>
+            <a:fillRect/>
+          </a:stretch>
+        </p:blipFill>
+        <p:spPr>
+          <a:xfrm>
+            <a:off x="7667960" y="4553833"/>
             <a:ext cx="567342" cy="784823"/>
           </a:xfrm>
           <a:prstGeom prst="rect">
@@ -3947,8 +4384,8 @@
         </p:nvSpPr>
         <p:spPr>
           <a:xfrm>
-            <a:off x="2835796" y="360777"/>
-            <a:ext cx="8390861" cy="1499526"/>
+            <a:off x="2835796" y="281265"/>
+            <a:ext cx="8390861" cy="1175902"/>
           </a:xfrm>
           <a:prstGeom prst="roundRect">
             <a:avLst>
@@ -4015,14 +4452,14 @@
           <p:nvPr/>
         </p:nvPicPr>
         <p:blipFill>
-          <a:blip r:embed="rId11"/>
+          <a:blip r:embed="rId12"/>
           <a:stretch>
             <a:fillRect/>
           </a:stretch>
         </p:blipFill>
         <p:spPr>
           <a:xfrm>
-            <a:off x="7311713" y="938792"/>
+            <a:off x="7311713" y="660500"/>
             <a:ext cx="589650" cy="589650"/>
           </a:xfrm>
           <a:prstGeom prst="rect">
@@ -4045,10 +4482,10 @@
           <p:nvPr/>
         </p:nvPicPr>
         <p:blipFill>
-          <a:blip r:embed="rId12">
+          <a:blip r:embed="rId13">
             <a:extLst>
               <a:ext uri="{96DAC541-7B7A-43D3-8B79-37D633B846F1}">
-                <asvg:svgBlip xmlns:asvg="http://schemas.microsoft.com/office/drawing/2016/SVG/main" r:embed="rId13"/>
+                <asvg:svgBlip xmlns:asvg="http://schemas.microsoft.com/office/drawing/2016/SVG/main" r:embed="rId14"/>
               </a:ext>
             </a:extLst>
           </a:blip>
@@ -4101,10 +4538,10 @@
             <p:nvPr/>
           </p:nvPicPr>
           <p:blipFill>
-            <a:blip r:embed="rId14">
+            <a:blip r:embed="rId15">
               <a:extLst>
                 <a:ext uri="{96DAC541-7B7A-43D3-8B79-37D633B846F1}">
-                  <asvg:svgBlip xmlns:asvg="http://schemas.microsoft.com/office/drawing/2016/SVG/main" r:embed="rId15"/>
+                  <asvg:svgBlip xmlns:asvg="http://schemas.microsoft.com/office/drawing/2016/SVG/main" r:embed="rId16"/>
                 </a:ext>
               </a:extLst>
             </a:blip>
@@ -4137,10 +4574,10 @@
             <p:nvPr/>
           </p:nvPicPr>
           <p:blipFill>
-            <a:blip r:embed="rId16">
+            <a:blip r:embed="rId17">
               <a:extLst>
                 <a:ext uri="{96DAC541-7B7A-43D3-8B79-37D633B846F1}">
-                  <asvg:svgBlip xmlns:asvg="http://schemas.microsoft.com/office/drawing/2016/SVG/main" r:embed="rId17"/>
+                  <asvg:svgBlip xmlns:asvg="http://schemas.microsoft.com/office/drawing/2016/SVG/main" r:embed="rId18"/>
                 </a:ext>
               </a:extLst>
             </a:blip>
@@ -4269,8 +4706,8 @@
         </p:nvSpPr>
         <p:spPr>
           <a:xfrm>
-            <a:off x="2835796" y="2056332"/>
-            <a:ext cx="8390861" cy="1499526"/>
+            <a:off x="2835796" y="1589672"/>
+            <a:ext cx="8390861" cy="1996352"/>
           </a:xfrm>
           <a:prstGeom prst="roundRect">
             <a:avLst>
@@ -4336,8 +4773,8 @@
         </p:nvSpPr>
         <p:spPr>
           <a:xfrm>
-            <a:off x="2835796" y="3771761"/>
-            <a:ext cx="8390861" cy="2725462"/>
+            <a:off x="2835796" y="3718164"/>
+            <a:ext cx="8390861" cy="2858571"/>
           </a:xfrm>
           <a:prstGeom prst="roundRect">
             <a:avLst>
@@ -4404,36 +4841,6 @@
           <p:nvPr/>
         </p:nvPicPr>
         <p:blipFill>
-          <a:blip r:embed="rId18"/>
-          <a:stretch>
-            <a:fillRect/>
-          </a:stretch>
-        </p:blipFill>
-        <p:spPr>
-          <a:xfrm>
-            <a:off x="9053800" y="997025"/>
-            <a:ext cx="1569081" cy="473185"/>
-          </a:xfrm>
-          <a:prstGeom prst="rect">
-            <a:avLst/>
-          </a:prstGeom>
-        </p:spPr>
-      </p:pic>
-      <p:pic>
-        <p:nvPicPr>
-          <p:cNvPr id="14" name="Picture 13">
-            <a:extLst>
-              <a:ext uri="{FF2B5EF4-FFF2-40B4-BE49-F238E27FC236}">
-                <a16:creationId xmlns:a16="http://schemas.microsoft.com/office/drawing/2014/main" id="{6FC9FAC2-BB3A-4EEC-9228-5CE6AB4F20AC}"/>
-              </a:ext>
-            </a:extLst>
-          </p:cNvPr>
-          <p:cNvPicPr>
-            <a:picLocks noChangeAspect="1"/>
-          </p:cNvPicPr>
-          <p:nvPr/>
-        </p:nvPicPr>
-        <p:blipFill>
           <a:blip r:embed="rId19"/>
           <a:stretch>
             <a:fillRect/>
@@ -4441,8 +4848,8 @@
         </p:blipFill>
         <p:spPr>
           <a:xfrm>
-            <a:off x="9242771" y="2659876"/>
-            <a:ext cx="584776" cy="537994"/>
+            <a:off x="9053800" y="718733"/>
+            <a:ext cx="1569081" cy="473185"/>
           </a:xfrm>
           <a:prstGeom prst="rect">
             <a:avLst/>
@@ -4451,10 +4858,10 @@
       </p:pic>
       <p:pic>
         <p:nvPicPr>
-          <p:cNvPr id="18" name="Picture 17">
-            <a:extLst>
-              <a:ext uri="{FF2B5EF4-FFF2-40B4-BE49-F238E27FC236}">
-                <a16:creationId xmlns:a16="http://schemas.microsoft.com/office/drawing/2014/main" id="{BB38DF96-7146-4B9B-A559-335BAC89D452}"/>
+          <p:cNvPr id="14" name="Picture 13">
+            <a:extLst>
+              <a:ext uri="{FF2B5EF4-FFF2-40B4-BE49-F238E27FC236}">
+                <a16:creationId xmlns:a16="http://schemas.microsoft.com/office/drawing/2014/main" id="{6FC9FAC2-BB3A-4EEC-9228-5CE6AB4F20AC}"/>
               </a:ext>
             </a:extLst>
           </p:cNvPr>
@@ -4471,8 +4878,8 @@
         </p:blipFill>
         <p:spPr>
           <a:xfrm>
-            <a:off x="5937442" y="2586248"/>
-            <a:ext cx="839123" cy="685250"/>
+            <a:off x="10226085" y="2797214"/>
+            <a:ext cx="584776" cy="537994"/>
           </a:xfrm>
           <a:prstGeom prst="rect">
             <a:avLst/>
@@ -4481,10 +4888,10 @@
       </p:pic>
       <p:pic>
         <p:nvPicPr>
-          <p:cNvPr id="20" name="Picture 19">
-            <a:extLst>
-              <a:ext uri="{FF2B5EF4-FFF2-40B4-BE49-F238E27FC236}">
-                <a16:creationId xmlns:a16="http://schemas.microsoft.com/office/drawing/2014/main" id="{3EBBE42D-D3DC-442F-9513-0D5CB2B5A08A}"/>
+          <p:cNvPr id="18" name="Picture 17">
+            <a:extLst>
+              <a:ext uri="{FF2B5EF4-FFF2-40B4-BE49-F238E27FC236}">
+                <a16:creationId xmlns:a16="http://schemas.microsoft.com/office/drawing/2014/main" id="{BB38DF96-7146-4B9B-A559-335BAC89D452}"/>
               </a:ext>
             </a:extLst>
           </p:cNvPr>
@@ -4501,8 +4908,8 @@
         </p:blipFill>
         <p:spPr>
           <a:xfrm>
-            <a:off x="3262648" y="5370631"/>
-            <a:ext cx="652645" cy="755959"/>
+            <a:off x="3278285" y="2723586"/>
+            <a:ext cx="839123" cy="685250"/>
           </a:xfrm>
           <a:prstGeom prst="rect">
             <a:avLst/>
@@ -4511,10 +4918,10 @@
       </p:pic>
       <p:pic>
         <p:nvPicPr>
-          <p:cNvPr id="23" name="Picture 22">
-            <a:extLst>
-              <a:ext uri="{FF2B5EF4-FFF2-40B4-BE49-F238E27FC236}">
-                <a16:creationId xmlns:a16="http://schemas.microsoft.com/office/drawing/2014/main" id="{96CCCEE0-3E09-439F-9DE5-07C22CFB2D34}"/>
+          <p:cNvPr id="20" name="Picture 19">
+            <a:extLst>
+              <a:ext uri="{FF2B5EF4-FFF2-40B4-BE49-F238E27FC236}">
+                <a16:creationId xmlns:a16="http://schemas.microsoft.com/office/drawing/2014/main" id="{3EBBE42D-D3DC-442F-9513-0D5CB2B5A08A}"/>
               </a:ext>
             </a:extLst>
           </p:cNvPr>
@@ -4531,8 +4938,8 @@
         </p:blipFill>
         <p:spPr>
           <a:xfrm>
-            <a:off x="4435899" y="5394351"/>
-            <a:ext cx="1131612" cy="668871"/>
+            <a:off x="3095490" y="5571173"/>
+            <a:ext cx="539376" cy="624759"/>
           </a:xfrm>
           <a:prstGeom prst="rect">
             <a:avLst/>
@@ -4541,10 +4948,10 @@
       </p:pic>
       <p:pic>
         <p:nvPicPr>
-          <p:cNvPr id="4" name="図 3" descr="挿絵 が含まれている画像&#10;&#10;自動的に生成された説明">
-            <a:extLst>
-              <a:ext uri="{FF2B5EF4-FFF2-40B4-BE49-F238E27FC236}">
-                <a16:creationId xmlns:a16="http://schemas.microsoft.com/office/drawing/2014/main" id="{1A7AEA58-DFCE-7548-85F9-0B47387F21C5}"/>
+          <p:cNvPr id="23" name="Picture 22">
+            <a:extLst>
+              <a:ext uri="{FF2B5EF4-FFF2-40B4-BE49-F238E27FC236}">
+                <a16:creationId xmlns:a16="http://schemas.microsoft.com/office/drawing/2014/main" id="{96CCCEE0-3E09-439F-9DE5-07C22CFB2D34}"/>
               </a:ext>
             </a:extLst>
           </p:cNvPr>
@@ -4561,8 +4968,8 @@
         </p:blipFill>
         <p:spPr>
           <a:xfrm>
-            <a:off x="5479853" y="893906"/>
-            <a:ext cx="679422" cy="679422"/>
+            <a:off x="3875641" y="5607159"/>
+            <a:ext cx="935216" cy="552786"/>
           </a:xfrm>
           <a:prstGeom prst="rect">
             <a:avLst/>
@@ -4571,10 +4978,10 @@
       </p:pic>
       <p:pic>
         <p:nvPicPr>
-          <p:cNvPr id="12" name="図 11" descr="挿絵 が含まれている画像&#10;&#10;自動的に生成された説明">
-            <a:extLst>
-              <a:ext uri="{FF2B5EF4-FFF2-40B4-BE49-F238E27FC236}">
-                <a16:creationId xmlns:a16="http://schemas.microsoft.com/office/drawing/2014/main" id="{FFC5D7A8-7C4F-BE46-9458-EC489F6E1F06}"/>
+          <p:cNvPr id="4" name="図 3" descr="挿絵 が含まれている画像&#10;&#10;自動的に生成された説明">
+            <a:extLst>
+              <a:ext uri="{FF2B5EF4-FFF2-40B4-BE49-F238E27FC236}">
+                <a16:creationId xmlns:a16="http://schemas.microsoft.com/office/drawing/2014/main" id="{1A7AEA58-DFCE-7548-85F9-0B47387F21C5}"/>
               </a:ext>
             </a:extLst>
           </p:cNvPr>
@@ -4591,8 +4998,8 @@
         </p:blipFill>
         <p:spPr>
           <a:xfrm>
-            <a:off x="9192372" y="4939259"/>
-            <a:ext cx="784823" cy="784823"/>
+            <a:off x="5479853" y="615614"/>
+            <a:ext cx="679422" cy="679422"/>
           </a:xfrm>
           <a:prstGeom prst="rect">
             <a:avLst/>
@@ -4601,10 +5008,10 @@
       </p:pic>
       <p:pic>
         <p:nvPicPr>
-          <p:cNvPr id="19" name="図 18" descr="挿絵 が含まれている画像&#10;&#10;自動的に生成された説明">
-            <a:extLst>
-              <a:ext uri="{FF2B5EF4-FFF2-40B4-BE49-F238E27FC236}">
-                <a16:creationId xmlns:a16="http://schemas.microsoft.com/office/drawing/2014/main" id="{55F8A625-1EAA-2143-918B-7E3443831A6D}"/>
+          <p:cNvPr id="12" name="図 11" descr="挿絵 が含まれている画像&#10;&#10;自動的に生成された説明">
+            <a:extLst>
+              <a:ext uri="{FF2B5EF4-FFF2-40B4-BE49-F238E27FC236}">
+                <a16:creationId xmlns:a16="http://schemas.microsoft.com/office/drawing/2014/main" id="{FFC5D7A8-7C4F-BE46-9458-EC489F6E1F06}"/>
               </a:ext>
             </a:extLst>
           </p:cNvPr>
@@ -4621,14 +5028,44 @@
         </p:blipFill>
         <p:spPr>
           <a:xfrm>
-            <a:off x="9915197" y="4980975"/>
-            <a:ext cx="1143744" cy="701390"/>
+            <a:off x="10087275" y="4553833"/>
+            <a:ext cx="784823" cy="784823"/>
           </a:xfrm>
           <a:prstGeom prst="rect">
             <a:avLst/>
           </a:prstGeom>
         </p:spPr>
       </p:pic>
+      <p:pic>
+        <p:nvPicPr>
+          <p:cNvPr id="19" name="図 18" descr="挿絵 が含まれている画像&#10;&#10;自動的に生成された説明">
+            <a:extLst>
+              <a:ext uri="{FF2B5EF4-FFF2-40B4-BE49-F238E27FC236}">
+                <a16:creationId xmlns:a16="http://schemas.microsoft.com/office/drawing/2014/main" id="{55F8A625-1EAA-2143-918B-7E3443831A6D}"/>
+              </a:ext>
+            </a:extLst>
+          </p:cNvPr>
+          <p:cNvPicPr>
+            <a:picLocks noChangeAspect="1"/>
+          </p:cNvPicPr>
+          <p:nvPr/>
+        </p:nvPicPr>
+        <p:blipFill>
+          <a:blip r:embed="rId26"/>
+          <a:stretch>
+            <a:fillRect/>
+          </a:stretch>
+        </p:blipFill>
+        <p:spPr>
+          <a:xfrm>
+            <a:off x="9886380" y="5532857"/>
+            <a:ext cx="1143744" cy="701390"/>
+          </a:xfrm>
+          <a:prstGeom prst="rect">
+            <a:avLst/>
+          </a:prstGeom>
+        </p:spPr>
+      </p:pic>
       <p:sp>
         <p:nvSpPr>
           <p:cNvPr id="36" name="角丸四角形 26">
@@ -4643,8 +5080,8 @@
         </p:nvSpPr>
         <p:spPr>
           <a:xfrm>
-            <a:off x="9068268" y="4249872"/>
-            <a:ext cx="1984848" cy="2031658"/>
+            <a:off x="9886380" y="4036548"/>
+            <a:ext cx="1186614" cy="2458306"/>
           </a:xfrm>
           <a:prstGeom prst="roundRect">
             <a:avLst>
@@ -4711,36 +5148,6 @@
           <p:nvPr/>
         </p:nvPicPr>
         <p:blipFill>
-          <a:blip r:embed="rId26"/>
-          <a:stretch>
-            <a:fillRect/>
-          </a:stretch>
-        </p:blipFill>
-        <p:spPr>
-          <a:xfrm>
-            <a:off x="7938026" y="5473755"/>
-            <a:ext cx="854218" cy="514839"/>
-          </a:xfrm>
-          <a:prstGeom prst="rect">
-            <a:avLst/>
-          </a:prstGeom>
-        </p:spPr>
-      </p:pic>
-      <p:pic>
-        <p:nvPicPr>
-          <p:cNvPr id="30" name="図 29" descr="抽象, 挿絵, 記号 が含まれている画像&#10;&#10;自動的に生成された説明">
-            <a:extLst>
-              <a:ext uri="{FF2B5EF4-FFF2-40B4-BE49-F238E27FC236}">
-                <a16:creationId xmlns:a16="http://schemas.microsoft.com/office/drawing/2014/main" id="{D8D29A36-D30E-0041-B6DB-0DDB28A25667}"/>
-              </a:ext>
-            </a:extLst>
-          </p:cNvPr>
-          <p:cNvPicPr>
-            <a:picLocks noChangeAspect="1"/>
-          </p:cNvPicPr>
-          <p:nvPr/>
-        </p:nvPicPr>
-        <p:blipFill>
           <a:blip r:embed="rId27"/>
           <a:stretch>
             <a:fillRect/>
@@ -4748,8 +5155,8 @@
         </p:blipFill>
         <p:spPr>
           <a:xfrm>
-            <a:off x="6309950" y="5557730"/>
-            <a:ext cx="519457" cy="519457"/>
+            <a:off x="7742743" y="5626133"/>
+            <a:ext cx="854218" cy="514839"/>
           </a:xfrm>
           <a:prstGeom prst="rect">
             <a:avLst/>
@@ -4758,10 +5165,10 @@
       </p:pic>
       <p:pic>
         <p:nvPicPr>
-          <p:cNvPr id="41" name="図 40" descr="グラフィック, 挿絵 が含まれている画像&#10;&#10;自動的に生成された説明">
-            <a:extLst>
-              <a:ext uri="{FF2B5EF4-FFF2-40B4-BE49-F238E27FC236}">
-                <a16:creationId xmlns:a16="http://schemas.microsoft.com/office/drawing/2014/main" id="{58425D29-3C33-524D-A990-13142E627E24}"/>
+          <p:cNvPr id="30" name="図 29" descr="抽象, 挿絵, 記号 が含まれている画像&#10;&#10;自動的に生成された説明">
+            <a:extLst>
+              <a:ext uri="{FF2B5EF4-FFF2-40B4-BE49-F238E27FC236}">
+                <a16:creationId xmlns:a16="http://schemas.microsoft.com/office/drawing/2014/main" id="{D8D29A36-D30E-0041-B6DB-0DDB28A25667}"/>
               </a:ext>
             </a:extLst>
           </p:cNvPr>
@@ -4778,14 +5185,44 @@
         </p:blipFill>
         <p:spPr>
           <a:xfrm>
-            <a:off x="7165783" y="5542250"/>
-            <a:ext cx="505605" cy="519457"/>
+            <a:off x="6348491" y="5623824"/>
+            <a:ext cx="519457" cy="519457"/>
           </a:xfrm>
           <a:prstGeom prst="rect">
             <a:avLst/>
           </a:prstGeom>
         </p:spPr>
       </p:pic>
+      <p:pic>
+        <p:nvPicPr>
+          <p:cNvPr id="41" name="図 40" descr="グラフィック, 挿絵 が含まれている画像&#10;&#10;自動的に生成された説明">
+            <a:extLst>
+              <a:ext uri="{FF2B5EF4-FFF2-40B4-BE49-F238E27FC236}">
+                <a16:creationId xmlns:a16="http://schemas.microsoft.com/office/drawing/2014/main" id="{58425D29-3C33-524D-A990-13142E627E24}"/>
+              </a:ext>
+            </a:extLst>
+          </p:cNvPr>
+          <p:cNvPicPr>
+            <a:picLocks noChangeAspect="1"/>
+          </p:cNvPicPr>
+          <p:nvPr/>
+        </p:nvPicPr>
+        <p:blipFill>
+          <a:blip r:embed="rId29"/>
+          <a:stretch>
+            <a:fillRect/>
+          </a:stretch>
+        </p:blipFill>
+        <p:spPr>
+          <a:xfrm>
+            <a:off x="7124812" y="5623824"/>
+            <a:ext cx="505605" cy="519457"/>
+          </a:xfrm>
+          <a:prstGeom prst="rect">
+            <a:avLst/>
+          </a:prstGeom>
+        </p:spPr>
+      </p:pic>
       <p:sp>
         <p:nvSpPr>
           <p:cNvPr id="40" name="角丸四角形 26">
@@ -4800,8 +5237,8 @@
         </p:nvSpPr>
         <p:spPr>
           <a:xfrm>
-            <a:off x="6041121" y="4249872"/>
-            <a:ext cx="2837323" cy="2031658"/>
+            <a:off x="6090816" y="4036548"/>
+            <a:ext cx="3651840" cy="2458306"/>
           </a:xfrm>
           <a:prstGeom prst="roundRect">
             <a:avLst>
@@ -4868,14 +5305,14 @@
           <p:nvPr/>
         </p:nvPicPr>
         <p:blipFill>
-          <a:blip r:embed="rId29"/>
+          <a:blip r:embed="rId30"/>
           <a:stretch>
             <a:fillRect/>
           </a:stretch>
         </p:blipFill>
         <p:spPr>
           <a:xfrm>
-            <a:off x="10086799" y="2788914"/>
+            <a:off x="9542308" y="2195839"/>
             <a:ext cx="1036768" cy="279918"/>
           </a:xfrm>
           <a:prstGeom prst="rect">
@@ -4898,15 +5335,105 @@
           <p:nvPr/>
         </p:nvPicPr>
         <p:blipFill>
-          <a:blip r:embed="rId30"/>
+          <a:blip r:embed="rId31"/>
           <a:stretch>
             <a:fillRect/>
           </a:stretch>
         </p:blipFill>
         <p:spPr>
           <a:xfrm>
-            <a:off x="6961675" y="2657221"/>
+            <a:off x="6527068" y="2064146"/>
             <a:ext cx="1033603" cy="543304"/>
+          </a:xfrm>
+          <a:prstGeom prst="rect">
+            <a:avLst/>
+          </a:prstGeom>
+        </p:spPr>
+      </p:pic>
+      <p:pic>
+        <p:nvPicPr>
+          <p:cNvPr id="8" name="Picture 7" descr="A close up of a sign&#10;&#10;Description automatically generated">
+            <a:extLst>
+              <a:ext uri="{FF2B5EF4-FFF2-40B4-BE49-F238E27FC236}">
+                <a16:creationId xmlns:a16="http://schemas.microsoft.com/office/drawing/2014/main" id="{CCD01C0D-D256-4A87-B228-0EBAAFEC9E56}"/>
+              </a:ext>
+            </a:extLst>
+          </p:cNvPr>
+          <p:cNvPicPr>
+            <a:picLocks noChangeAspect="1"/>
+          </p:cNvPicPr>
+          <p:nvPr/>
+        </p:nvPicPr>
+        <p:blipFill>
+          <a:blip r:embed="rId32"/>
+          <a:stretch>
+            <a:fillRect/>
+          </a:stretch>
+        </p:blipFill>
+        <p:spPr>
+          <a:xfrm>
+            <a:off x="4597612" y="2732366"/>
+            <a:ext cx="667690" cy="667690"/>
+          </a:xfrm>
+          <a:prstGeom prst="rect">
+            <a:avLst/>
+          </a:prstGeom>
+        </p:spPr>
+      </p:pic>
+      <p:pic>
+        <p:nvPicPr>
+          <p:cNvPr id="21" name="Picture 20" descr="A close up of a sign&#10;&#10;Description automatically generated">
+            <a:extLst>
+              <a:ext uri="{FF2B5EF4-FFF2-40B4-BE49-F238E27FC236}">
+                <a16:creationId xmlns:a16="http://schemas.microsoft.com/office/drawing/2014/main" id="{29A6AF64-94EE-49DB-9DB6-950D9DD73B4F}"/>
+              </a:ext>
+            </a:extLst>
+          </p:cNvPr>
+          <p:cNvPicPr>
+            <a:picLocks noChangeAspect="1"/>
+          </p:cNvPicPr>
+          <p:nvPr/>
+        </p:nvPicPr>
+        <p:blipFill>
+          <a:blip r:embed="rId33"/>
+          <a:stretch>
+            <a:fillRect/>
+          </a:stretch>
+        </p:blipFill>
+        <p:spPr>
+          <a:xfrm>
+            <a:off x="8682400" y="5729639"/>
+            <a:ext cx="918924" cy="307827"/>
+          </a:xfrm>
+          <a:prstGeom prst="rect">
+            <a:avLst/>
+          </a:prstGeom>
+        </p:spPr>
+      </p:pic>
+      <p:pic>
+        <p:nvPicPr>
+          <p:cNvPr id="31" name="Picture 30" descr="A picture containing drawing&#10;&#10;Description automatically generated">
+            <a:extLst>
+              <a:ext uri="{FF2B5EF4-FFF2-40B4-BE49-F238E27FC236}">
+                <a16:creationId xmlns:a16="http://schemas.microsoft.com/office/drawing/2014/main" id="{CA818554-3D4F-4C59-AB1B-52D5DADF2092}"/>
+              </a:ext>
+            </a:extLst>
+          </p:cNvPr>
+          <p:cNvPicPr>
+            <a:picLocks noChangeAspect="1"/>
+          </p:cNvPicPr>
+          <p:nvPr/>
+        </p:nvPicPr>
+        <p:blipFill>
+          <a:blip r:embed="rId34"/>
+          <a:stretch>
+            <a:fillRect/>
+          </a:stretch>
+        </p:blipFill>
+        <p:spPr>
+          <a:xfrm>
+            <a:off x="3165105" y="4574462"/>
+            <a:ext cx="1213984" cy="743565"/>
           </a:xfrm>
           <a:prstGeom prst="rect">
             <a:avLst/>
@@ -5219,4 +5746,299 @@
     </a:ext>
   </a:extLst>
 </a:theme>
+</file>
+
+<file path=ppt/theme/theme2.xml><?xml version="1.0" encoding="utf-8"?>
+<a:theme xmlns:a="http://schemas.openxmlformats.org/drawingml/2006/main" name="Office Theme">
+  <a:themeElements>
+    <a:clrScheme name="Office">
+      <a:dk1>
+        <a:sysClr val="windowText" lastClr="000000"/>
+      </a:dk1>
+      <a:lt1>
+        <a:sysClr val="window" lastClr="FFFFFF"/>
+      </a:lt1>
+      <a:dk2>
+        <a:srgbClr val="44546A"/>
+      </a:dk2>
+      <a:lt2>
+        <a:srgbClr val="E7E6E6"/>
+      </a:lt2>
+      <a:accent1>
+        <a:srgbClr val="4472C4"/>
+      </a:accent1>
+      <a:accent2>
+        <a:srgbClr val="ED7D31"/>
+      </a:accent2>
+      <a:accent3>
+        <a:srgbClr val="A5A5A5"/>
+      </a:accent3>
+      <a:accent4>
+        <a:srgbClr val="FFC000"/>
+      </a:accent4>
+      <a:accent5>
+        <a:srgbClr val="5B9BD5"/>
+      </a:accent5>
+      <a:accent6>
+        <a:srgbClr val="70AD47"/>
+      </a:accent6>
+      <a:hlink>
+        <a:srgbClr val="0563C1"/>
+      </a:hlink>
+      <a:folHlink>
+        <a:srgbClr val="954F72"/>
+      </a:folHlink>
+    </a:clrScheme>
+    <a:fontScheme name="Office">
+      <a:majorFont>
+        <a:latin typeface="游ゴシック Light" panose="020F0302020204030204"/>
+        <a:ea typeface=""/>
+        <a:cs typeface=""/>
+        <a:font script="Jpan" typeface="游ゴシック Light"/>
+        <a:font script="Hang" typeface="맑은 고딕"/>
+        <a:font script="Hans" typeface="等线 Light"/>
+        <a:font script="Hant" typeface="新細明體"/>
+        <a:font script="Arab" typeface="Times New Roman"/>
+        <a:font script="Hebr" typeface="Times New Roman"/>
+        <a:font script="Thai" typeface="Angsana New"/>
+        <a:font script="Ethi" typeface="Nyala"/>
+        <a:font script="Beng" typeface="Vrinda"/>
+        <a:font script="Gujr" typeface="Shruti"/>
+        <a:font script="Khmr" typeface="MoolBoran"/>
+        <a:font script="Knda" typeface="Tunga"/>
+        <a:font script="Guru" typeface="Raavi"/>
+        <a:font script="Cans" typeface="Euphemia"/>
+        <a:font script="Cher" typeface="Plantagenet Cherokee"/>
+        <a:font script="Yiii" typeface="Microsoft Yi Baiti"/>
+        <a:font script="Tibt" typeface="Microsoft Himalaya"/>
+        <a:font script="Thaa" typeface="MV Boli"/>
+        <a:font script="Deva" typeface="Mangal"/>
+        <a:font script="Telu" typeface="Gautami"/>
+        <a:font script="Taml" typeface="Latha"/>
+        <a:font script="Syrc" typeface="Estrangelo Edessa"/>
+        <a:font script="Orya" typeface="Kalinga"/>
+        <a:font script="Mlym" typeface="Kartika"/>
+        <a:font script="Laoo" typeface="DokChampa"/>
+        <a:font script="Sinh" typeface="Iskoola Pota"/>
+        <a:font script="Mong" typeface="Mongolian Baiti"/>
+        <a:font script="Viet" typeface="Times New Roman"/>
+        <a:font script="Uigh" typeface="Microsoft Uighur"/>
+        <a:font script="Geor" typeface="Sylfaen"/>
+        <a:font script="Armn" typeface="Arial"/>
+        <a:font script="Bugi" typeface="Leelawadee UI"/>
+        <a:font script="Bopo" typeface="Microsoft JhengHei"/>
+        <a:font script="Java" typeface="Javanese Text"/>
+        <a:font script="Lisu" typeface="Segoe UI"/>
+        <a:font script="Mymr" typeface="Myanmar Text"/>
+        <a:font script="Nkoo" typeface="Ebrima"/>
+        <a:font script="Olck" typeface="Nirmala UI"/>
+        <a:font script="Osma" typeface="Ebrima"/>
+        <a:font script="Phag" typeface="Phagspa"/>
+        <a:font script="Syrn" typeface="Estrangelo Edessa"/>
+        <a:font script="Syrj" typeface="Estrangelo Edessa"/>
+        <a:font script="Syre" typeface="Estrangelo Edessa"/>
+        <a:font script="Sora" typeface="Nirmala UI"/>
+        <a:font script="Tale" typeface="Microsoft Tai Le"/>
+        <a:font script="Talu" typeface="Microsoft New Tai Lue"/>
+        <a:font script="Tfng" typeface="Ebrima"/>
+      </a:majorFont>
+      <a:minorFont>
+        <a:latin typeface="游ゴシック" panose="020F0502020204030204"/>
+        <a:ea typeface=""/>
+        <a:cs typeface=""/>
+        <a:font script="Jpan" typeface="游ゴシック"/>
+        <a:font script="Hang" typeface="맑은 고딕"/>
+        <a:font script="Hans" typeface="等线"/>
+        <a:font script="Hant" typeface="新細明體"/>
+        <a:font script="Arab" typeface="Arial"/>
+        <a:font script="Hebr" typeface="Arial"/>
+        <a:font script="Thai" typeface="Cordia New"/>
+        <a:font script="Ethi" typeface="Nyala"/>
+        <a:font script="Beng" typeface="Vrinda"/>
+        <a:font script="Gujr" typeface="Shruti"/>
+        <a:font script="Khmr" typeface="DaunPenh"/>
+        <a:font script="Knda" typeface="Tunga"/>
+        <a:font script="Guru" typeface="Raavi"/>
+        <a:font script="Cans" typeface="Euphemia"/>
+        <a:font script="Cher" typeface="Plantagenet Cherokee"/>
+        <a:font script="Yiii" typeface="Microsoft Yi Baiti"/>
+        <a:font script="Tibt" typeface="Microsoft Himalaya"/>
+        <a:font script="Thaa" typeface="MV Boli"/>
+        <a:font script="Deva" typeface="Mangal"/>
+        <a:font script="Telu" typeface="Gautami"/>
+        <a:font script="Taml" typeface="Latha"/>
+        <a:font script="Syrc" typeface="Estrangelo Edessa"/>
+        <a:font script="Orya" typeface="Kalinga"/>
+        <a:font script="Mlym" typeface="Kartika"/>
+        <a:font script="Laoo" typeface="DokChampa"/>
+        <a:font script="Sinh" typeface="Iskoola Pota"/>
+        <a:font script="Mong" typeface="Mongolian Baiti"/>
+        <a:font script="Viet" typeface="Arial"/>
+        <a:font script="Uigh" typeface="Microsoft Uighur"/>
+        <a:font script="Geor" typeface="Sylfaen"/>
+        <a:font script="Armn" typeface="Arial"/>
+        <a:font script="Bugi" typeface="Leelawadee UI"/>
+        <a:font script="Bopo" typeface="Microsoft JhengHei"/>
+        <a:font script="Java" typeface="Javanese Text"/>
+        <a:font script="Lisu" typeface="Segoe UI"/>
+        <a:font script="Mymr" typeface="Myanmar Text"/>
+        <a:font script="Nkoo" typeface="Ebrima"/>
+        <a:font script="Olck" typeface="Nirmala UI"/>
+        <a:font script="Osma" typeface="Ebrima"/>
+        <a:font script="Phag" typeface="Phagspa"/>
+        <a:font script="Syrn" typeface="Estrangelo Edessa"/>
+        <a:font script="Syrj" typeface="Estrangelo Edessa"/>
+        <a:font script="Syre" typeface="Estrangelo Edessa"/>
+        <a:font script="Sora" typeface="Nirmala UI"/>
+        <a:font script="Tale" typeface="Microsoft Tai Le"/>
+        <a:font script="Talu" typeface="Microsoft New Tai Lue"/>
+        <a:font script="Tfng" typeface="Ebrima"/>
+      </a:minorFont>
+    </a:fontScheme>
+    <a:fmtScheme name="Office">
+      <a:fillStyleLst>
+        <a:solidFill>
+          <a:schemeClr val="phClr"/>
+        </a:solidFill>
+        <a:gradFill rotWithShape="1">
+          <a:gsLst>
+            <a:gs pos="0">
+              <a:schemeClr val="phClr">
+                <a:lumMod val="110000"/>
+                <a:satMod val="105000"/>
+                <a:tint val="67000"/>
+              </a:schemeClr>
+            </a:gs>
+            <a:gs pos="50000">
+              <a:schemeClr val="phClr">
+                <a:lumMod val="105000"/>
+                <a:satMod val="103000"/>
+                <a:tint val="73000"/>
+              </a:schemeClr>
+            </a:gs>
+            <a:gs pos="100000">
+              <a:schemeClr val="phClr">
+                <a:lumMod val="105000"/>
+                <a:satMod val="109000"/>
+                <a:tint val="81000"/>
+              </a:schemeClr>
+            </a:gs>
+          </a:gsLst>
+          <a:lin ang="5400000" scaled="0"/>
+        </a:gradFill>
+        <a:gradFill rotWithShape="1">
+          <a:gsLst>
+            <a:gs pos="0">
+              <a:schemeClr val="phClr">
+                <a:satMod val="103000"/>
+                <a:lumMod val="102000"/>
+                <a:tint val="94000"/>
+              </a:schemeClr>
+            </a:gs>
+            <a:gs pos="50000">
+              <a:schemeClr val="phClr">
+                <a:satMod val="110000"/>
+                <a:lumMod val="100000"/>
+                <a:shade val="100000"/>
+              </a:schemeClr>
+            </a:gs>
+            <a:gs pos="100000">
+              <a:schemeClr val="phClr">
+                <a:lumMod val="99000"/>
+                <a:satMod val="120000"/>
+                <a:shade val="78000"/>
+              </a:schemeClr>
+            </a:gs>
+          </a:gsLst>
+          <a:lin ang="5400000" scaled="0"/>
+        </a:gradFill>
+      </a:fillStyleLst>
+      <a:lnStyleLst>
+        <a:ln w="6350" cap="flat" cmpd="sng" algn="ctr">
+          <a:solidFill>
+            <a:schemeClr val="phClr"/>
+          </a:solidFill>
+          <a:prstDash val="solid"/>
+          <a:miter lim="800000"/>
+        </a:ln>
+        <a:ln w="12700" cap="flat" cmpd="sng" algn="ctr">
+          <a:solidFill>
+            <a:schemeClr val="phClr"/>
+          </a:solidFill>
+          <a:prstDash val="solid"/>
+          <a:miter lim="800000"/>
+        </a:ln>
+        <a:ln w="19050" cap="flat" cmpd="sng" algn="ctr">
+          <a:solidFill>
+            <a:schemeClr val="phClr"/>
+          </a:solidFill>
+          <a:prstDash val="solid"/>
+          <a:miter lim="800000"/>
+        </a:ln>
+      </a:lnStyleLst>
+      <a:effectStyleLst>
+        <a:effectStyle>
+          <a:effectLst/>
+        </a:effectStyle>
+        <a:effectStyle>
+          <a:effectLst/>
+        </a:effectStyle>
+        <a:effectStyle>
+          <a:effectLst>
+            <a:outerShdw blurRad="57150" dist="19050" dir="5400000" algn="ctr" rotWithShape="0">
+              <a:srgbClr val="000000">
+                <a:alpha val="63000"/>
+              </a:srgbClr>
+            </a:outerShdw>
+          </a:effectLst>
+        </a:effectStyle>
+      </a:effectStyleLst>
+      <a:bgFillStyleLst>
+        <a:solidFill>
+          <a:schemeClr val="phClr"/>
+        </a:solidFill>
+        <a:solidFill>
+          <a:schemeClr val="phClr">
+            <a:tint val="95000"/>
+            <a:satMod val="170000"/>
+          </a:schemeClr>
+        </a:solidFill>
+        <a:gradFill rotWithShape="1">
+          <a:gsLst>
+            <a:gs pos="0">
+              <a:schemeClr val="phClr">
+                <a:tint val="93000"/>
+                <a:satMod val="150000"/>
+                <a:shade val="98000"/>
+                <a:lumMod val="102000"/>
+              </a:schemeClr>
+            </a:gs>
+            <a:gs pos="50000">
+              <a:schemeClr val="phClr">
+                <a:tint val="98000"/>
+                <a:satMod val="130000"/>
+                <a:shade val="90000"/>
+                <a:lumMod val="103000"/>
+              </a:schemeClr>
+            </a:gs>
+            <a:gs pos="100000">
+              <a:schemeClr val="phClr">
+                <a:shade val="63000"/>
+                <a:satMod val="120000"/>
+              </a:schemeClr>
+            </a:gs>
+          </a:gsLst>
+          <a:lin ang="5400000" scaled="0"/>
+        </a:gradFill>
+      </a:bgFillStyleLst>
+    </a:fmtScheme>
+  </a:themeElements>
+  <a:objectDefaults/>
+  <a:extraClrSchemeLst/>
+  <a:extLst>
+    <a:ext uri="{05A4C25C-085E-4340-85A3-A5531E510DB2}">
+      <thm15:themeFamily xmlns:thm15="http://schemas.microsoft.com/office/thememl/2012/main" name="Office Theme" id="{62F939B6-93AF-4DB8-9C6B-D6C7DFDC589F}" vid="{4A3C46E8-61CC-4603-A589-7422A47A8E4A}"/>
+    </a:ext>
+  </a:extLst>
+</a:theme>
 </file>
--- a/docs/LayardArchitecturalOverview.pptx
+++ b/docs/LayardArchitecturalOverview.pptx
@@ -197,7 +197,7 @@
           <a:p>
             <a:fld id="{0797AB29-4935-47BE-A5E2-20A530779BA3}" type="datetimeFigureOut">
               <a:rPr kumimoji="1" lang="ja-JP" altLang="en-US" smtClean="0"/>
-              <a:t>2020/7/29</a:t>
+              <a:t>2021/2/1</a:t>
             </a:fld>
             <a:endParaRPr kumimoji="1" lang="ja-JP" altLang="en-US"/>
           </a:p>
@@ -696,7 +696,7 @@
           <a:p>
             <a:fld id="{12C4E39A-9D43-8547-8ED7-9E99CFD6D622}" type="datetimeFigureOut">
               <a:rPr kumimoji="1" lang="ja-JP" altLang="en-US" smtClean="0"/>
-              <a:t>2020/7/29</a:t>
+              <a:t>2021/2/1</a:t>
             </a:fld>
             <a:endParaRPr kumimoji="1" lang="ja-JP" altLang="en-US"/>
           </a:p>
@@ -926,7 +926,7 @@
           <a:p>
             <a:fld id="{12C4E39A-9D43-8547-8ED7-9E99CFD6D622}" type="datetimeFigureOut">
               <a:rPr kumimoji="1" lang="ja-JP" altLang="en-US" smtClean="0"/>
-              <a:t>2020/7/29</a:t>
+              <a:t>2021/2/1</a:t>
             </a:fld>
             <a:endParaRPr kumimoji="1" lang="ja-JP" altLang="en-US"/>
           </a:p>
@@ -1166,7 +1166,7 @@
           <a:p>
             <a:fld id="{12C4E39A-9D43-8547-8ED7-9E99CFD6D622}" type="datetimeFigureOut">
               <a:rPr kumimoji="1" lang="ja-JP" altLang="en-US" smtClean="0"/>
-              <a:t>2020/7/29</a:t>
+              <a:t>2021/2/1</a:t>
             </a:fld>
             <a:endParaRPr kumimoji="1" lang="ja-JP" altLang="en-US"/>
           </a:p>
@@ -1396,7 +1396,7 @@
           <a:p>
             <a:fld id="{12C4E39A-9D43-8547-8ED7-9E99CFD6D622}" type="datetimeFigureOut">
               <a:rPr kumimoji="1" lang="ja-JP" altLang="en-US" smtClean="0"/>
-              <a:t>2020/7/29</a:t>
+              <a:t>2021/2/1</a:t>
             </a:fld>
             <a:endParaRPr kumimoji="1" lang="ja-JP" altLang="en-US"/>
           </a:p>
@@ -1671,7 +1671,7 @@
           <a:p>
             <a:fld id="{12C4E39A-9D43-8547-8ED7-9E99CFD6D622}" type="datetimeFigureOut">
               <a:rPr kumimoji="1" lang="ja-JP" altLang="en-US" smtClean="0"/>
-              <a:t>2020/7/29</a:t>
+              <a:t>2021/2/1</a:t>
             </a:fld>
             <a:endParaRPr kumimoji="1" lang="ja-JP" altLang="en-US"/>
           </a:p>
@@ -2000,7 +2000,7 @@
           <a:p>
             <a:fld id="{12C4E39A-9D43-8547-8ED7-9E99CFD6D622}" type="datetimeFigureOut">
               <a:rPr kumimoji="1" lang="ja-JP" altLang="en-US" smtClean="0"/>
-              <a:t>2020/7/29</a:t>
+              <a:t>2021/2/1</a:t>
             </a:fld>
             <a:endParaRPr kumimoji="1" lang="ja-JP" altLang="en-US"/>
           </a:p>
@@ -2476,7 +2476,7 @@
           <a:p>
             <a:fld id="{12C4E39A-9D43-8547-8ED7-9E99CFD6D622}" type="datetimeFigureOut">
               <a:rPr kumimoji="1" lang="ja-JP" altLang="en-US" smtClean="0"/>
-              <a:t>2020/7/29</a:t>
+              <a:t>2021/2/1</a:t>
             </a:fld>
             <a:endParaRPr kumimoji="1" lang="ja-JP" altLang="en-US"/>
           </a:p>
@@ -2617,7 +2617,7 @@
           <a:p>
             <a:fld id="{12C4E39A-9D43-8547-8ED7-9E99CFD6D622}" type="datetimeFigureOut">
               <a:rPr kumimoji="1" lang="ja-JP" altLang="en-US" smtClean="0"/>
-              <a:t>2020/7/29</a:t>
+              <a:t>2021/2/1</a:t>
             </a:fld>
             <a:endParaRPr kumimoji="1" lang="ja-JP" altLang="en-US"/>
           </a:p>
@@ -2730,7 +2730,7 @@
           <a:p>
             <a:fld id="{12C4E39A-9D43-8547-8ED7-9E99CFD6D622}" type="datetimeFigureOut">
               <a:rPr kumimoji="1" lang="ja-JP" altLang="en-US" smtClean="0"/>
-              <a:t>2020/7/29</a:t>
+              <a:t>2021/2/1</a:t>
             </a:fld>
             <a:endParaRPr kumimoji="1" lang="ja-JP" altLang="en-US"/>
           </a:p>
@@ -3073,7 +3073,7 @@
           <a:p>
             <a:fld id="{12C4E39A-9D43-8547-8ED7-9E99CFD6D622}" type="datetimeFigureOut">
               <a:rPr kumimoji="1" lang="ja-JP" altLang="en-US" smtClean="0"/>
-              <a:t>2020/7/29</a:t>
+              <a:t>2021/2/1</a:t>
             </a:fld>
             <a:endParaRPr kumimoji="1" lang="ja-JP" altLang="en-US"/>
           </a:p>
@@ -3361,7 +3361,7 @@
           <a:p>
             <a:fld id="{12C4E39A-9D43-8547-8ED7-9E99CFD6D622}" type="datetimeFigureOut">
               <a:rPr kumimoji="1" lang="ja-JP" altLang="en-US" smtClean="0"/>
-              <a:t>2020/7/29</a:t>
+              <a:t>2021/2/1</a:t>
             </a:fld>
             <a:endParaRPr kumimoji="1" lang="ja-JP" altLang="en-US"/>
           </a:p>
@@ -3634,7 +3634,7 @@
           <a:p>
             <a:fld id="{12C4E39A-9D43-8547-8ED7-9E99CFD6D622}" type="datetimeFigureOut">
               <a:rPr kumimoji="1" lang="ja-JP" altLang="en-US" smtClean="0"/>
-              <a:t>2020/7/29</a:t>
+              <a:t>2021/2/1</a:t>
             </a:fld>
             <a:endParaRPr kumimoji="1" lang="ja-JP" altLang="en-US"/>
           </a:p>
@@ -4253,7 +4253,7 @@
         </p:blipFill>
         <p:spPr>
           <a:xfrm>
-            <a:off x="9045342" y="2723586"/>
+            <a:off x="8429120" y="2723586"/>
             <a:ext cx="988484" cy="685250"/>
           </a:xfrm>
           <a:prstGeom prst="rect">
@@ -4878,7 +4878,7 @@
         </p:blipFill>
         <p:spPr>
           <a:xfrm>
-            <a:off x="10226085" y="2797214"/>
+            <a:off x="9530351" y="2797214"/>
             <a:ext cx="584776" cy="537994"/>
           </a:xfrm>
           <a:prstGeom prst="rect">
@@ -5312,7 +5312,7 @@
         </p:blipFill>
         <p:spPr>
           <a:xfrm>
-            <a:off x="9542308" y="2195839"/>
+            <a:off x="9283894" y="2195839"/>
             <a:ext cx="1036768" cy="279918"/>
           </a:xfrm>
           <a:prstGeom prst="rect">
@@ -5434,6 +5434,36 @@
           <a:xfrm>
             <a:off x="3165105" y="4574462"/>
             <a:ext cx="1213984" cy="743565"/>
+          </a:xfrm>
+          <a:prstGeom prst="rect">
+            <a:avLst/>
+          </a:prstGeom>
+        </p:spPr>
+      </p:pic>
+      <p:pic>
+        <p:nvPicPr>
+          <p:cNvPr id="16" name="Picture 15" descr="Logo&#10;&#10;Description automatically generated">
+            <a:extLst>
+              <a:ext uri="{FF2B5EF4-FFF2-40B4-BE49-F238E27FC236}">
+                <a16:creationId xmlns:a16="http://schemas.microsoft.com/office/drawing/2014/main" id="{C4172595-4F16-4CD4-A45E-72F9F522920C}"/>
+              </a:ext>
+            </a:extLst>
+          </p:cNvPr>
+          <p:cNvPicPr>
+            <a:picLocks noChangeAspect="1"/>
+          </p:cNvPicPr>
+          <p:nvPr/>
+        </p:nvPicPr>
+        <p:blipFill>
+          <a:blip r:embed="rId35"/>
+          <a:stretch>
+            <a:fillRect/>
+          </a:stretch>
+        </p:blipFill>
+        <p:spPr>
+          <a:xfrm>
+            <a:off x="10280673" y="2748791"/>
+            <a:ext cx="858441" cy="575423"/>
           </a:xfrm>
           <a:prstGeom prst="rect">
             <a:avLst/>

--- a/docs/LayardArchitecturalOverview.pptx
+++ b/docs/LayardArchitecturalOverview.pptx
@@ -4459,7 +4459,7 @@
         </p:blipFill>
         <p:spPr>
           <a:xfrm>
-            <a:off x="7311713" y="660500"/>
+            <a:off x="6735243" y="660500"/>
             <a:ext cx="589650" cy="589650"/>
           </a:xfrm>
           <a:prstGeom prst="rect">
@@ -4848,7 +4848,7 @@
         </p:blipFill>
         <p:spPr>
           <a:xfrm>
-            <a:off x="9053800" y="718733"/>
+            <a:off x="9133312" y="718733"/>
             <a:ext cx="1569081" cy="473185"/>
           </a:xfrm>
           <a:prstGeom prst="rect">
@@ -4998,7 +4998,7 @@
         </p:blipFill>
         <p:spPr>
           <a:xfrm>
-            <a:off x="5479853" y="615614"/>
+            <a:off x="8034206" y="615614"/>
             <a:ext cx="679422" cy="679422"/>
           </a:xfrm>
           <a:prstGeom prst="rect">
@@ -5464,6 +5464,36 @@
           <a:xfrm>
             <a:off x="10280673" y="2748791"/>
             <a:ext cx="858441" cy="575423"/>
+          </a:xfrm>
+          <a:prstGeom prst="rect">
+            <a:avLst/>
+          </a:prstGeom>
+        </p:spPr>
+      </p:pic>
+      <p:pic>
+        <p:nvPicPr>
+          <p:cNvPr id="28" name="Picture 27" descr="A picture containing logo&#10;&#10;Description automatically generated">
+            <a:extLst>
+              <a:ext uri="{FF2B5EF4-FFF2-40B4-BE49-F238E27FC236}">
+                <a16:creationId xmlns:a16="http://schemas.microsoft.com/office/drawing/2014/main" id="{194E0E8F-27E7-42E9-A5D5-2BEBCE74B143}"/>
+              </a:ext>
+            </a:extLst>
+          </p:cNvPr>
+          <p:cNvPicPr>
+            <a:picLocks noChangeAspect="1"/>
+          </p:cNvPicPr>
+          <p:nvPr/>
+        </p:nvPicPr>
+        <p:blipFill>
+          <a:blip r:embed="rId36"/>
+          <a:stretch>
+            <a:fillRect/>
+          </a:stretch>
+        </p:blipFill>
+        <p:spPr>
+          <a:xfrm>
+            <a:off x="4766575" y="615093"/>
+            <a:ext cx="1368125" cy="718266"/>
           </a:xfrm>
           <a:prstGeom prst="rect">
             <a:avLst/>
